--- a/计算机组成/作业(图灵班)/习题讲解.pptx
+++ b/计算机组成/作业(图灵班)/习题讲解.pptx
@@ -5,54 +5,54 @@
     <p:sldMasterId id="2147483648" r:id="rId1"/>
   </p:sldMasterIdLst>
   <p:notesMasterIdLst>
-    <p:notesMasterId r:id="rId5"/>
+    <p:notesMasterId r:id="rId39"/>
   </p:notesMasterIdLst>
   <p:handoutMasterIdLst>
-    <p:handoutMasterId r:id="rId41"/>
+    <p:handoutMasterId r:id="rId40"/>
   </p:handoutMasterIdLst>
   <p:sldIdLst>
-    <p:sldId id="312" r:id="rId3"/>
-    <p:sldId id="331" r:id="rId4"/>
-    <p:sldId id="256" r:id="rId6"/>
-    <p:sldId id="350" r:id="rId7"/>
-    <p:sldId id="352" r:id="rId8"/>
-    <p:sldId id="353" r:id="rId9"/>
-    <p:sldId id="354" r:id="rId10"/>
-    <p:sldId id="355" r:id="rId11"/>
-    <p:sldId id="356" r:id="rId12"/>
-    <p:sldId id="382" r:id="rId13"/>
-    <p:sldId id="383" r:id="rId14"/>
-    <p:sldId id="384" r:id="rId15"/>
-    <p:sldId id="385" r:id="rId16"/>
-    <p:sldId id="386" r:id="rId17"/>
-    <p:sldId id="387" r:id="rId18"/>
-    <p:sldId id="388" r:id="rId19"/>
-    <p:sldId id="389" r:id="rId20"/>
-    <p:sldId id="390" r:id="rId21"/>
-    <p:sldId id="391" r:id="rId22"/>
-    <p:sldId id="392" r:id="rId23"/>
-    <p:sldId id="393" r:id="rId24"/>
-    <p:sldId id="394" r:id="rId25"/>
-    <p:sldId id="395" r:id="rId26"/>
-    <p:sldId id="413" r:id="rId27"/>
-    <p:sldId id="414" r:id="rId28"/>
-    <p:sldId id="429" r:id="rId29"/>
-    <p:sldId id="417" r:id="rId30"/>
-    <p:sldId id="418" r:id="rId31"/>
-    <p:sldId id="415" r:id="rId32"/>
-    <p:sldId id="419" r:id="rId33"/>
-    <p:sldId id="420" r:id="rId34"/>
-    <p:sldId id="416" r:id="rId35"/>
-    <p:sldId id="421" r:id="rId36"/>
-    <p:sldId id="422" r:id="rId37"/>
-    <p:sldId id="423" r:id="rId38"/>
-    <p:sldId id="425" r:id="rId39"/>
-    <p:sldId id="426" r:id="rId40"/>
+    <p:sldId id="312" r:id="rId2"/>
+    <p:sldId id="331" r:id="rId3"/>
+    <p:sldId id="256" r:id="rId4"/>
+    <p:sldId id="350" r:id="rId5"/>
+    <p:sldId id="352" r:id="rId6"/>
+    <p:sldId id="353" r:id="rId7"/>
+    <p:sldId id="354" r:id="rId8"/>
+    <p:sldId id="355" r:id="rId9"/>
+    <p:sldId id="356" r:id="rId10"/>
+    <p:sldId id="382" r:id="rId11"/>
+    <p:sldId id="383" r:id="rId12"/>
+    <p:sldId id="384" r:id="rId13"/>
+    <p:sldId id="385" r:id="rId14"/>
+    <p:sldId id="386" r:id="rId15"/>
+    <p:sldId id="387" r:id="rId16"/>
+    <p:sldId id="388" r:id="rId17"/>
+    <p:sldId id="389" r:id="rId18"/>
+    <p:sldId id="390" r:id="rId19"/>
+    <p:sldId id="391" r:id="rId20"/>
+    <p:sldId id="392" r:id="rId21"/>
+    <p:sldId id="393" r:id="rId22"/>
+    <p:sldId id="394" r:id="rId23"/>
+    <p:sldId id="395" r:id="rId24"/>
+    <p:sldId id="413" r:id="rId25"/>
+    <p:sldId id="414" r:id="rId26"/>
+    <p:sldId id="429" r:id="rId27"/>
+    <p:sldId id="417" r:id="rId28"/>
+    <p:sldId id="418" r:id="rId29"/>
+    <p:sldId id="415" r:id="rId30"/>
+    <p:sldId id="419" r:id="rId31"/>
+    <p:sldId id="420" r:id="rId32"/>
+    <p:sldId id="416" r:id="rId33"/>
+    <p:sldId id="421" r:id="rId34"/>
+    <p:sldId id="422" r:id="rId35"/>
+    <p:sldId id="423" r:id="rId36"/>
+    <p:sldId id="425" r:id="rId37"/>
+    <p:sldId id="426" r:id="rId38"/>
   </p:sldIdLst>
   <p:sldSz cx="9144000" cy="6858000" type="screen4x3"/>
   <p:notesSz cx="6858000" cy="9144000"/>
   <p:custDataLst>
-    <p:tags r:id="rId45"/>
+    <p:tags r:id="rId41"/>
   </p:custDataLst>
   <p:defaultTextStyle>
     <a:defPPr>
@@ -275,7 +275,14 @@
         <p:cNvGrpSpPr/>
         <p:nvPr/>
       </p:nvGrpSpPr>
-      <p:grpSpPr/>
+      <p:grpSpPr>
+        <a:xfrm>
+          <a:off x="0" y="0"/>
+          <a:ext cx="0" cy="0"/>
+          <a:chOff x="0" y="0"/>
+          <a:chExt cx="0" cy="0"/>
+        </a:xfrm>
+      </p:grpSpPr>
       <p:sp>
         <p:nvSpPr>
           <p:cNvPr id="63490" name="Rectangle 1026"/>
@@ -501,16 +508,23 @@
         </p:spPr>
         <p:txBody>
           <a:bodyPr vert="horz" wrap="square" lIns="91440" tIns="45720" rIns="91440" bIns="45720" numCol="1" anchor="b" anchorCtr="0" compatLnSpc="1"/>
+          <a:lstStyle/>
           <a:p>
             <a:pPr lvl="0" algn="r" eaLnBrk="1" hangingPunct="1"/>
             <a:fld id="{9A0DB2DC-4C9A-4742-B13C-FB6460FD3503}" type="slidenum">
               <a:rPr lang="en-US" altLang="zh-CN" sz="1200"/>
+              <a:t>‹#›</a:t>
             </a:fld>
             <a:endParaRPr lang="en-US" altLang="zh-CN" sz="1200"/>
           </a:p>
         </p:txBody>
       </p:sp>
     </p:spTree>
+    <p:extLst>
+      <p:ext uri="{BB962C8B-B14F-4D97-AF65-F5344CB8AC3E}">
+        <p14:creationId xmlns:p14="http://schemas.microsoft.com/office/powerpoint/2010/main" val="1"/>
+      </p:ext>
+    </p:extLst>
   </p:cSld>
   <p:clrMap bg1="lt1" tx1="dk1" bg2="lt2" tx2="dk2" accent1="accent1" accent2="accent2" accent3="accent3" accent4="accent4" accent5="accent5" accent6="accent6" hlink="hlink" folHlink="folHlink"/>
 </p:handoutMaster>
@@ -533,7 +547,14 @@
         <p:cNvGrpSpPr/>
         <p:nvPr/>
       </p:nvGrpSpPr>
-      <p:grpSpPr/>
+      <p:grpSpPr>
+        <a:xfrm>
+          <a:off x="0" y="0"/>
+          <a:ext cx="0" cy="0"/>
+          <a:chOff x="0" y="0"/>
+          <a:chExt cx="0" cy="0"/>
+        </a:xfrm>
+      </p:grpSpPr>
       <p:sp>
         <p:nvSpPr>
           <p:cNvPr id="102402" name="Rectangle 2"/>
@@ -670,7 +691,7 @@
         <p:nvSpPr>
           <p:cNvPr id="13316" name="Rectangle 4"/>
           <p:cNvSpPr>
-            <a:spLocks noRot="1" noTextEdit="1"/>
+            <a:spLocks noGrp="1" noRot="1" noChangeAspect="1" noTextEdit="1"/>
           </p:cNvSpPr>
           <p:nvPr>
             <p:ph type="sldImg" idx="2"/>
@@ -723,13 +744,13 @@
         </p:spPr>
         <p:txBody>
           <a:bodyPr vert="horz" wrap="square" lIns="91440" tIns="45720" rIns="91440" bIns="45720" numCol="1" anchor="t" anchorCtr="0" compatLnSpc="1"/>
+          <a:lstStyle/>
           <a:p>
             <a:pPr lvl="0"/>
             <a:r>
               <a:rPr lang="zh-CN" altLang="en-US"/>
               <a:t>单击此处编辑母版文本样式</a:t>
             </a:r>
-            <a:endParaRPr lang="zh-CN" altLang="en-US"/>
           </a:p>
           <a:p>
             <a:pPr lvl="1"/>
@@ -737,7 +758,6 @@
               <a:rPr lang="zh-CN" altLang="en-US"/>
               <a:t>第二级</a:t>
             </a:r>
-            <a:endParaRPr lang="zh-CN" altLang="en-US"/>
           </a:p>
           <a:p>
             <a:pPr lvl="2"/>
@@ -745,7 +765,6 @@
               <a:rPr lang="zh-CN" altLang="en-US"/>
               <a:t>第三级</a:t>
             </a:r>
-            <a:endParaRPr lang="zh-CN" altLang="en-US"/>
           </a:p>
           <a:p>
             <a:pPr lvl="3"/>
@@ -753,7 +772,6 @@
               <a:rPr lang="zh-CN" altLang="en-US"/>
               <a:t>第四级</a:t>
             </a:r>
-            <a:endParaRPr lang="zh-CN" altLang="en-US"/>
           </a:p>
           <a:p>
             <a:pPr lvl="4"/>
@@ -761,7 +779,6 @@
               <a:rPr lang="zh-CN" altLang="en-US"/>
               <a:t>第五级</a:t>
             </a:r>
-            <a:endParaRPr lang="zh-CN" altLang="en-US"/>
           </a:p>
         </p:txBody>
       </p:sp>
@@ -858,10 +875,12 @@
         </p:spPr>
         <p:txBody>
           <a:bodyPr vert="horz" wrap="square" lIns="91440" tIns="45720" rIns="91440" bIns="45720" numCol="1" anchor="b" anchorCtr="0" compatLnSpc="1"/>
+          <a:lstStyle/>
           <a:p>
             <a:pPr lvl="0" algn="r" eaLnBrk="1" hangingPunct="1"/>
             <a:fld id="{9A0DB2DC-4C9A-4742-B13C-FB6460FD3503}" type="slidenum">
               <a:rPr lang="en-US" altLang="zh-CN" sz="1200"/>
+              <a:t>‹#›</a:t>
             </a:fld>
             <a:endParaRPr lang="en-US" altLang="zh-CN" sz="1200"/>
           </a:p>
@@ -1005,12 +1024,19 @@
         <p:cNvGrpSpPr/>
         <p:nvPr/>
       </p:nvGrpSpPr>
-      <p:grpSpPr/>
+      <p:grpSpPr>
+        <a:xfrm>
+          <a:off x="0" y="0"/>
+          <a:ext cx="0" cy="0"/>
+          <a:chOff x="0" y="0"/>
+          <a:chExt cx="0" cy="0"/>
+        </a:xfrm>
+      </p:grpSpPr>
       <p:sp>
         <p:nvSpPr>
           <p:cNvPr id="2" name="幻灯片图像占位符 1"/>
           <p:cNvSpPr>
-            <a:spLocks noGrp="1"/>
+            <a:spLocks noGrp="1" noRot="1" noChangeAspect="1"/>
           </p:cNvSpPr>
           <p:nvPr>
             <p:ph type="sldImg" idx="2"/>
@@ -1031,6 +1057,7 @@
         <p:spPr/>
         <p:txBody>
           <a:bodyPr/>
+          <a:lstStyle/>
           <a:p>
             <a:r>
               <a:rPr lang="zh-CN" altLang="en-US"/>
@@ -1052,7 +1079,6 @@
               <a:rPr lang="zh-CN" altLang="en-US"/>
               <a:t>，那将会绝杀，可惜换不得。</a:t>
             </a:r>
-            <a:endParaRPr lang="zh-CN" altLang="en-US"/>
           </a:p>
         </p:txBody>
       </p:sp>
@@ -1073,12 +1099,19 @@
         <p:cNvGrpSpPr/>
         <p:nvPr/>
       </p:nvGrpSpPr>
-      <p:grpSpPr/>
+      <p:grpSpPr>
+        <a:xfrm>
+          <a:off x="0" y="0"/>
+          <a:ext cx="0" cy="0"/>
+          <a:chOff x="0" y="0"/>
+          <a:chExt cx="0" cy="0"/>
+        </a:xfrm>
+      </p:grpSpPr>
       <p:sp>
         <p:nvSpPr>
           <p:cNvPr id="2" name="幻灯片图像占位符 1"/>
           <p:cNvSpPr>
-            <a:spLocks noGrp="1"/>
+            <a:spLocks noGrp="1" noRot="1" noChangeAspect="1"/>
           </p:cNvSpPr>
           <p:nvPr>
             <p:ph type="sldImg" idx="2"/>
@@ -1099,6 +1132,7 @@
         <p:spPr/>
         <p:txBody>
           <a:bodyPr/>
+          <a:lstStyle/>
           <a:p>
             <a:endParaRPr lang="zh-CN" altLang="en-US"/>
           </a:p>
@@ -1121,12 +1155,19 @@
         <p:cNvGrpSpPr/>
         <p:nvPr/>
       </p:nvGrpSpPr>
-      <p:grpSpPr/>
+      <p:grpSpPr>
+        <a:xfrm>
+          <a:off x="0" y="0"/>
+          <a:ext cx="0" cy="0"/>
+          <a:chOff x="0" y="0"/>
+          <a:chExt cx="0" cy="0"/>
+        </a:xfrm>
+      </p:grpSpPr>
       <p:sp>
         <p:nvSpPr>
           <p:cNvPr id="2" name="幻灯片图像占位符 1"/>
           <p:cNvSpPr>
-            <a:spLocks noGrp="1"/>
+            <a:spLocks noGrp="1" noRot="1" noChangeAspect="1"/>
           </p:cNvSpPr>
           <p:nvPr>
             <p:ph type="sldImg" idx="2"/>
@@ -1147,6 +1188,7 @@
         <p:spPr/>
         <p:txBody>
           <a:bodyPr/>
+          <a:lstStyle/>
           <a:p>
             <a:endParaRPr lang="zh-CN" altLang="en-US"/>
           </a:p>
@@ -1169,12 +1211,19 @@
         <p:cNvGrpSpPr/>
         <p:nvPr/>
       </p:nvGrpSpPr>
-      <p:grpSpPr/>
+      <p:grpSpPr>
+        <a:xfrm>
+          <a:off x="0" y="0"/>
+          <a:ext cx="0" cy="0"/>
+          <a:chOff x="0" y="0"/>
+          <a:chExt cx="0" cy="0"/>
+        </a:xfrm>
+      </p:grpSpPr>
       <p:sp>
         <p:nvSpPr>
           <p:cNvPr id="2" name="幻灯片图像占位符 1"/>
           <p:cNvSpPr>
-            <a:spLocks noGrp="1"/>
+            <a:spLocks noGrp="1" noRot="1" noChangeAspect="1"/>
           </p:cNvSpPr>
           <p:nvPr>
             <p:ph type="sldImg" idx="2"/>
@@ -1195,6 +1244,7 @@
         <p:spPr/>
         <p:txBody>
           <a:bodyPr/>
+          <a:lstStyle/>
           <a:p>
             <a:endParaRPr lang="zh-CN" altLang="en-US"/>
           </a:p>
@@ -1217,12 +1267,19 @@
         <p:cNvGrpSpPr/>
         <p:nvPr/>
       </p:nvGrpSpPr>
-      <p:grpSpPr/>
+      <p:grpSpPr>
+        <a:xfrm>
+          <a:off x="0" y="0"/>
+          <a:ext cx="0" cy="0"/>
+          <a:chOff x="0" y="0"/>
+          <a:chExt cx="0" cy="0"/>
+        </a:xfrm>
+      </p:grpSpPr>
       <p:sp>
         <p:nvSpPr>
           <p:cNvPr id="2" name="幻灯片图像占位符 1"/>
           <p:cNvSpPr>
-            <a:spLocks noGrp="1"/>
+            <a:spLocks noGrp="1" noRot="1" noChangeAspect="1"/>
           </p:cNvSpPr>
           <p:nvPr>
             <p:ph type="sldImg" idx="2"/>
@@ -1243,6 +1300,7 @@
         <p:spPr/>
         <p:txBody>
           <a:bodyPr/>
+          <a:lstStyle/>
           <a:p>
             <a:endParaRPr lang="zh-CN" altLang="en-US"/>
           </a:p>
@@ -1265,12 +1323,19 @@
         <p:cNvGrpSpPr/>
         <p:nvPr/>
       </p:nvGrpSpPr>
-      <p:grpSpPr/>
+      <p:grpSpPr>
+        <a:xfrm>
+          <a:off x="0" y="0"/>
+          <a:ext cx="0" cy="0"/>
+          <a:chOff x="0" y="0"/>
+          <a:chExt cx="0" cy="0"/>
+        </a:xfrm>
+      </p:grpSpPr>
       <p:sp>
         <p:nvSpPr>
           <p:cNvPr id="2" name="幻灯片图像占位符 1"/>
           <p:cNvSpPr>
-            <a:spLocks noGrp="1"/>
+            <a:spLocks noGrp="1" noRot="1" noChangeAspect="1"/>
           </p:cNvSpPr>
           <p:nvPr>
             <p:ph type="sldImg" idx="2"/>
@@ -1291,6 +1356,7 @@
         <p:spPr/>
         <p:txBody>
           <a:bodyPr/>
+          <a:lstStyle/>
           <a:p>
             <a:r>
               <a:rPr lang="zh-CN" altLang="en-US"/>
@@ -1328,14 +1394,12 @@
               <a:rPr lang="zh-CN" altLang="en-US"/>
               <a:t>的时间。</a:t>
             </a:r>
-            <a:endParaRPr lang="zh-CN" altLang="en-US"/>
           </a:p>
           <a:p>
             <a:r>
               <a:rPr lang="zh-CN" altLang="en-US"/>
               <a:t>比较谁更快，我用的是时间比较法。</a:t>
             </a:r>
-            <a:endParaRPr lang="zh-CN" altLang="en-US"/>
           </a:p>
         </p:txBody>
       </p:sp>
@@ -1356,12 +1420,19 @@
         <p:cNvGrpSpPr/>
         <p:nvPr/>
       </p:nvGrpSpPr>
-      <p:grpSpPr/>
+      <p:grpSpPr>
+        <a:xfrm>
+          <a:off x="0" y="0"/>
+          <a:ext cx="0" cy="0"/>
+          <a:chOff x="0" y="0"/>
+          <a:chExt cx="0" cy="0"/>
+        </a:xfrm>
+      </p:grpSpPr>
       <p:sp>
         <p:nvSpPr>
           <p:cNvPr id="2" name="幻灯片图像占位符 1"/>
           <p:cNvSpPr>
-            <a:spLocks noGrp="1"/>
+            <a:spLocks noGrp="1" noRot="1" noChangeAspect="1"/>
           </p:cNvSpPr>
           <p:nvPr>
             <p:ph type="sldImg" idx="2"/>
@@ -1382,6 +1453,7 @@
         <p:spPr/>
         <p:txBody>
           <a:bodyPr/>
+          <a:lstStyle/>
           <a:p>
             <a:r>
               <a:rPr lang="en-US"/>
@@ -1415,7 +1487,6 @@
               <a:rPr lang="zh-CN" altLang="en-US"/>
               <a:t>。</a:t>
             </a:r>
-            <a:endParaRPr lang="zh-CN" altLang="en-US"/>
           </a:p>
         </p:txBody>
       </p:sp>
@@ -1436,12 +1507,19 @@
         <p:cNvGrpSpPr/>
         <p:nvPr/>
       </p:nvGrpSpPr>
-      <p:grpSpPr/>
+      <p:grpSpPr>
+        <a:xfrm>
+          <a:off x="0" y="0"/>
+          <a:ext cx="0" cy="0"/>
+          <a:chOff x="0" y="0"/>
+          <a:chExt cx="0" cy="0"/>
+        </a:xfrm>
+      </p:grpSpPr>
       <p:sp>
         <p:nvSpPr>
           <p:cNvPr id="2" name="幻灯片图像占位符 1"/>
           <p:cNvSpPr>
-            <a:spLocks noGrp="1"/>
+            <a:spLocks noGrp="1" noRot="1" noChangeAspect="1"/>
           </p:cNvSpPr>
           <p:nvPr>
             <p:ph type="sldImg" idx="2"/>
@@ -1462,6 +1540,7 @@
         <p:spPr/>
         <p:txBody>
           <a:bodyPr/>
+          <a:lstStyle/>
           <a:p>
             <a:r>
               <a:rPr lang="zh-CN"/>
@@ -1475,7 +1554,6 @@
               <a:rPr lang="zh-CN" altLang="en-US"/>
               <a:t>，这是一种时间浪费。</a:t>
             </a:r>
-            <a:endParaRPr lang="zh-CN" altLang="en-US"/>
           </a:p>
         </p:txBody>
       </p:sp>
@@ -1496,12 +1574,19 @@
         <p:cNvGrpSpPr/>
         <p:nvPr/>
       </p:nvGrpSpPr>
-      <p:grpSpPr/>
+      <p:grpSpPr>
+        <a:xfrm>
+          <a:off x="0" y="0"/>
+          <a:ext cx="0" cy="0"/>
+          <a:chOff x="0" y="0"/>
+          <a:chExt cx="0" cy="0"/>
+        </a:xfrm>
+      </p:grpSpPr>
       <p:sp>
         <p:nvSpPr>
           <p:cNvPr id="2" name="幻灯片图像占位符 1"/>
           <p:cNvSpPr>
-            <a:spLocks noGrp="1"/>
+            <a:spLocks noGrp="1" noRot="1" noChangeAspect="1"/>
           </p:cNvSpPr>
           <p:nvPr>
             <p:ph type="sldImg" idx="2"/>
@@ -1522,6 +1607,7 @@
         <p:spPr/>
         <p:txBody>
           <a:bodyPr/>
+          <a:lstStyle/>
           <a:p>
             <a:r>
               <a:rPr lang="zh-CN" altLang="en-US"/>
@@ -1543,7 +1629,6 @@
               <a:rPr lang="zh-CN" altLang="en-US"/>
               <a:t>也算进来了。</a:t>
             </a:r>
-            <a:endParaRPr lang="zh-CN" altLang="en-US"/>
           </a:p>
         </p:txBody>
       </p:sp>
@@ -1564,12 +1649,19 @@
         <p:cNvGrpSpPr/>
         <p:nvPr/>
       </p:nvGrpSpPr>
-      <p:grpSpPr/>
+      <p:grpSpPr>
+        <a:xfrm>
+          <a:off x="0" y="0"/>
+          <a:ext cx="0" cy="0"/>
+          <a:chOff x="0" y="0"/>
+          <a:chExt cx="0" cy="0"/>
+        </a:xfrm>
+      </p:grpSpPr>
       <p:sp>
         <p:nvSpPr>
           <p:cNvPr id="2" name="幻灯片图像占位符 1"/>
           <p:cNvSpPr>
-            <a:spLocks noGrp="1"/>
+            <a:spLocks noGrp="1" noRot="1" noChangeAspect="1"/>
           </p:cNvSpPr>
           <p:nvPr>
             <p:ph type="sldImg" idx="2"/>
@@ -1590,6 +1682,7 @@
         <p:spPr/>
         <p:txBody>
           <a:bodyPr/>
+          <a:lstStyle/>
           <a:p>
             <a:r>
               <a:rPr lang="zh-CN" altLang="en-US"/>
@@ -1627,14 +1720,12 @@
               <a:rPr lang="zh-CN" altLang="en-US"/>
               <a:t>的时间。</a:t>
             </a:r>
-            <a:endParaRPr lang="zh-CN" altLang="en-US"/>
           </a:p>
           <a:p>
             <a:r>
               <a:rPr lang="zh-CN" altLang="en-US"/>
               <a:t>比较谁更快，我用的是时间比较法。</a:t>
             </a:r>
-            <a:endParaRPr lang="zh-CN" altLang="en-US"/>
           </a:p>
         </p:txBody>
       </p:sp>
@@ -1655,12 +1746,19 @@
         <p:cNvGrpSpPr/>
         <p:nvPr/>
       </p:nvGrpSpPr>
-      <p:grpSpPr/>
+      <p:grpSpPr>
+        <a:xfrm>
+          <a:off x="0" y="0"/>
+          <a:ext cx="0" cy="0"/>
+          <a:chOff x="0" y="0"/>
+          <a:chExt cx="0" cy="0"/>
+        </a:xfrm>
+      </p:grpSpPr>
       <p:sp>
         <p:nvSpPr>
           <p:cNvPr id="2" name="幻灯片图像占位符 1"/>
           <p:cNvSpPr>
-            <a:spLocks noGrp="1"/>
+            <a:spLocks noGrp="1" noRot="1" noChangeAspect="1"/>
           </p:cNvSpPr>
           <p:nvPr>
             <p:ph type="sldImg" idx="2"/>
@@ -1681,6 +1779,7 @@
         <p:spPr/>
         <p:txBody>
           <a:bodyPr/>
+          <a:lstStyle/>
           <a:p>
             <a:r>
               <a:rPr lang="zh-CN" altLang="en-US"/>
@@ -1702,7 +1801,6 @@
               <a:rPr lang="zh-CN" altLang="en-US"/>
               <a:t>变化。</a:t>
             </a:r>
-            <a:endParaRPr lang="zh-CN" altLang="en-US"/>
           </a:p>
         </p:txBody>
       </p:sp>
@@ -1723,12 +1821,19 @@
         <p:cNvGrpSpPr/>
         <p:nvPr/>
       </p:nvGrpSpPr>
-      <p:grpSpPr/>
+      <p:grpSpPr>
+        <a:xfrm>
+          <a:off x="0" y="0"/>
+          <a:ext cx="0" cy="0"/>
+          <a:chOff x="0" y="0"/>
+          <a:chExt cx="0" cy="0"/>
+        </a:xfrm>
+      </p:grpSpPr>
       <p:sp>
         <p:nvSpPr>
           <p:cNvPr id="2" name="幻灯片图像占位符 1"/>
           <p:cNvSpPr>
-            <a:spLocks noGrp="1"/>
+            <a:spLocks noGrp="1" noRot="1" noChangeAspect="1"/>
           </p:cNvSpPr>
           <p:nvPr>
             <p:ph type="sldImg" idx="2"/>
@@ -1749,6 +1854,7 @@
         <p:spPr/>
         <p:txBody>
           <a:bodyPr/>
+          <a:lstStyle/>
           <a:p>
             <a:r>
               <a:rPr lang="en-US" altLang="zh-CN"/>
@@ -1772,13 +1878,8 @@
             </a:r>
             <a:r>
               <a:rPr lang="zh-CN" altLang="en-US"/>
-              <a:t>的跳转</a:t>
-            </a:r>
-            <a:r>
-              <a:rPr lang="zh-CN" altLang="en-US"/>
-              <a:t>情况。</a:t>
-            </a:r>
-            <a:endParaRPr lang="zh-CN" altLang="en-US"/>
+              <a:t>的跳转情况。</a:t>
+            </a:r>
           </a:p>
           <a:p>
             <a:r>
@@ -1791,13 +1892,8 @@
             </a:r>
             <a:r>
               <a:rPr lang="zh-CN" altLang="en-US"/>
-              <a:t>？因为引入了错误分支的语句，我们需要避免这些语句进入执行</a:t>
-            </a:r>
-            <a:r>
-              <a:rPr lang="zh-CN" altLang="en-US"/>
-              <a:t>模块。</a:t>
-            </a:r>
-            <a:endParaRPr lang="zh-CN" altLang="en-US"/>
+              <a:t>？因为引入了错误分支的语句，我们需要避免这些语句进入执行模块。</a:t>
+            </a:r>
           </a:p>
           <a:p>
             <a:r>
@@ -1814,13 +1910,8 @@
             </a:r>
             <a:r>
               <a:rPr lang="zh-CN" altLang="en-US"/>
-              <a:t>跳转成功或者失败都不影响的一条指令，并且执行后不影响整个程序的</a:t>
-            </a:r>
-            <a:r>
-              <a:rPr lang="zh-CN" altLang="en-US"/>
-              <a:t>效果。</a:t>
-            </a:r>
-            <a:endParaRPr lang="zh-CN" altLang="en-US"/>
+              <a:t>跳转成功或者失败都不影响的一条指令，并且执行后不影响整个程序的效果。</a:t>
+            </a:r>
           </a:p>
           <a:p>
             <a:r>
@@ -1860,12 +1951,19 @@
         <p:cNvGrpSpPr/>
         <p:nvPr/>
       </p:nvGrpSpPr>
-      <p:grpSpPr/>
+      <p:grpSpPr>
+        <a:xfrm>
+          <a:off x="0" y="0"/>
+          <a:ext cx="0" cy="0"/>
+          <a:chOff x="0" y="0"/>
+          <a:chExt cx="0" cy="0"/>
+        </a:xfrm>
+      </p:grpSpPr>
       <p:sp>
         <p:nvSpPr>
           <p:cNvPr id="2" name="幻灯片图像占位符 1"/>
           <p:cNvSpPr>
-            <a:spLocks noGrp="1"/>
+            <a:spLocks noGrp="1" noRot="1" noChangeAspect="1"/>
           </p:cNvSpPr>
           <p:nvPr>
             <p:ph type="sldImg" idx="2"/>
@@ -1886,16 +1984,12 @@
         <p:spPr/>
         <p:txBody>
           <a:bodyPr/>
+          <a:lstStyle/>
           <a:p>
             <a:r>
               <a:rPr lang="zh-CN" altLang="en-US"/>
-              <a:t>比较谁更快，应该用时间</a:t>
-            </a:r>
-            <a:r>
-              <a:rPr lang="zh-CN" altLang="en-US"/>
-              <a:t>尺度。</a:t>
-            </a:r>
-            <a:endParaRPr lang="zh-CN" altLang="en-US"/>
+              <a:t>比较谁更快，应该用时间尺度。</a:t>
+            </a:r>
           </a:p>
         </p:txBody>
       </p:sp>
@@ -1916,12 +2010,19 @@
         <p:cNvGrpSpPr/>
         <p:nvPr/>
       </p:nvGrpSpPr>
-      <p:grpSpPr/>
+      <p:grpSpPr>
+        <a:xfrm>
+          <a:off x="0" y="0"/>
+          <a:ext cx="0" cy="0"/>
+          <a:chOff x="0" y="0"/>
+          <a:chExt cx="0" cy="0"/>
+        </a:xfrm>
+      </p:grpSpPr>
       <p:sp>
         <p:nvSpPr>
           <p:cNvPr id="2" name="幻灯片图像占位符 1"/>
           <p:cNvSpPr>
-            <a:spLocks noGrp="1"/>
+            <a:spLocks noGrp="1" noRot="1" noChangeAspect="1"/>
           </p:cNvSpPr>
           <p:nvPr>
             <p:ph type="sldImg" idx="2"/>
@@ -1942,16 +2043,30 @@
         <p:spPr/>
         <p:txBody>
           <a:bodyPr/>
-          <a:p>
-            <a:r>
-              <a:rPr lang="zh-CN" altLang="en-US"/>
-              <a:t>我们看到这里的地址只有八位，这非常</a:t>
-            </a:r>
-            <a:r>
-              <a:rPr lang="zh-CN" altLang="en-US"/>
-              <a:t>反常。</a:t>
-            </a:r>
-            <a:endParaRPr lang="zh-CN" altLang="en-US"/>
+          <a:lstStyle/>
+          <a:p>
+            <a:r>
+              <a:rPr lang="zh-CN" altLang="en-US" dirty="0"/>
+              <a:t>我们看到这里的地址只有八位，这非常反常。</a:t>
+            </a:r>
+            <a:endParaRPr lang="en-US" altLang="zh-CN" dirty="0"/>
+          </a:p>
+          <a:p>
+            <a:endParaRPr lang="en-US" altLang="zh-CN" dirty="0"/>
+          </a:p>
+          <a:p>
+            <a:r>
+              <a:rPr lang="zh-CN" altLang="en-US" dirty="0"/>
+              <a:t>注意，这个是</a:t>
+            </a:r>
+            <a:r>
+              <a:rPr lang="en-US" altLang="zh-CN" dirty="0"/>
+              <a:t>word address</a:t>
+            </a:r>
+            <a:r>
+              <a:rPr lang="zh-CN" altLang="en-US" dirty="0"/>
+              <a:t>，所以这个解题是错的，而答案是对的</a:t>
+            </a:r>
           </a:p>
         </p:txBody>
       </p:sp>
@@ -1972,12 +2087,19 @@
         <p:cNvGrpSpPr/>
         <p:nvPr/>
       </p:nvGrpSpPr>
-      <p:grpSpPr/>
+      <p:grpSpPr>
+        <a:xfrm>
+          <a:off x="0" y="0"/>
+          <a:ext cx="0" cy="0"/>
+          <a:chOff x="0" y="0"/>
+          <a:chExt cx="0" cy="0"/>
+        </a:xfrm>
+      </p:grpSpPr>
       <p:sp>
         <p:nvSpPr>
           <p:cNvPr id="2" name="幻灯片图像占位符 1"/>
           <p:cNvSpPr>
-            <a:spLocks noGrp="1"/>
+            <a:spLocks noGrp="1" noRot="1" noChangeAspect="1"/>
           </p:cNvSpPr>
           <p:nvPr>
             <p:ph type="sldImg" idx="2"/>
@@ -1998,6 +2120,7 @@
         <p:spPr/>
         <p:txBody>
           <a:bodyPr/>
+          <a:lstStyle/>
           <a:p>
             <a:r>
               <a:rPr lang="zh-CN" altLang="en-US"/>
@@ -2019,7 +2142,6 @@
               <a:rPr lang="zh-CN" altLang="en-US"/>
               <a:t>。</a:t>
             </a:r>
-            <a:endParaRPr lang="zh-CN" altLang="en-US"/>
           </a:p>
         </p:txBody>
       </p:sp>
@@ -2040,12 +2162,19 @@
         <p:cNvGrpSpPr/>
         <p:nvPr/>
       </p:nvGrpSpPr>
-      <p:grpSpPr/>
+      <p:grpSpPr>
+        <a:xfrm>
+          <a:off x="0" y="0"/>
+          <a:ext cx="0" cy="0"/>
+          <a:chOff x="0" y="0"/>
+          <a:chExt cx="0" cy="0"/>
+        </a:xfrm>
+      </p:grpSpPr>
       <p:sp>
         <p:nvSpPr>
           <p:cNvPr id="2" name="幻灯片图像占位符 1"/>
           <p:cNvSpPr>
-            <a:spLocks noGrp="1"/>
+            <a:spLocks noGrp="1" noRot="1" noChangeAspect="1"/>
           </p:cNvSpPr>
           <p:nvPr>
             <p:ph type="sldImg" idx="2"/>
@@ -2066,6 +2195,7 @@
         <p:spPr/>
         <p:txBody>
           <a:bodyPr/>
+          <a:lstStyle/>
           <a:p>
             <a:r>
               <a:rPr lang="en-US" altLang="zh-CN"/>
@@ -2131,7 +2261,6 @@
               <a:rPr lang="zh-CN" altLang="en-US"/>
               <a:t>取模。</a:t>
             </a:r>
-            <a:endParaRPr lang="zh-CN" altLang="en-US"/>
           </a:p>
         </p:txBody>
       </p:sp>
@@ -2152,12 +2281,19 @@
         <p:cNvGrpSpPr/>
         <p:nvPr/>
       </p:nvGrpSpPr>
-      <p:grpSpPr/>
+      <p:grpSpPr>
+        <a:xfrm>
+          <a:off x="0" y="0"/>
+          <a:ext cx="0" cy="0"/>
+          <a:chOff x="0" y="0"/>
+          <a:chExt cx="0" cy="0"/>
+        </a:xfrm>
+      </p:grpSpPr>
       <p:sp>
         <p:nvSpPr>
           <p:cNvPr id="2" name="幻灯片图像占位符 1"/>
           <p:cNvSpPr>
-            <a:spLocks noGrp="1"/>
+            <a:spLocks noGrp="1" noRot="1" noChangeAspect="1"/>
           </p:cNvSpPr>
           <p:nvPr>
             <p:ph type="sldImg" idx="2"/>
@@ -2178,6 +2314,7 @@
         <p:spPr/>
         <p:txBody>
           <a:bodyPr/>
+          <a:lstStyle/>
           <a:p>
             <a:r>
               <a:rPr lang="en-US" altLang="zh-CN"/>
@@ -2203,7 +2340,6 @@
               <a:rPr lang="zh-CN" altLang="en-US"/>
               <a:t>吗？？</a:t>
             </a:r>
-            <a:endParaRPr lang="zh-CN" altLang="en-US"/>
           </a:p>
         </p:txBody>
       </p:sp>
@@ -2224,12 +2360,19 @@
         <p:cNvGrpSpPr/>
         <p:nvPr/>
       </p:nvGrpSpPr>
-      <p:grpSpPr/>
+      <p:grpSpPr>
+        <a:xfrm>
+          <a:off x="0" y="0"/>
+          <a:ext cx="0" cy="0"/>
+          <a:chOff x="0" y="0"/>
+          <a:chExt cx="0" cy="0"/>
+        </a:xfrm>
+      </p:grpSpPr>
       <p:sp>
         <p:nvSpPr>
           <p:cNvPr id="2" name="幻灯片图像占位符 1"/>
           <p:cNvSpPr>
-            <a:spLocks noGrp="1"/>
+            <a:spLocks noGrp="1" noRot="1" noChangeAspect="1"/>
           </p:cNvSpPr>
           <p:nvPr>
             <p:ph type="sldImg" idx="2"/>
@@ -2250,6 +2393,7 @@
         <p:spPr/>
         <p:txBody>
           <a:bodyPr/>
+          <a:lstStyle/>
           <a:p>
             <a:r>
               <a:rPr lang="en-US" altLang="zh-CN"/>
@@ -2263,7 +2407,6 @@
               <a:rPr lang="en-US" altLang="zh-CN"/>
               <a:t>tag</a:t>
             </a:r>
-            <a:endParaRPr lang="en-US" altLang="zh-CN"/>
           </a:p>
           <a:p>
             <a:r>
@@ -2299,12 +2442,19 @@
         <p:cNvGrpSpPr/>
         <p:nvPr/>
       </p:nvGrpSpPr>
-      <p:grpSpPr/>
+      <p:grpSpPr>
+        <a:xfrm>
+          <a:off x="0" y="0"/>
+          <a:ext cx="0" cy="0"/>
+          <a:chOff x="0" y="0"/>
+          <a:chExt cx="0" cy="0"/>
+        </a:xfrm>
+      </p:grpSpPr>
       <p:sp>
         <p:nvSpPr>
           <p:cNvPr id="2" name="幻灯片图像占位符 1"/>
           <p:cNvSpPr>
-            <a:spLocks noGrp="1"/>
+            <a:spLocks noGrp="1" noRot="1" noChangeAspect="1"/>
           </p:cNvSpPr>
           <p:nvPr>
             <p:ph type="sldImg" idx="2"/>
@@ -2325,6 +2475,7 @@
         <p:spPr/>
         <p:txBody>
           <a:bodyPr/>
+          <a:lstStyle/>
           <a:p>
             <a:endParaRPr lang="zh-CN" altLang="en-US"/>
           </a:p>
@@ -2347,12 +2498,19 @@
         <p:cNvGrpSpPr/>
         <p:nvPr/>
       </p:nvGrpSpPr>
-      <p:grpSpPr/>
+      <p:grpSpPr>
+        <a:xfrm>
+          <a:off x="0" y="0"/>
+          <a:ext cx="0" cy="0"/>
+          <a:chOff x="0" y="0"/>
+          <a:chExt cx="0" cy="0"/>
+        </a:xfrm>
+      </p:grpSpPr>
       <p:sp>
         <p:nvSpPr>
           <p:cNvPr id="2" name="幻灯片图像占位符 1"/>
           <p:cNvSpPr>
-            <a:spLocks noGrp="1"/>
+            <a:spLocks noGrp="1" noRot="1" noChangeAspect="1"/>
           </p:cNvSpPr>
           <p:nvPr>
             <p:ph type="sldImg" idx="2"/>
@@ -2373,16 +2531,12 @@
         <p:spPr/>
         <p:txBody>
           <a:bodyPr/>
+          <a:lstStyle/>
           <a:p>
             <a:r>
               <a:rPr lang="zh-CN" altLang="en-US"/>
-              <a:t>在数据随机的情况下，我们不能完全定义哪种方法最优。因此最优的方法需要根据数据本身去设计，即之后没有出现过的就可以直接</a:t>
-            </a:r>
-            <a:r>
-              <a:rPr lang="zh-CN" altLang="en-US"/>
-              <a:t>丢掉。</a:t>
-            </a:r>
-            <a:endParaRPr lang="zh-CN" altLang="en-US"/>
+              <a:t>在数据随机的情况下，我们不能完全定义哪种方法最优。因此最优的方法需要根据数据本身去设计，即之后没有出现过的就可以直接丢掉。</a:t>
+            </a:r>
           </a:p>
         </p:txBody>
       </p:sp>
@@ -2403,12 +2557,19 @@
         <p:cNvGrpSpPr/>
         <p:nvPr/>
       </p:nvGrpSpPr>
-      <p:grpSpPr/>
+      <p:grpSpPr>
+        <a:xfrm>
+          <a:off x="0" y="0"/>
+          <a:ext cx="0" cy="0"/>
+          <a:chOff x="0" y="0"/>
+          <a:chExt cx="0" cy="0"/>
+        </a:xfrm>
+      </p:grpSpPr>
       <p:sp>
         <p:nvSpPr>
           <p:cNvPr id="2" name="幻灯片图像占位符 1"/>
           <p:cNvSpPr>
-            <a:spLocks noGrp="1"/>
+            <a:spLocks noGrp="1" noRot="1" noChangeAspect="1"/>
           </p:cNvSpPr>
           <p:nvPr>
             <p:ph type="sldImg" idx="2"/>
@@ -2429,6 +2590,7 @@
         <p:spPr/>
         <p:txBody>
           <a:bodyPr/>
+          <a:lstStyle/>
           <a:p>
             <a:r>
               <a:rPr lang="zh-CN" altLang="en-US"/>
@@ -2463,12 +2625,19 @@
         <p:cNvGrpSpPr/>
         <p:nvPr/>
       </p:nvGrpSpPr>
-      <p:grpSpPr/>
+      <p:grpSpPr>
+        <a:xfrm>
+          <a:off x="0" y="0"/>
+          <a:ext cx="0" cy="0"/>
+          <a:chOff x="0" y="0"/>
+          <a:chExt cx="0" cy="0"/>
+        </a:xfrm>
+      </p:grpSpPr>
       <p:sp>
         <p:nvSpPr>
           <p:cNvPr id="2" name="幻灯片图像占位符 1"/>
           <p:cNvSpPr>
-            <a:spLocks noGrp="1"/>
+            <a:spLocks noGrp="1" noRot="1" noChangeAspect="1"/>
           </p:cNvSpPr>
           <p:nvPr>
             <p:ph type="sldImg" idx="2"/>
@@ -2489,16 +2658,12 @@
         <p:spPr/>
         <p:txBody>
           <a:bodyPr/>
+          <a:lstStyle/>
           <a:p>
             <a:r>
               <a:rPr lang="zh-CN" altLang="en-US"/>
-              <a:t>我们将原先的汇编指令转化为两份迭代的顺序</a:t>
-            </a:r>
-            <a:r>
-              <a:rPr lang="zh-CN" altLang="en-US"/>
-              <a:t>指令。</a:t>
-            </a:r>
-            <a:endParaRPr lang="zh-CN" altLang="en-US"/>
+              <a:t>我们将原先的汇编指令转化为两份迭代的顺序指令。</a:t>
+            </a:r>
           </a:p>
           <a:p>
             <a:r>
@@ -2519,13 +2684,8 @@
             </a:r>
             <a:r>
               <a:rPr lang="zh-CN" altLang="en-US"/>
-              <a:t>，也就是删去了跳转的部分，保留了比较的</a:t>
-            </a:r>
-            <a:r>
-              <a:rPr lang="zh-CN" altLang="en-US"/>
-              <a:t>部分。</a:t>
-            </a:r>
-            <a:endParaRPr lang="zh-CN" altLang="en-US"/>
+              <a:t>，也就是删去了跳转的部分，保留了比较的部分。</a:t>
+            </a:r>
           </a:p>
         </p:txBody>
       </p:sp>
@@ -2546,12 +2706,19 @@
         <p:cNvGrpSpPr/>
         <p:nvPr/>
       </p:nvGrpSpPr>
-      <p:grpSpPr/>
+      <p:grpSpPr>
+        <a:xfrm>
+          <a:off x="0" y="0"/>
+          <a:ext cx="0" cy="0"/>
+          <a:chOff x="0" y="0"/>
+          <a:chExt cx="0" cy="0"/>
+        </a:xfrm>
+      </p:grpSpPr>
       <p:sp>
         <p:nvSpPr>
           <p:cNvPr id="2" name="幻灯片图像占位符 1"/>
           <p:cNvSpPr>
-            <a:spLocks noGrp="1"/>
+            <a:spLocks noGrp="1" noRot="1" noChangeAspect="1"/>
           </p:cNvSpPr>
           <p:nvPr>
             <p:ph type="sldImg" idx="2"/>
@@ -2572,6 +2739,7 @@
         <p:spPr/>
         <p:txBody>
           <a:bodyPr/>
+          <a:lstStyle/>
           <a:p>
             <a:r>
               <a:rPr lang="zh-CN" altLang="en-US"/>
@@ -2601,7 +2769,6 @@
               <a:rPr lang="zh-CN" altLang="en-US"/>
               <a:t>，</a:t>
             </a:r>
-            <a:endParaRPr lang="zh-CN" altLang="en-US"/>
           </a:p>
           <a:p>
             <a:r>
@@ -2616,7 +2783,6 @@
               <a:rPr lang="zh-CN" altLang="en-US"/>
               <a:t>。</a:t>
             </a:r>
-            <a:endParaRPr lang="zh-CN" altLang="en-US"/>
           </a:p>
         </p:txBody>
       </p:sp>
@@ -2637,12 +2803,19 @@
         <p:cNvGrpSpPr/>
         <p:nvPr/>
       </p:nvGrpSpPr>
-      <p:grpSpPr/>
+      <p:grpSpPr>
+        <a:xfrm>
+          <a:off x="0" y="0"/>
+          <a:ext cx="0" cy="0"/>
+          <a:chOff x="0" y="0"/>
+          <a:chExt cx="0" cy="0"/>
+        </a:xfrm>
+      </p:grpSpPr>
       <p:sp>
         <p:nvSpPr>
           <p:cNvPr id="2" name="幻灯片图像占位符 1"/>
           <p:cNvSpPr>
-            <a:spLocks noGrp="1"/>
+            <a:spLocks noGrp="1" noRot="1" noChangeAspect="1"/>
           </p:cNvSpPr>
           <p:nvPr>
             <p:ph type="sldImg" idx="2"/>
@@ -2663,6 +2836,7 @@
         <p:spPr/>
         <p:txBody>
           <a:bodyPr/>
+          <a:lstStyle/>
           <a:p>
             <a:r>
               <a:rPr lang="zh-CN" altLang="en-US"/>
@@ -2724,7 +2898,6 @@
               <a:rPr lang="zh-CN" altLang="en-US"/>
               <a:t>这里。</a:t>
             </a:r>
-            <a:endParaRPr lang="zh-CN" altLang="en-US"/>
           </a:p>
           <a:p>
             <a:r>
@@ -2767,7 +2940,6 @@
               <a:rPr lang="en-US" altLang="zh-CN"/>
               <a:t>stall</a:t>
             </a:r>
-            <a:endParaRPr lang="en-US" altLang="zh-CN"/>
           </a:p>
         </p:txBody>
       </p:sp>
@@ -2788,12 +2960,19 @@
         <p:cNvGrpSpPr/>
         <p:nvPr/>
       </p:nvGrpSpPr>
-      <p:grpSpPr/>
+      <p:grpSpPr>
+        <a:xfrm>
+          <a:off x="0" y="0"/>
+          <a:ext cx="0" cy="0"/>
+          <a:chOff x="0" y="0"/>
+          <a:chExt cx="0" cy="0"/>
+        </a:xfrm>
+      </p:grpSpPr>
       <p:sp>
         <p:nvSpPr>
           <p:cNvPr id="2" name="幻灯片图像占位符 1"/>
           <p:cNvSpPr>
-            <a:spLocks noGrp="1"/>
+            <a:spLocks noGrp="1" noRot="1" noChangeAspect="1"/>
           </p:cNvSpPr>
           <p:nvPr>
             <p:ph type="sldImg" idx="2"/>
@@ -2814,6 +2993,7 @@
         <p:spPr/>
         <p:txBody>
           <a:bodyPr/>
+          <a:lstStyle/>
           <a:p>
             <a:r>
               <a:rPr lang="zh-CN" altLang="en-US"/>
@@ -2843,7 +3023,6 @@
               <a:rPr lang="zh-CN" altLang="en-US"/>
               <a:t>。</a:t>
             </a:r>
-            <a:endParaRPr lang="zh-CN" altLang="en-US"/>
           </a:p>
           <a:p>
             <a:r>
@@ -2882,7 +3061,6 @@
               <a:rPr lang="zh-CN" altLang="en-US"/>
               <a:t>。</a:t>
             </a:r>
-            <a:endParaRPr lang="zh-CN" altLang="en-US"/>
           </a:p>
           <a:p>
             <a:r>
@@ -2905,7 +3083,6 @@
               <a:rPr lang="zh-CN" altLang="en-US"/>
               <a:t>。</a:t>
             </a:r>
-            <a:endParaRPr lang="zh-CN" altLang="en-US"/>
           </a:p>
         </p:txBody>
       </p:sp>
@@ -2926,12 +3103,19 @@
         <p:cNvGrpSpPr/>
         <p:nvPr/>
       </p:nvGrpSpPr>
-      <p:grpSpPr/>
+      <p:grpSpPr>
+        <a:xfrm>
+          <a:off x="0" y="0"/>
+          <a:ext cx="0" cy="0"/>
+          <a:chOff x="0" y="0"/>
+          <a:chExt cx="0" cy="0"/>
+        </a:xfrm>
+      </p:grpSpPr>
       <p:sp>
         <p:nvSpPr>
           <p:cNvPr id="2" name="幻灯片图像占位符 1"/>
           <p:cNvSpPr>
-            <a:spLocks noGrp="1"/>
+            <a:spLocks noGrp="1" noRot="1" noChangeAspect="1"/>
           </p:cNvSpPr>
           <p:nvPr>
             <p:ph type="sldImg" idx="2"/>
@@ -2952,6 +3136,7 @@
         <p:spPr/>
         <p:txBody>
           <a:bodyPr/>
+          <a:lstStyle/>
           <a:p>
             <a:r>
               <a:rPr lang="zh-CN" altLang="en-US"/>
@@ -2971,24 +3156,14 @@
             </a:r>
             <a:r>
               <a:rPr lang="zh-CN" altLang="en-US"/>
-              <a:t>语句是</a:t>
-            </a:r>
+              <a:t>语句是有用的。</a:t>
+            </a:r>
+          </a:p>
+          <a:p>
             <a:r>
               <a:rPr lang="zh-CN" altLang="en-US"/>
-              <a:t>有用的。</a:t>
-            </a:r>
-            <a:endParaRPr lang="zh-CN" altLang="en-US"/>
-          </a:p>
-          <a:p>
-            <a:r>
-              <a:rPr lang="zh-CN" altLang="en-US"/>
-              <a:t>现在我们需要知道哪些模块是没有实际作用的，并且我们要指出在什么时候五个模块都是在执行</a:t>
-            </a:r>
-            <a:r>
-              <a:rPr lang="zh-CN" altLang="en-US"/>
-              <a:t>实际工作的。</a:t>
-            </a:r>
-            <a:endParaRPr lang="zh-CN" altLang="en-US"/>
+              <a:t>现在我们需要知道哪些模块是没有实际作用的，并且我们要指出在什么时候五个模块都是在执行实际工作的。</a:t>
+            </a:r>
           </a:p>
         </p:txBody>
       </p:sp>
@@ -3009,12 +3184,19 @@
         <p:cNvGrpSpPr/>
         <p:nvPr/>
       </p:nvGrpSpPr>
-      <p:grpSpPr/>
+      <p:grpSpPr>
+        <a:xfrm>
+          <a:off x="0" y="0"/>
+          <a:ext cx="0" cy="0"/>
+          <a:chOff x="0" y="0"/>
+          <a:chExt cx="0" cy="0"/>
+        </a:xfrm>
+      </p:grpSpPr>
       <p:sp>
         <p:nvSpPr>
           <p:cNvPr id="2" name="幻灯片图像占位符 1"/>
           <p:cNvSpPr>
-            <a:spLocks noGrp="1"/>
+            <a:spLocks noGrp="1" noRot="1" noChangeAspect="1"/>
           </p:cNvSpPr>
           <p:nvPr>
             <p:ph type="sldImg" idx="2"/>
@@ -3035,6 +3217,7 @@
         <p:spPr/>
         <p:txBody>
           <a:bodyPr/>
+          <a:lstStyle/>
           <a:p>
             <a:r>
               <a:rPr lang="zh-CN" altLang="en-US"/>
@@ -3054,13 +3237,8 @@
             </a:r>
             <a:r>
               <a:rPr lang="zh-CN" altLang="en-US"/>
-              <a:t>是没有</a:t>
-            </a:r>
-            <a:r>
-              <a:rPr lang="zh-CN" altLang="en-US"/>
-              <a:t>用到的。</a:t>
-            </a:r>
-            <a:endParaRPr lang="zh-CN" altLang="en-US"/>
+              <a:t>是没有用到的。</a:t>
+            </a:r>
           </a:p>
           <a:p>
             <a:r>
@@ -3073,13 +3251,8 @@
             </a:r>
             <a:r>
               <a:rPr lang="zh-CN" altLang="en-US"/>
-              <a:t>作为无用模块，所以我们看到八个时钟周期内只有一个时钟周期五个模块全部执行的是实际</a:t>
-            </a:r>
-            <a:r>
-              <a:rPr lang="zh-CN" altLang="en-US"/>
-              <a:t>指令。</a:t>
-            </a:r>
-            <a:endParaRPr lang="zh-CN" altLang="en-US"/>
+              <a:t>作为无用模块，所以我们看到八个时钟周期内只有一个时钟周期五个模块全部执行的是实际指令。</a:t>
+            </a:r>
           </a:p>
         </p:txBody>
       </p:sp>
@@ -3100,12 +3273,19 @@
         <p:cNvGrpSpPr/>
         <p:nvPr/>
       </p:nvGrpSpPr>
-      <p:grpSpPr/>
+      <p:grpSpPr>
+        <a:xfrm>
+          <a:off x="0" y="0"/>
+          <a:ext cx="0" cy="0"/>
+          <a:chOff x="0" y="0"/>
+          <a:chExt cx="0" cy="0"/>
+        </a:xfrm>
+      </p:grpSpPr>
       <p:sp>
         <p:nvSpPr>
           <p:cNvPr id="2" name="幻灯片图像占位符 1"/>
           <p:cNvSpPr>
-            <a:spLocks noGrp="1"/>
+            <a:spLocks noGrp="1" noRot="1" noChangeAspect="1"/>
           </p:cNvSpPr>
           <p:nvPr>
             <p:ph type="sldImg" idx="2"/>
@@ -3126,6 +3306,7 @@
         <p:spPr/>
         <p:txBody>
           <a:bodyPr/>
+          <a:lstStyle/>
           <a:p>
             <a:endParaRPr lang="zh-CN" altLang="en-US"/>
           </a:p>
@@ -3180,7 +3361,6 @@
               <a:rPr lang="zh-CN" altLang="en-US"/>
               <a:t>单击此处编辑母版标题样式</a:t>
             </a:r>
-            <a:endParaRPr lang="zh-CN" altLang="en-US"/>
           </a:p>
         </p:txBody>
       </p:sp>
@@ -3245,7 +3425,6 @@
               <a:rPr lang="zh-CN" altLang="en-US"/>
               <a:t>单击此处编辑母版副标题样式</a:t>
             </a:r>
-            <a:endParaRPr lang="zh-CN" altLang="en-US"/>
           </a:p>
         </p:txBody>
       </p:sp>
@@ -3262,6 +3441,7 @@
         <p:spPr/>
         <p:txBody>
           <a:bodyPr/>
+          <a:lstStyle/>
           <a:p>
             <a:pPr marL="0" marR="0" lvl="0" indent="0" algn="l" defTabSz="914400" rtl="0" eaLnBrk="1" fontAlgn="base" latinLnBrk="0" hangingPunct="1">
               <a:lnSpc>
@@ -3309,6 +3489,7 @@
         <p:spPr/>
         <p:txBody>
           <a:bodyPr/>
+          <a:lstStyle/>
           <a:p>
             <a:pPr marL="0" marR="0" lvl="0" indent="0" algn="ctr" defTabSz="914400" rtl="0" eaLnBrk="1" fontAlgn="base" latinLnBrk="0" hangingPunct="1">
               <a:lnSpc>
@@ -3356,12 +3537,14 @@
         <p:spPr/>
         <p:txBody>
           <a:bodyPr/>
+          <a:lstStyle/>
           <a:p>
             <a:pPr lvl="0" eaLnBrk="1" hangingPunct="1"/>
             <a:fld id="{9A0DB2DC-4C9A-4742-B13C-FB6460FD3503}" type="slidenum">
               <a:rPr lang="en-US" altLang="zh-CN">
                 <a:latin typeface="Times New Roman" panose="02020603050405020304" pitchFamily="18" charset="0"/>
               </a:rPr>
+              <a:t>‹#›</a:t>
             </a:fld>
             <a:endParaRPr lang="en-US" altLang="zh-CN">
               <a:latin typeface="Times New Roman" panose="02020603050405020304" pitchFamily="18" charset="0"/>
@@ -3413,7 +3596,6 @@
               <a:rPr lang="zh-CN" altLang="en-US"/>
               <a:t>单击此处编辑母版标题样式</a:t>
             </a:r>
-            <a:endParaRPr lang="zh-CN" altLang="en-US"/>
           </a:p>
         </p:txBody>
       </p:sp>
@@ -3437,7 +3619,6 @@
               <a:rPr lang="zh-CN" altLang="en-US"/>
               <a:t>单击此处编辑母版文本样式</a:t>
             </a:r>
-            <a:endParaRPr lang="zh-CN" altLang="en-US"/>
           </a:p>
           <a:p>
             <a:pPr lvl="1"/>
@@ -3445,7 +3626,6 @@
               <a:rPr lang="zh-CN" altLang="en-US"/>
               <a:t>第二级</a:t>
             </a:r>
-            <a:endParaRPr lang="zh-CN" altLang="en-US"/>
           </a:p>
           <a:p>
             <a:pPr lvl="2"/>
@@ -3453,7 +3633,6 @@
               <a:rPr lang="zh-CN" altLang="en-US"/>
               <a:t>第三级</a:t>
             </a:r>
-            <a:endParaRPr lang="zh-CN" altLang="en-US"/>
           </a:p>
           <a:p>
             <a:pPr lvl="3"/>
@@ -3461,7 +3640,6 @@
               <a:rPr lang="zh-CN" altLang="en-US"/>
               <a:t>第四级</a:t>
             </a:r>
-            <a:endParaRPr lang="zh-CN" altLang="en-US"/>
           </a:p>
           <a:p>
             <a:pPr lvl="4"/>
@@ -3469,7 +3647,6 @@
               <a:rPr lang="zh-CN" altLang="en-US"/>
               <a:t>第五级</a:t>
             </a:r>
-            <a:endParaRPr lang="zh-CN" altLang="en-US"/>
           </a:p>
         </p:txBody>
       </p:sp>
@@ -3486,6 +3663,7 @@
         <p:spPr/>
         <p:txBody>
           <a:bodyPr/>
+          <a:lstStyle/>
           <a:p>
             <a:pPr marL="0" marR="0" lvl="0" indent="0" algn="l" defTabSz="914400" rtl="0" eaLnBrk="1" fontAlgn="base" latinLnBrk="0" hangingPunct="1">
               <a:lnSpc>
@@ -3533,6 +3711,7 @@
         <p:spPr/>
         <p:txBody>
           <a:bodyPr/>
+          <a:lstStyle/>
           <a:p>
             <a:pPr marL="0" marR="0" lvl="0" indent="0" algn="ctr" defTabSz="914400" rtl="0" eaLnBrk="1" fontAlgn="base" latinLnBrk="0" hangingPunct="1">
               <a:lnSpc>
@@ -3580,12 +3759,14 @@
         <p:spPr/>
         <p:txBody>
           <a:bodyPr/>
+          <a:lstStyle/>
           <a:p>
             <a:pPr lvl="0" eaLnBrk="1" hangingPunct="1"/>
             <a:fld id="{9A0DB2DC-4C9A-4742-B13C-FB6460FD3503}" type="slidenum">
               <a:rPr lang="en-US" altLang="zh-CN">
                 <a:latin typeface="Times New Roman" panose="02020603050405020304" pitchFamily="18" charset="0"/>
               </a:rPr>
+              <a:t>‹#›</a:t>
             </a:fld>
             <a:endParaRPr lang="en-US" altLang="zh-CN">
               <a:latin typeface="Times New Roman" panose="02020603050405020304" pitchFamily="18" charset="0"/>
@@ -3642,7 +3823,6 @@
               <a:rPr lang="zh-CN" altLang="en-US"/>
               <a:t>单击此处编辑母版标题样式</a:t>
             </a:r>
-            <a:endParaRPr lang="zh-CN" altLang="en-US"/>
           </a:p>
         </p:txBody>
       </p:sp>
@@ -3671,7 +3851,6 @@
               <a:rPr lang="zh-CN" altLang="en-US"/>
               <a:t>单击此处编辑母版文本样式</a:t>
             </a:r>
-            <a:endParaRPr lang="zh-CN" altLang="en-US"/>
           </a:p>
           <a:p>
             <a:pPr lvl="1"/>
@@ -3679,7 +3858,6 @@
               <a:rPr lang="zh-CN" altLang="en-US"/>
               <a:t>第二级</a:t>
             </a:r>
-            <a:endParaRPr lang="zh-CN" altLang="en-US"/>
           </a:p>
           <a:p>
             <a:pPr lvl="2"/>
@@ -3687,7 +3865,6 @@
               <a:rPr lang="zh-CN" altLang="en-US"/>
               <a:t>第三级</a:t>
             </a:r>
-            <a:endParaRPr lang="zh-CN" altLang="en-US"/>
           </a:p>
           <a:p>
             <a:pPr lvl="3"/>
@@ -3695,7 +3872,6 @@
               <a:rPr lang="zh-CN" altLang="en-US"/>
               <a:t>第四级</a:t>
             </a:r>
-            <a:endParaRPr lang="zh-CN" altLang="en-US"/>
           </a:p>
           <a:p>
             <a:pPr lvl="4"/>
@@ -3703,7 +3879,6 @@
               <a:rPr lang="zh-CN" altLang="en-US"/>
               <a:t>第五级</a:t>
             </a:r>
-            <a:endParaRPr lang="zh-CN" altLang="en-US"/>
           </a:p>
         </p:txBody>
       </p:sp>
@@ -3720,6 +3895,7 @@
         <p:spPr/>
         <p:txBody>
           <a:bodyPr/>
+          <a:lstStyle/>
           <a:p>
             <a:pPr marL="0" marR="0" lvl="0" indent="0" algn="l" defTabSz="914400" rtl="0" eaLnBrk="1" fontAlgn="base" latinLnBrk="0" hangingPunct="1">
               <a:lnSpc>
@@ -3767,6 +3943,7 @@
         <p:spPr/>
         <p:txBody>
           <a:bodyPr/>
+          <a:lstStyle/>
           <a:p>
             <a:pPr marL="0" marR="0" lvl="0" indent="0" algn="ctr" defTabSz="914400" rtl="0" eaLnBrk="1" fontAlgn="base" latinLnBrk="0" hangingPunct="1">
               <a:lnSpc>
@@ -3814,12 +3991,14 @@
         <p:spPr/>
         <p:txBody>
           <a:bodyPr/>
+          <a:lstStyle/>
           <a:p>
             <a:pPr lvl="0" eaLnBrk="1" hangingPunct="1"/>
             <a:fld id="{9A0DB2DC-4C9A-4742-B13C-FB6460FD3503}" type="slidenum">
               <a:rPr lang="en-US" altLang="zh-CN">
                 <a:latin typeface="Times New Roman" panose="02020603050405020304" pitchFamily="18" charset="0"/>
               </a:rPr>
+              <a:t>‹#›</a:t>
             </a:fld>
             <a:endParaRPr lang="en-US" altLang="zh-CN">
               <a:latin typeface="Times New Roman" panose="02020603050405020304" pitchFamily="18" charset="0"/>
@@ -3871,7 +4050,6 @@
               <a:rPr lang="zh-CN" altLang="en-US"/>
               <a:t>单击此处编辑母版标题样式</a:t>
             </a:r>
-            <a:endParaRPr lang="zh-CN" altLang="en-US"/>
           </a:p>
         </p:txBody>
       </p:sp>
@@ -3895,7 +4073,6 @@
               <a:rPr lang="zh-CN" altLang="en-US"/>
               <a:t>单击此处编辑母版文本样式</a:t>
             </a:r>
-            <a:endParaRPr lang="zh-CN" altLang="en-US"/>
           </a:p>
           <a:p>
             <a:pPr lvl="1"/>
@@ -3903,7 +4080,6 @@
               <a:rPr lang="zh-CN" altLang="en-US"/>
               <a:t>第二级</a:t>
             </a:r>
-            <a:endParaRPr lang="zh-CN" altLang="en-US"/>
           </a:p>
           <a:p>
             <a:pPr lvl="2"/>
@@ -3911,7 +4087,6 @@
               <a:rPr lang="zh-CN" altLang="en-US"/>
               <a:t>第三级</a:t>
             </a:r>
-            <a:endParaRPr lang="zh-CN" altLang="en-US"/>
           </a:p>
           <a:p>
             <a:pPr lvl="3"/>
@@ -3919,7 +4094,6 @@
               <a:rPr lang="zh-CN" altLang="en-US"/>
               <a:t>第四级</a:t>
             </a:r>
-            <a:endParaRPr lang="zh-CN" altLang="en-US"/>
           </a:p>
           <a:p>
             <a:pPr lvl="4"/>
@@ -3927,7 +4101,6 @@
               <a:rPr lang="zh-CN" altLang="en-US"/>
               <a:t>第五级</a:t>
             </a:r>
-            <a:endParaRPr lang="zh-CN" altLang="en-US"/>
           </a:p>
         </p:txBody>
       </p:sp>
@@ -3944,6 +4117,7 @@
         <p:spPr/>
         <p:txBody>
           <a:bodyPr/>
+          <a:lstStyle/>
           <a:p>
             <a:pPr marL="0" marR="0" lvl="0" indent="0" algn="l" defTabSz="914400" rtl="0" eaLnBrk="1" fontAlgn="base" latinLnBrk="0" hangingPunct="1">
               <a:lnSpc>
@@ -3991,6 +4165,7 @@
         <p:spPr/>
         <p:txBody>
           <a:bodyPr/>
+          <a:lstStyle/>
           <a:p>
             <a:pPr marL="0" marR="0" lvl="0" indent="0" algn="ctr" defTabSz="914400" rtl="0" eaLnBrk="1" fontAlgn="base" latinLnBrk="0" hangingPunct="1">
               <a:lnSpc>
@@ -4038,12 +4213,14 @@
         <p:spPr/>
         <p:txBody>
           <a:bodyPr/>
+          <a:lstStyle/>
           <a:p>
             <a:pPr lvl="0" eaLnBrk="1" hangingPunct="1"/>
             <a:fld id="{9A0DB2DC-4C9A-4742-B13C-FB6460FD3503}" type="slidenum">
               <a:rPr lang="en-US" altLang="zh-CN">
                 <a:latin typeface="Times New Roman" panose="02020603050405020304" pitchFamily="18" charset="0"/>
               </a:rPr>
+              <a:t>‹#›</a:t>
             </a:fld>
             <a:endParaRPr lang="en-US" altLang="zh-CN">
               <a:latin typeface="Times New Roman" panose="02020603050405020304" pitchFamily="18" charset="0"/>
@@ -4104,7 +4281,6 @@
               <a:rPr lang="zh-CN" altLang="en-US"/>
               <a:t>单击此处编辑母版标题样式</a:t>
             </a:r>
-            <a:endParaRPr lang="zh-CN" altLang="en-US"/>
           </a:p>
         </p:txBody>
       </p:sp>
@@ -4170,7 +4346,6 @@
               <a:rPr lang="zh-CN" altLang="en-US"/>
               <a:t>单击此处编辑母版文本样式</a:t>
             </a:r>
-            <a:endParaRPr lang="zh-CN" altLang="en-US"/>
           </a:p>
         </p:txBody>
       </p:sp>
@@ -4187,6 +4362,7 @@
         <p:spPr/>
         <p:txBody>
           <a:bodyPr/>
+          <a:lstStyle/>
           <a:p>
             <a:pPr marL="0" marR="0" lvl="0" indent="0" algn="l" defTabSz="914400" rtl="0" eaLnBrk="1" fontAlgn="base" latinLnBrk="0" hangingPunct="1">
               <a:lnSpc>
@@ -4234,6 +4410,7 @@
         <p:spPr/>
         <p:txBody>
           <a:bodyPr/>
+          <a:lstStyle/>
           <a:p>
             <a:pPr marL="0" marR="0" lvl="0" indent="0" algn="ctr" defTabSz="914400" rtl="0" eaLnBrk="1" fontAlgn="base" latinLnBrk="0" hangingPunct="1">
               <a:lnSpc>
@@ -4281,12 +4458,14 @@
         <p:spPr/>
         <p:txBody>
           <a:bodyPr/>
+          <a:lstStyle/>
           <a:p>
             <a:pPr lvl="0" eaLnBrk="1" hangingPunct="1"/>
             <a:fld id="{9A0DB2DC-4C9A-4742-B13C-FB6460FD3503}" type="slidenum">
               <a:rPr lang="en-US" altLang="zh-CN">
                 <a:latin typeface="Times New Roman" panose="02020603050405020304" pitchFamily="18" charset="0"/>
               </a:rPr>
+              <a:t>‹#›</a:t>
             </a:fld>
             <a:endParaRPr lang="en-US" altLang="zh-CN">
               <a:latin typeface="Times New Roman" panose="02020603050405020304" pitchFamily="18" charset="0"/>
@@ -4338,7 +4517,6 @@
               <a:rPr lang="zh-CN" altLang="en-US"/>
               <a:t>单击此处编辑母版标题样式</a:t>
             </a:r>
-            <a:endParaRPr lang="zh-CN" altLang="en-US"/>
           </a:p>
         </p:txBody>
       </p:sp>
@@ -4395,7 +4573,6 @@
               <a:rPr lang="zh-CN" altLang="en-US"/>
               <a:t>单击此处编辑母版文本样式</a:t>
             </a:r>
-            <a:endParaRPr lang="zh-CN" altLang="en-US"/>
           </a:p>
           <a:p>
             <a:pPr lvl="1"/>
@@ -4403,7 +4580,6 @@
               <a:rPr lang="zh-CN" altLang="en-US"/>
               <a:t>第二级</a:t>
             </a:r>
-            <a:endParaRPr lang="zh-CN" altLang="en-US"/>
           </a:p>
           <a:p>
             <a:pPr lvl="2"/>
@@ -4411,7 +4587,6 @@
               <a:rPr lang="zh-CN" altLang="en-US"/>
               <a:t>第三级</a:t>
             </a:r>
-            <a:endParaRPr lang="zh-CN" altLang="en-US"/>
           </a:p>
           <a:p>
             <a:pPr lvl="3"/>
@@ -4419,7 +4594,6 @@
               <a:rPr lang="zh-CN" altLang="en-US"/>
               <a:t>第四级</a:t>
             </a:r>
-            <a:endParaRPr lang="zh-CN" altLang="en-US"/>
           </a:p>
           <a:p>
             <a:pPr lvl="4"/>
@@ -4427,7 +4601,6 @@
               <a:rPr lang="zh-CN" altLang="en-US"/>
               <a:t>第五级</a:t>
             </a:r>
-            <a:endParaRPr lang="zh-CN" altLang="en-US"/>
           </a:p>
         </p:txBody>
       </p:sp>
@@ -4484,7 +4657,6 @@
               <a:rPr lang="zh-CN" altLang="en-US"/>
               <a:t>单击此处编辑母版文本样式</a:t>
             </a:r>
-            <a:endParaRPr lang="zh-CN" altLang="en-US"/>
           </a:p>
           <a:p>
             <a:pPr lvl="1"/>
@@ -4492,7 +4664,6 @@
               <a:rPr lang="zh-CN" altLang="en-US"/>
               <a:t>第二级</a:t>
             </a:r>
-            <a:endParaRPr lang="zh-CN" altLang="en-US"/>
           </a:p>
           <a:p>
             <a:pPr lvl="2"/>
@@ -4500,7 +4671,6 @@
               <a:rPr lang="zh-CN" altLang="en-US"/>
               <a:t>第三级</a:t>
             </a:r>
-            <a:endParaRPr lang="zh-CN" altLang="en-US"/>
           </a:p>
           <a:p>
             <a:pPr lvl="3"/>
@@ -4508,7 +4678,6 @@
               <a:rPr lang="zh-CN" altLang="en-US"/>
               <a:t>第四级</a:t>
             </a:r>
-            <a:endParaRPr lang="zh-CN" altLang="en-US"/>
           </a:p>
           <a:p>
             <a:pPr lvl="4"/>
@@ -4516,7 +4685,6 @@
               <a:rPr lang="zh-CN" altLang="en-US"/>
               <a:t>第五级</a:t>
             </a:r>
-            <a:endParaRPr lang="zh-CN" altLang="en-US"/>
           </a:p>
         </p:txBody>
       </p:sp>
@@ -4533,6 +4701,7 @@
         <p:spPr/>
         <p:txBody>
           <a:bodyPr/>
+          <a:lstStyle/>
           <a:p>
             <a:pPr marL="0" marR="0" lvl="0" indent="0" algn="l" defTabSz="914400" rtl="0" eaLnBrk="1" fontAlgn="base" latinLnBrk="0" hangingPunct="1">
               <a:lnSpc>
@@ -4580,6 +4749,7 @@
         <p:spPr/>
         <p:txBody>
           <a:bodyPr/>
+          <a:lstStyle/>
           <a:p>
             <a:pPr marL="0" marR="0" lvl="0" indent="0" algn="ctr" defTabSz="914400" rtl="0" eaLnBrk="1" fontAlgn="base" latinLnBrk="0" hangingPunct="1">
               <a:lnSpc>
@@ -4627,12 +4797,14 @@
         <p:spPr/>
         <p:txBody>
           <a:bodyPr/>
+          <a:lstStyle/>
           <a:p>
             <a:pPr lvl="0" eaLnBrk="1" hangingPunct="1"/>
             <a:fld id="{9A0DB2DC-4C9A-4742-B13C-FB6460FD3503}" type="slidenum">
               <a:rPr lang="en-US" altLang="zh-CN">
                 <a:latin typeface="Times New Roman" panose="02020603050405020304" pitchFamily="18" charset="0"/>
               </a:rPr>
+              <a:t>‹#›</a:t>
             </a:fld>
             <a:endParaRPr lang="en-US" altLang="zh-CN">
               <a:latin typeface="Times New Roman" panose="02020603050405020304" pitchFamily="18" charset="0"/>
@@ -4693,7 +4865,6 @@
               <a:rPr lang="zh-CN" altLang="en-US"/>
               <a:t>单击此处编辑母版标题样式</a:t>
             </a:r>
-            <a:endParaRPr lang="zh-CN" altLang="en-US"/>
           </a:p>
         </p:txBody>
       </p:sp>
@@ -4759,7 +4930,6 @@
               <a:rPr lang="zh-CN" altLang="en-US"/>
               <a:t>单击此处编辑母版文本样式</a:t>
             </a:r>
-            <a:endParaRPr lang="zh-CN" altLang="en-US"/>
           </a:p>
         </p:txBody>
       </p:sp>
@@ -4816,7 +4986,6 @@
               <a:rPr lang="zh-CN" altLang="en-US"/>
               <a:t>单击此处编辑母版文本样式</a:t>
             </a:r>
-            <a:endParaRPr lang="zh-CN" altLang="en-US"/>
           </a:p>
           <a:p>
             <a:pPr lvl="1"/>
@@ -4824,7 +4993,6 @@
               <a:rPr lang="zh-CN" altLang="en-US"/>
               <a:t>第二级</a:t>
             </a:r>
-            <a:endParaRPr lang="zh-CN" altLang="en-US"/>
           </a:p>
           <a:p>
             <a:pPr lvl="2"/>
@@ -4832,7 +5000,6 @@
               <a:rPr lang="zh-CN" altLang="en-US"/>
               <a:t>第三级</a:t>
             </a:r>
-            <a:endParaRPr lang="zh-CN" altLang="en-US"/>
           </a:p>
           <a:p>
             <a:pPr lvl="3"/>
@@ -4840,7 +5007,6 @@
               <a:rPr lang="zh-CN" altLang="en-US"/>
               <a:t>第四级</a:t>
             </a:r>
-            <a:endParaRPr lang="zh-CN" altLang="en-US"/>
           </a:p>
           <a:p>
             <a:pPr lvl="4"/>
@@ -4848,7 +5014,6 @@
               <a:rPr lang="zh-CN" altLang="en-US"/>
               <a:t>第五级</a:t>
             </a:r>
-            <a:endParaRPr lang="zh-CN" altLang="en-US"/>
           </a:p>
         </p:txBody>
       </p:sp>
@@ -4914,7 +5079,6 @@
               <a:rPr lang="zh-CN" altLang="en-US"/>
               <a:t>单击此处编辑母版文本样式</a:t>
             </a:r>
-            <a:endParaRPr lang="zh-CN" altLang="en-US"/>
           </a:p>
         </p:txBody>
       </p:sp>
@@ -4971,7 +5135,6 @@
               <a:rPr lang="zh-CN" altLang="en-US"/>
               <a:t>单击此处编辑母版文本样式</a:t>
             </a:r>
-            <a:endParaRPr lang="zh-CN" altLang="en-US"/>
           </a:p>
           <a:p>
             <a:pPr lvl="1"/>
@@ -4979,7 +5142,6 @@
               <a:rPr lang="zh-CN" altLang="en-US"/>
               <a:t>第二级</a:t>
             </a:r>
-            <a:endParaRPr lang="zh-CN" altLang="en-US"/>
           </a:p>
           <a:p>
             <a:pPr lvl="2"/>
@@ -4987,7 +5149,6 @@
               <a:rPr lang="zh-CN" altLang="en-US"/>
               <a:t>第三级</a:t>
             </a:r>
-            <a:endParaRPr lang="zh-CN" altLang="en-US"/>
           </a:p>
           <a:p>
             <a:pPr lvl="3"/>
@@ -4995,7 +5156,6 @@
               <a:rPr lang="zh-CN" altLang="en-US"/>
               <a:t>第四级</a:t>
             </a:r>
-            <a:endParaRPr lang="zh-CN" altLang="en-US"/>
           </a:p>
           <a:p>
             <a:pPr lvl="4"/>
@@ -5003,7 +5163,6 @@
               <a:rPr lang="zh-CN" altLang="en-US"/>
               <a:t>第五级</a:t>
             </a:r>
-            <a:endParaRPr lang="zh-CN" altLang="en-US"/>
           </a:p>
         </p:txBody>
       </p:sp>
@@ -5020,6 +5179,7 @@
         <p:spPr/>
         <p:txBody>
           <a:bodyPr/>
+          <a:lstStyle/>
           <a:p>
             <a:pPr marL="0" marR="0" lvl="0" indent="0" algn="l" defTabSz="914400" rtl="0" eaLnBrk="1" fontAlgn="base" latinLnBrk="0" hangingPunct="1">
               <a:lnSpc>
@@ -5067,6 +5227,7 @@
         <p:spPr/>
         <p:txBody>
           <a:bodyPr/>
+          <a:lstStyle/>
           <a:p>
             <a:pPr marL="0" marR="0" lvl="0" indent="0" algn="ctr" defTabSz="914400" rtl="0" eaLnBrk="1" fontAlgn="base" latinLnBrk="0" hangingPunct="1">
               <a:lnSpc>
@@ -5114,12 +5275,14 @@
         <p:spPr/>
         <p:txBody>
           <a:bodyPr/>
+          <a:lstStyle/>
           <a:p>
             <a:pPr lvl="0" eaLnBrk="1" hangingPunct="1"/>
             <a:fld id="{9A0DB2DC-4C9A-4742-B13C-FB6460FD3503}" type="slidenum">
               <a:rPr lang="en-US" altLang="zh-CN">
                 <a:latin typeface="Times New Roman" panose="02020603050405020304" pitchFamily="18" charset="0"/>
               </a:rPr>
+              <a:t>‹#›</a:t>
             </a:fld>
             <a:endParaRPr lang="en-US" altLang="zh-CN">
               <a:latin typeface="Times New Roman" panose="02020603050405020304" pitchFamily="18" charset="0"/>
@@ -5171,7 +5334,6 @@
               <a:rPr lang="zh-CN" altLang="en-US"/>
               <a:t>单击此处编辑母版标题样式</a:t>
             </a:r>
-            <a:endParaRPr lang="zh-CN" altLang="en-US"/>
           </a:p>
         </p:txBody>
       </p:sp>
@@ -5188,6 +5350,7 @@
         <p:spPr/>
         <p:txBody>
           <a:bodyPr/>
+          <a:lstStyle/>
           <a:p>
             <a:pPr marL="0" marR="0" lvl="0" indent="0" algn="l" defTabSz="914400" rtl="0" eaLnBrk="1" fontAlgn="base" latinLnBrk="0" hangingPunct="1">
               <a:lnSpc>
@@ -5235,6 +5398,7 @@
         <p:spPr/>
         <p:txBody>
           <a:bodyPr/>
+          <a:lstStyle/>
           <a:p>
             <a:pPr marL="0" marR="0" lvl="0" indent="0" algn="ctr" defTabSz="914400" rtl="0" eaLnBrk="1" fontAlgn="base" latinLnBrk="0" hangingPunct="1">
               <a:lnSpc>
@@ -5282,12 +5446,14 @@
         <p:spPr/>
         <p:txBody>
           <a:bodyPr/>
+          <a:lstStyle/>
           <a:p>
             <a:pPr lvl="0" eaLnBrk="1" hangingPunct="1"/>
             <a:fld id="{9A0DB2DC-4C9A-4742-B13C-FB6460FD3503}" type="slidenum">
               <a:rPr lang="en-US" altLang="zh-CN">
                 <a:latin typeface="Times New Roman" panose="02020603050405020304" pitchFamily="18" charset="0"/>
               </a:rPr>
+              <a:t>‹#›</a:t>
             </a:fld>
             <a:endParaRPr lang="en-US" altLang="zh-CN">
               <a:latin typeface="Times New Roman" panose="02020603050405020304" pitchFamily="18" charset="0"/>
@@ -5333,6 +5499,7 @@
         <p:spPr/>
         <p:txBody>
           <a:bodyPr/>
+          <a:lstStyle/>
           <a:p>
             <a:pPr marL="0" marR="0" lvl="0" indent="0" algn="l" defTabSz="914400" rtl="0" eaLnBrk="1" fontAlgn="base" latinLnBrk="0" hangingPunct="1">
               <a:lnSpc>
@@ -5380,6 +5547,7 @@
         <p:spPr/>
         <p:txBody>
           <a:bodyPr/>
+          <a:lstStyle/>
           <a:p>
             <a:pPr marL="0" marR="0" lvl="0" indent="0" algn="ctr" defTabSz="914400" rtl="0" eaLnBrk="1" fontAlgn="base" latinLnBrk="0" hangingPunct="1">
               <a:lnSpc>
@@ -5427,12 +5595,14 @@
         <p:spPr/>
         <p:txBody>
           <a:bodyPr/>
+          <a:lstStyle/>
           <a:p>
             <a:pPr lvl="0" eaLnBrk="1" hangingPunct="1"/>
             <a:fld id="{9A0DB2DC-4C9A-4742-B13C-FB6460FD3503}" type="slidenum">
               <a:rPr lang="en-US" altLang="zh-CN">
                 <a:latin typeface="Times New Roman" panose="02020603050405020304" pitchFamily="18" charset="0"/>
               </a:rPr>
+              <a:t>‹#›</a:t>
             </a:fld>
             <a:endParaRPr lang="en-US" altLang="zh-CN">
               <a:latin typeface="Times New Roman" panose="02020603050405020304" pitchFamily="18" charset="0"/>
@@ -5493,7 +5663,6 @@
               <a:rPr lang="zh-CN" altLang="en-US"/>
               <a:t>单击此处编辑母版标题样式</a:t>
             </a:r>
-            <a:endParaRPr lang="zh-CN" altLang="en-US"/>
           </a:p>
         </p:txBody>
       </p:sp>
@@ -5550,7 +5719,6 @@
               <a:rPr lang="zh-CN" altLang="en-US"/>
               <a:t>单击此处编辑母版文本样式</a:t>
             </a:r>
-            <a:endParaRPr lang="zh-CN" altLang="en-US"/>
           </a:p>
           <a:p>
             <a:pPr lvl="1"/>
@@ -5558,7 +5726,6 @@
               <a:rPr lang="zh-CN" altLang="en-US"/>
               <a:t>第二级</a:t>
             </a:r>
-            <a:endParaRPr lang="zh-CN" altLang="en-US"/>
           </a:p>
           <a:p>
             <a:pPr lvl="2"/>
@@ -5566,7 +5733,6 @@
               <a:rPr lang="zh-CN" altLang="en-US"/>
               <a:t>第三级</a:t>
             </a:r>
-            <a:endParaRPr lang="zh-CN" altLang="en-US"/>
           </a:p>
           <a:p>
             <a:pPr lvl="3"/>
@@ -5574,7 +5740,6 @@
               <a:rPr lang="zh-CN" altLang="en-US"/>
               <a:t>第四级</a:t>
             </a:r>
-            <a:endParaRPr lang="zh-CN" altLang="en-US"/>
           </a:p>
           <a:p>
             <a:pPr lvl="4"/>
@@ -5582,7 +5747,6 @@
               <a:rPr lang="zh-CN" altLang="en-US"/>
               <a:t>第五级</a:t>
             </a:r>
-            <a:endParaRPr lang="zh-CN" altLang="en-US"/>
           </a:p>
         </p:txBody>
       </p:sp>
@@ -5648,7 +5812,6 @@
               <a:rPr lang="zh-CN" altLang="en-US"/>
               <a:t>单击此处编辑母版文本样式</a:t>
             </a:r>
-            <a:endParaRPr lang="zh-CN" altLang="en-US"/>
           </a:p>
         </p:txBody>
       </p:sp>
@@ -5665,6 +5828,7 @@
         <p:spPr/>
         <p:txBody>
           <a:bodyPr/>
+          <a:lstStyle/>
           <a:p>
             <a:pPr marL="0" marR="0" lvl="0" indent="0" algn="l" defTabSz="914400" rtl="0" eaLnBrk="1" fontAlgn="base" latinLnBrk="0" hangingPunct="1">
               <a:lnSpc>
@@ -5712,6 +5876,7 @@
         <p:spPr/>
         <p:txBody>
           <a:bodyPr/>
+          <a:lstStyle/>
           <a:p>
             <a:pPr marL="0" marR="0" lvl="0" indent="0" algn="ctr" defTabSz="914400" rtl="0" eaLnBrk="1" fontAlgn="base" latinLnBrk="0" hangingPunct="1">
               <a:lnSpc>
@@ -5759,12 +5924,14 @@
         <p:spPr/>
         <p:txBody>
           <a:bodyPr/>
+          <a:lstStyle/>
           <a:p>
             <a:pPr lvl="0" eaLnBrk="1" hangingPunct="1"/>
             <a:fld id="{9A0DB2DC-4C9A-4742-B13C-FB6460FD3503}" type="slidenum">
               <a:rPr lang="en-US" altLang="zh-CN">
                 <a:latin typeface="Times New Roman" panose="02020603050405020304" pitchFamily="18" charset="0"/>
               </a:rPr>
+              <a:t>‹#›</a:t>
             </a:fld>
             <a:endParaRPr lang="en-US" altLang="zh-CN">
               <a:latin typeface="Times New Roman" panose="02020603050405020304" pitchFamily="18" charset="0"/>
@@ -5825,7 +5992,6 @@
               <a:rPr lang="zh-CN" altLang="en-US"/>
               <a:t>单击此处编辑母版标题样式</a:t>
             </a:r>
-            <a:endParaRPr lang="zh-CN" altLang="en-US"/>
           </a:p>
         </p:txBody>
       </p:sp>
@@ -5981,7 +6147,6 @@
               <a:rPr lang="zh-CN" altLang="en-US"/>
               <a:t>单击此处编辑母版文本样式</a:t>
             </a:r>
-            <a:endParaRPr lang="zh-CN" altLang="en-US"/>
           </a:p>
         </p:txBody>
       </p:sp>
@@ -5998,6 +6163,7 @@
         <p:spPr/>
         <p:txBody>
           <a:bodyPr/>
+          <a:lstStyle/>
           <a:p>
             <a:pPr marL="0" marR="0" lvl="0" indent="0" algn="l" defTabSz="914400" rtl="0" eaLnBrk="1" fontAlgn="base" latinLnBrk="0" hangingPunct="1">
               <a:lnSpc>
@@ -6045,6 +6211,7 @@
         <p:spPr/>
         <p:txBody>
           <a:bodyPr/>
+          <a:lstStyle/>
           <a:p>
             <a:pPr marL="0" marR="0" lvl="0" indent="0" algn="ctr" defTabSz="914400" rtl="0" eaLnBrk="1" fontAlgn="base" latinLnBrk="0" hangingPunct="1">
               <a:lnSpc>
@@ -6092,12 +6259,14 @@
         <p:spPr/>
         <p:txBody>
           <a:bodyPr/>
+          <a:lstStyle/>
           <a:p>
             <a:pPr lvl="0" eaLnBrk="1" hangingPunct="1"/>
             <a:fld id="{9A0DB2DC-4C9A-4742-B13C-FB6460FD3503}" type="slidenum">
               <a:rPr lang="en-US" altLang="zh-CN">
                 <a:latin typeface="Times New Roman" panose="02020603050405020304" pitchFamily="18" charset="0"/>
               </a:rPr>
+              <a:t>‹#›</a:t>
             </a:fld>
             <a:endParaRPr lang="en-US" altLang="zh-CN">
               <a:latin typeface="Times New Roman" panose="02020603050405020304" pitchFamily="18" charset="0"/>
@@ -6130,7 +6299,14 @@
         <p:cNvGrpSpPr/>
         <p:nvPr/>
       </p:nvGrpSpPr>
-      <p:grpSpPr/>
+      <p:grpSpPr>
+        <a:xfrm>
+          <a:off x="0" y="0"/>
+          <a:ext cx="0" cy="0"/>
+          <a:chOff x="0" y="0"/>
+          <a:chExt cx="0" cy="0"/>
+        </a:xfrm>
+      </p:grpSpPr>
       <p:sp>
         <p:nvSpPr>
           <p:cNvPr id="1026" name="Rectangle 2"/>
@@ -6156,13 +6332,13 @@
         </p:spPr>
         <p:txBody>
           <a:bodyPr anchor="ctr" anchorCtr="0"/>
+          <a:lstStyle/>
           <a:p>
             <a:pPr lvl="0"/>
             <a:r>
               <a:rPr lang="zh-CN" altLang="en-US"/>
               <a:t>单击此处编辑母版标题样式</a:t>
             </a:r>
-            <a:endParaRPr lang="zh-CN" altLang="en-US"/>
           </a:p>
         </p:txBody>
       </p:sp>
@@ -6191,13 +6367,13 @@
         </p:spPr>
         <p:txBody>
           <a:bodyPr/>
+          <a:lstStyle/>
           <a:p>
             <a:pPr lvl="0"/>
             <a:r>
               <a:rPr lang="zh-CN" altLang="en-US"/>
               <a:t>单击此处编辑母版文本样式</a:t>
             </a:r>
-            <a:endParaRPr lang="zh-CN" altLang="en-US"/>
           </a:p>
           <a:p>
             <a:pPr lvl="1"/>
@@ -6205,7 +6381,6 @@
               <a:rPr lang="zh-CN" altLang="en-US"/>
               <a:t>第二级</a:t>
             </a:r>
-            <a:endParaRPr lang="zh-CN" altLang="en-US"/>
           </a:p>
           <a:p>
             <a:pPr lvl="2"/>
@@ -6213,7 +6388,6 @@
               <a:rPr lang="zh-CN" altLang="en-US"/>
               <a:t>第三级</a:t>
             </a:r>
-            <a:endParaRPr lang="zh-CN" altLang="en-US"/>
           </a:p>
           <a:p>
             <a:pPr lvl="3"/>
@@ -6221,7 +6395,6 @@
               <a:rPr lang="zh-CN" altLang="en-US"/>
               <a:t>第四级</a:t>
             </a:r>
-            <a:endParaRPr lang="zh-CN" altLang="en-US"/>
           </a:p>
           <a:p>
             <a:pPr lvl="4"/>
@@ -6229,7 +6402,6 @@
               <a:rPr lang="zh-CN" altLang="en-US"/>
               <a:t>第五级</a:t>
             </a:r>
-            <a:endParaRPr lang="zh-CN" altLang="en-US"/>
           </a:p>
         </p:txBody>
       </p:sp>
@@ -6403,6 +6575,7 @@
               <a:rPr lang="en-US" altLang="zh-CN">
                 <a:latin typeface="Times New Roman" panose="02020603050405020304" pitchFamily="18" charset="0"/>
               </a:rPr>
+              <a:t>‹#›</a:t>
             </a:fld>
             <a:endParaRPr lang="en-US" altLang="zh-CN">
               <a:latin typeface="Times New Roman" panose="02020603050405020304" pitchFamily="18" charset="0"/>
@@ -6821,7 +6994,14 @@
         <p:cNvGrpSpPr/>
         <p:nvPr/>
       </p:nvGrpSpPr>
-      <p:grpSpPr/>
+      <p:grpSpPr>
+        <a:xfrm>
+          <a:off x="0" y="0"/>
+          <a:ext cx="0" cy="0"/>
+          <a:chOff x="0" y="0"/>
+          <a:chExt cx="0" cy="0"/>
+        </a:xfrm>
+      </p:grpSpPr>
       <p:sp>
         <p:nvSpPr>
           <p:cNvPr id="15362" name="Text Box 2"/>
@@ -6960,23 +7140,8 @@
                 </a:solidFill>
                 <a:sym typeface="Webdings" panose="05030102010509060703" pitchFamily="18" charset="2"/>
               </a:rPr>
-              <a:t>习题</a:t>
-            </a:r>
-            <a:r>
-              <a:rPr lang="zh-CN" altLang="en-US" sz="5400" b="1">
-                <a:solidFill>
-                  <a:schemeClr val="hlink"/>
-                </a:solidFill>
-                <a:sym typeface="Webdings" panose="05030102010509060703" pitchFamily="18" charset="2"/>
-              </a:rPr>
-              <a:t>讲解</a:t>
-            </a:r>
-            <a:endParaRPr lang="zh-CN" altLang="en-US" sz="5400" b="1">
-              <a:solidFill>
-                <a:schemeClr val="hlink"/>
-              </a:solidFill>
-              <a:sym typeface="Webdings" panose="05030102010509060703" pitchFamily="18" charset="2"/>
-            </a:endParaRPr>
+              <a:t>习题讲解</a:t>
+            </a:r>
           </a:p>
         </p:txBody>
       </p:sp>
@@ -6997,7 +7162,14 @@
         <p:cNvGrpSpPr/>
         <p:nvPr/>
       </p:nvGrpSpPr>
-      <p:grpSpPr/>
+      <p:grpSpPr>
+        <a:xfrm>
+          <a:off x="0" y="0"/>
+          <a:ext cx="0" cy="0"/>
+          <a:chOff x="0" y="0"/>
+          <a:chExt cx="0" cy="0"/>
+        </a:xfrm>
+      </p:grpSpPr>
       <p:grpSp>
         <p:nvGrpSpPr>
           <p:cNvPr id="2" name="Group 2"/>
@@ -7035,6 +7207,7 @@
             <a:bodyPr>
               <a:spAutoFit/>
             </a:bodyPr>
+            <a:lstStyle/>
             <a:p>
               <a:pPr algn="ctr">
                 <a:spcBef>
@@ -7054,10 +7227,6 @@
                 </a:rPr>
                 <a:t>Cache</a:t>
               </a:r>
-              <a:endParaRPr lang="en-US" altLang="zh-CN" b="1" dirty="0">
-                <a:latin typeface="Georgia" panose="02040502050405020303" pitchFamily="18" charset="0"/>
-                <a:sym typeface="+mn-ea"/>
-              </a:endParaRPr>
             </a:p>
             <a:p>
               <a:pPr algn="ctr">
@@ -7071,9 +7240,6 @@
                 </a:rPr>
                 <a:t>calculate processing time</a:t>
               </a:r>
-              <a:endParaRPr lang="en-US" altLang="zh-CN" sz="2000" b="1" dirty="0">
-                <a:latin typeface="Georgia" panose="02040502050405020303" pitchFamily="18" charset="0"/>
-              </a:endParaRPr>
             </a:p>
           </p:txBody>
         </p:sp>
@@ -7091,12 +7257,12 @@
             <a:graphicData uri="http://schemas.openxmlformats.org/presentationml/2006/ole">
               <mc:AlternateContent xmlns:mc="http://schemas.openxmlformats.org/markup-compatibility/2006">
                 <mc:Choice xmlns:v="urn:schemas-microsoft-com:vml" Requires="v">
-                  <p:oleObj spid="_x0000_s3086" name="" r:id="rId1" imgW="4178935" imgH="3215640" progId="MS_ClipArt_Gallery.2">
+                  <p:oleObj spid="_x0000_s5132" r:id="rId4" imgW="4178935" imgH="3215640" progId="MS_ClipArt_Gallery.2">
                     <p:embed/>
                   </p:oleObj>
                 </mc:Choice>
                 <mc:Fallback>
-                  <p:oleObj name="" r:id="rId1" imgW="4178935" imgH="3215640" progId="MS_ClipArt_Gallery.2">
+                  <p:oleObj r:id="rId4" imgW="4178935" imgH="3215640" progId="MS_ClipArt_Gallery.2">
                     <p:embed/>
                     <p:pic>
                       <p:nvPicPr>
@@ -7105,7 +7271,7 @@
                         <p:nvPr/>
                       </p:nvPicPr>
                       <p:blipFill>
-                        <a:blip r:embed="rId2"/>
+                        <a:blip r:embed="rId5"/>
                         <a:stretch>
                           <a:fillRect/>
                         </a:stretch>
@@ -7254,12 +7420,6 @@
               </a:rPr>
               <a:t>5.10 Cache</a:t>
             </a:r>
-            <a:endParaRPr lang="en-US" altLang="zh-CN" sz="1800" b="1">
-              <a:solidFill>
-                <a:schemeClr val="hlink"/>
-              </a:solidFill>
-              <a:sym typeface="Webdings" panose="05030102010509060703" pitchFamily="18" charset="2"/>
-            </a:endParaRPr>
           </a:p>
         </p:txBody>
       </p:sp>
@@ -7286,6 +7446,7 @@
           <a:bodyPr>
             <a:spAutoFit/>
           </a:bodyPr>
+          <a:lstStyle/>
           <a:p>
             <a:pPr indent="457200"/>
             <a:r>
@@ -7369,9 +7530,6 @@
               </a:rPr>
               <a:t>. The following table shows data for L1 caches attached to each of two processors, P1 and P2.   </a:t>
             </a:r>
-            <a:endParaRPr lang="en-US" altLang="zh-CN" b="1" dirty="0">
-              <a:latin typeface="Times New Roman" panose="02020603050405020304" pitchFamily="18" charset="0"/>
-            </a:endParaRPr>
           </a:p>
           <a:p>
             <a:endParaRPr lang="en-US" altLang="zh-CN" b="1" dirty="0">
@@ -7389,7 +7547,7 @@
           <p:nvPr/>
         </p:nvPicPr>
         <p:blipFill>
-          <a:blip r:embed="rId3"/>
+          <a:blip r:embed="rId6"/>
           <a:stretch>
             <a:fillRect/>
           </a:stretch>
@@ -7404,18 +7562,49 @@
           </a:prstGeom>
         </p:spPr>
       </p:pic>
+      <p:sp>
+        <p:nvSpPr>
+          <p:cNvPr id="5" name="文本框 4">
+            <a:extLst>
+              <a:ext uri="{FF2B5EF4-FFF2-40B4-BE49-F238E27FC236}">
+                <a16:creationId xmlns:a16="http://schemas.microsoft.com/office/drawing/2014/main" id="{4E880A28-63C8-48D1-8ECC-30390DC173D4}"/>
+              </a:ext>
+            </a:extLst>
+          </p:cNvPr>
+          <p:cNvSpPr txBox="1"/>
+          <p:nvPr/>
+        </p:nvSpPr>
+        <p:spPr>
+          <a:xfrm>
+            <a:off x="1187450" y="6237312"/>
+            <a:ext cx="5109091" cy="461665"/>
+          </a:xfrm>
+          <a:prstGeom prst="rect">
+            <a:avLst/>
+          </a:prstGeom>
+          <a:noFill/>
+        </p:spPr>
+        <p:txBody>
+          <a:bodyPr wrap="none" rtlCol="0">
+            <a:spAutoFit/>
+          </a:bodyPr>
+          <a:lstStyle/>
+          <a:p>
+            <a:r>
+              <a:rPr lang="zh-CN" altLang="en-US" dirty="0">
+                <a:hlinkClick r:id="rId7"/>
+              </a:rPr>
+              <a:t>这个和标答不一样，是因为条件不同</a:t>
+            </a:r>
+            <a:endParaRPr lang="zh-CN" altLang="en-US" dirty="0"/>
+          </a:p>
+        </p:txBody>
+      </p:sp>
     </p:spTree>
   </p:cSld>
   <p:clrMapOvr>
     <a:masterClrMapping/>
   </p:clrMapOvr>
-  <p:timing>
-    <p:tnLst>
-      <p:par>
-        <p:cTn id="1" dur="indefinite" restart="never" nodeType="tmRoot"/>
-      </p:par>
-    </p:tnLst>
-  </p:timing>
 </p:sld>
 </file>
 
@@ -7428,7 +7617,14 @@
         <p:cNvGrpSpPr/>
         <p:nvPr/>
       </p:nvGrpSpPr>
-      <p:grpSpPr/>
+      <p:grpSpPr>
+        <a:xfrm>
+          <a:off x="0" y="0"/>
+          <a:ext cx="0" cy="0"/>
+          <a:chOff x="0" y="0"/>
+          <a:chExt cx="0" cy="0"/>
+        </a:xfrm>
+      </p:grpSpPr>
       <p:sp>
         <p:nvSpPr>
           <p:cNvPr id="16388" name="Text Box 101"/>
@@ -7551,12 +7747,6 @@
               </a:rPr>
               <a:t>5.10 Cache</a:t>
             </a:r>
-            <a:endParaRPr lang="en-US" altLang="zh-CN" sz="1800" b="1">
-              <a:solidFill>
-                <a:schemeClr val="hlink"/>
-              </a:solidFill>
-              <a:sym typeface="Webdings" panose="05030102010509060703" pitchFamily="18" charset="2"/>
-            </a:endParaRPr>
           </a:p>
         </p:txBody>
       </p:sp>
@@ -7694,7 +7884,6 @@
               <a:rPr lang="en-US" altLang="zh-CN" sz="2400" b="1"/>
               <a:t>  </a:t>
             </a:r>
-            <a:endParaRPr lang="en-US" altLang="zh-CN" sz="2400" b="1"/>
           </a:p>
         </p:txBody>
       </p:sp>
@@ -7841,11 +8030,6 @@
               </a:rPr>
               <a:t>时间</a:t>
             </a:r>
-            <a:endParaRPr lang="zh-CN" altLang="en-US" sz="2000" b="1">
-              <a:solidFill>
-                <a:srgbClr val="FF0000"/>
-              </a:solidFill>
-            </a:endParaRPr>
           </a:p>
         </p:txBody>
       </p:sp>
@@ -7865,12 +8049,12 @@
           <a:graphicData uri="http://schemas.openxmlformats.org/presentationml/2006/ole">
             <mc:AlternateContent xmlns:mc="http://schemas.openxmlformats.org/markup-compatibility/2006">
               <mc:Choice xmlns:v="urn:schemas-microsoft-com:vml" Requires="v">
-                <p:oleObj spid="_x0000_s3078" name="" r:id="rId1" imgW="393700" imgH="177165" progId="Equation.3">
+                <p:oleObj spid="_x0000_s6156" r:id="rId3" imgW="393700" imgH="177165" progId="Equation.3">
                   <p:embed/>
                 </p:oleObj>
               </mc:Choice>
               <mc:Fallback>
-                <p:oleObj name="" r:id="rId1" imgW="393700" imgH="177165" progId="Equation.3">
+                <p:oleObj r:id="rId3" imgW="393700" imgH="177165" progId="Equation.3">
                   <p:embed/>
                   <p:pic>
                     <p:nvPicPr>
@@ -7879,7 +8063,7 @@
                       <p:nvPr/>
                     </p:nvPicPr>
                     <p:blipFill>
-                      <a:blip r:embed="rId2"/>
+                      <a:blip r:embed="rId4"/>
                       <a:stretch>
                         <a:fillRect/>
                       </a:stretch>
@@ -8056,11 +8240,6 @@
               </a:rPr>
               <a:t>次数</a:t>
             </a:r>
-            <a:endParaRPr lang="zh-CN" altLang="en-US" sz="2000" b="1">
-              <a:solidFill>
-                <a:srgbClr val="FF0000"/>
-              </a:solidFill>
-            </a:endParaRPr>
           </a:p>
         </p:txBody>
       </p:sp>
@@ -8084,6 +8263,7 @@
           <a:bodyPr wrap="square" rtlCol="0" anchor="t">
             <a:spAutoFit/>
           </a:bodyPr>
+          <a:lstStyle/>
           <a:p>
             <a:r>
               <a:rPr lang="zh-CN" altLang="en-US" b="1" dirty="0">
@@ -8103,6 +8283,8 @@
               </a:rPr>
               <a:t> </a:t>
             </a:r>
+          </a:p>
+          <a:p>
             <a:endParaRPr lang="en-US" altLang="zh-CN" b="1" dirty="0">
               <a:solidFill>
                 <a:srgbClr val="0000FF"/>
@@ -8111,6 +8293,25 @@
             </a:endParaRPr>
           </a:p>
           <a:p>
+            <a:pPr indent="457200"/>
+            <a:r>
+              <a:rPr lang="zh-CN" altLang="en-US" b="1" dirty="0">
+                <a:solidFill>
+                  <a:srgbClr val="0000FF"/>
+                </a:solidFill>
+                <a:sym typeface="+mn-ea"/>
+              </a:rPr>
+              <a:t>内存访问时间：</a:t>
+            </a:r>
+            <a:r>
+              <a:rPr lang="en-US" altLang="zh-CN" b="1" dirty="0">
+                <a:solidFill>
+                  <a:srgbClr val="FF0000"/>
+                </a:solidFill>
+                <a:sym typeface="+mn-ea"/>
+              </a:rPr>
+              <a:t>70ns</a:t>
+            </a:r>
             <a:endParaRPr lang="en-US" altLang="zh-CN" b="1" dirty="0">
               <a:solidFill>
                 <a:srgbClr val="0000FF"/>
@@ -8127,7 +8328,7 @@
                 </a:solidFill>
                 <a:sym typeface="+mn-ea"/>
               </a:rPr>
-              <a:t>内存访问时间：</a:t>
+              <a:t>内存访问次数：</a:t>
             </a:r>
             <a:r>
               <a:rPr lang="en-US" altLang="zh-CN" b="1" dirty="0">
@@ -8136,25 +8337,55 @@
                 </a:solidFill>
                 <a:sym typeface="+mn-ea"/>
               </a:rPr>
-              <a:t>70ns</a:t>
-            </a:r>
-            <a:endParaRPr lang="en-US" altLang="zh-CN" b="1" dirty="0">
-              <a:solidFill>
-                <a:srgbClr val="0000FF"/>
-              </a:solidFill>
-              <a:sym typeface="+mn-ea"/>
-            </a:endParaRPr>
+              <a:t>0.36I</a:t>
+            </a:r>
+            <a:r>
+              <a:rPr lang="en-US" altLang="zh-CN" b="1" dirty="0">
+                <a:solidFill>
+                  <a:srgbClr val="0000FF"/>
+                </a:solidFill>
+                <a:sym typeface="+mn-ea"/>
+              </a:rPr>
+              <a:t> (I - </a:t>
+            </a:r>
+            <a:r>
+              <a:rPr lang="zh-CN" altLang="en-US" b="1" dirty="0">
+                <a:solidFill>
+                  <a:srgbClr val="0000FF"/>
+                </a:solidFill>
+                <a:sym typeface="+mn-ea"/>
+              </a:rPr>
+              <a:t>总指令数</a:t>
+            </a:r>
+            <a:r>
+              <a:rPr lang="en-US" altLang="zh-CN" b="1" dirty="0">
+                <a:solidFill>
+                  <a:srgbClr val="0000FF"/>
+                </a:solidFill>
+                <a:sym typeface="+mn-ea"/>
+              </a:rPr>
+              <a:t>)</a:t>
+            </a:r>
           </a:p>
           <a:p>
             <a:pPr indent="457200"/>
             <a:r>
+              <a:rPr lang="en-US" altLang="zh-CN" b="1" dirty="0">
+                <a:solidFill>
+                  <a:srgbClr val="0000FF"/>
+                </a:solidFill>
+                <a:sym typeface="+mn-ea"/>
+              </a:rPr>
+              <a:t>P1 </a:t>
+            </a:r>
+            <a:r>
               <a:rPr lang="zh-CN" altLang="en-US" b="1" dirty="0">
                 <a:solidFill>
                   <a:srgbClr val="0000FF"/>
                 </a:solidFill>
                 <a:sym typeface="+mn-ea"/>
               </a:rPr>
-              <a:t>内存访问次数：</a:t>
+              <a:t>：</a:t>
             </a:r>
             <a:r>
               <a:rPr lang="en-US" altLang="zh-CN" b="1" dirty="0">
@@ -8163,7 +8394,16 @@
                 </a:solidFill>
                 <a:sym typeface="+mn-ea"/>
               </a:rPr>
-              <a:t>0.36I</a:t>
+              <a:t>2KB</a:t>
+            </a:r>
+            <a:r>
+              <a:rPr lang="zh-CN" altLang="en-US" b="1" dirty="0">
+                <a:solidFill>
+                  <a:srgbClr val="0000FF"/>
+                </a:solidFill>
+                <a:sym typeface="+mn-ea"/>
+              </a:rPr>
+              <a:t>，命中率</a:t>
             </a:r>
             <a:r>
               <a:rPr lang="en-US" altLang="zh-CN" b="1" dirty="0">
@@ -8172,7 +8412,16 @@
                 </a:solidFill>
                 <a:sym typeface="+mn-ea"/>
               </a:rPr>
-              <a:t> (I - </a:t>
+              <a:t> </a:t>
+            </a:r>
+            <a:r>
+              <a:rPr lang="en-US" altLang="zh-CN" b="1" dirty="0">
+                <a:solidFill>
+                  <a:srgbClr val="FF0000"/>
+                </a:solidFill>
+                <a:sym typeface="+mn-ea"/>
+              </a:rPr>
+              <a:t>92%</a:t>
             </a:r>
             <a:r>
               <a:rPr lang="zh-CN" altLang="en-US" b="1" dirty="0">
@@ -8181,23 +8430,17 @@
                 </a:solidFill>
                 <a:sym typeface="+mn-ea"/>
               </a:rPr>
-              <a:t>总指令数</a:t>
+              <a:t>，访问时间</a:t>
             </a:r>
             <a:r>
               <a:rPr lang="en-US" altLang="zh-CN" b="1" dirty="0">
                 <a:solidFill>
-                  <a:srgbClr val="0000FF"/>
-                </a:solidFill>
-                <a:sym typeface="+mn-ea"/>
-              </a:rPr>
-              <a:t>)</a:t>
-            </a:r>
-            <a:endParaRPr lang="en-US" altLang="zh-CN" b="1" dirty="0">
-              <a:solidFill>
-                <a:srgbClr val="0000FF"/>
-              </a:solidFill>
-              <a:sym typeface="+mn-ea"/>
-            </a:endParaRPr>
+                  <a:srgbClr val="FF0000"/>
+                </a:solidFill>
+                <a:sym typeface="+mn-ea"/>
+              </a:rPr>
+              <a:t>0.66ns</a:t>
+            </a:r>
           </a:p>
           <a:p>
             <a:pPr indent="457200"/>
@@ -8208,7 +8451,7 @@
                 </a:solidFill>
                 <a:sym typeface="+mn-ea"/>
               </a:rPr>
-              <a:t>P1 </a:t>
+              <a:t>P2 </a:t>
             </a:r>
             <a:r>
               <a:rPr lang="zh-CN" altLang="en-US" b="1" dirty="0">
@@ -8226,7 +8469,7 @@
                 </a:solidFill>
                 <a:sym typeface="+mn-ea"/>
               </a:rPr>
-              <a:t>2KB</a:t>
+              <a:t>4KB</a:t>
             </a:r>
             <a:r>
               <a:rPr lang="zh-CN" altLang="en-US" b="1" dirty="0">
@@ -8253,7 +8496,7 @@
                 </a:solidFill>
                 <a:sym typeface="+mn-ea"/>
               </a:rPr>
-              <a:t>92%</a:t>
+              <a:t>94%</a:t>
             </a:r>
             <a:r>
               <a:rPr lang="zh-CN" altLang="en-US" b="1" dirty="0">
@@ -8271,95 +8514,8 @@
                 </a:solidFill>
                 <a:sym typeface="+mn-ea"/>
               </a:rPr>
-              <a:t>0.66ns</a:t>
-            </a:r>
-            <a:endParaRPr lang="en-US" altLang="zh-CN" b="1" dirty="0">
-              <a:solidFill>
-                <a:srgbClr val="FF0000"/>
-              </a:solidFill>
-              <a:sym typeface="+mn-ea"/>
-            </a:endParaRPr>
-          </a:p>
-          <a:p>
-            <a:pPr indent="457200"/>
-            <a:r>
-              <a:rPr lang="en-US" altLang="zh-CN" b="1" dirty="0">
-                <a:solidFill>
-                  <a:srgbClr val="0000FF"/>
-                </a:solidFill>
-                <a:sym typeface="+mn-ea"/>
-              </a:rPr>
-              <a:t>P2 </a:t>
-            </a:r>
-            <a:r>
-              <a:rPr lang="zh-CN" altLang="en-US" b="1" dirty="0">
-                <a:solidFill>
-                  <a:srgbClr val="0000FF"/>
-                </a:solidFill>
-                <a:sym typeface="+mn-ea"/>
-              </a:rPr>
-              <a:t>：</a:t>
-            </a:r>
-            <a:r>
-              <a:rPr lang="en-US" altLang="zh-CN" b="1" dirty="0">
-                <a:solidFill>
-                  <a:srgbClr val="FF0000"/>
-                </a:solidFill>
-                <a:sym typeface="+mn-ea"/>
-              </a:rPr>
-              <a:t>4KB</a:t>
-            </a:r>
-            <a:r>
-              <a:rPr lang="zh-CN" altLang="en-US" b="1" dirty="0">
-                <a:solidFill>
-                  <a:srgbClr val="0000FF"/>
-                </a:solidFill>
-                <a:sym typeface="+mn-ea"/>
-              </a:rPr>
-              <a:t>，命中率</a:t>
-            </a:r>
-            <a:r>
-              <a:rPr lang="en-US" altLang="zh-CN" b="1" dirty="0">
-                <a:solidFill>
-                  <a:srgbClr val="0000FF"/>
-                </a:solidFill>
-                <a:sym typeface="+mn-ea"/>
-              </a:rPr>
-              <a:t> </a:t>
-            </a:r>
-            <a:r>
-              <a:rPr lang="en-US" altLang="zh-CN" b="1" dirty="0">
-                <a:solidFill>
-                  <a:srgbClr val="FF0000"/>
-                </a:solidFill>
-                <a:sym typeface="+mn-ea"/>
-              </a:rPr>
-              <a:t>94%</a:t>
-            </a:r>
-            <a:r>
-              <a:rPr lang="zh-CN" altLang="en-US" b="1" dirty="0">
-                <a:solidFill>
-                  <a:srgbClr val="0000FF"/>
-                </a:solidFill>
-                <a:sym typeface="+mn-ea"/>
-              </a:rPr>
-              <a:t>，访问时间</a:t>
-            </a:r>
-            <a:r>
-              <a:rPr lang="en-US" altLang="zh-CN" b="1" dirty="0">
-                <a:solidFill>
-                  <a:srgbClr val="FF0000"/>
-                </a:solidFill>
-                <a:sym typeface="+mn-ea"/>
-              </a:rPr>
               <a:t>0.90ns</a:t>
             </a:r>
-            <a:endParaRPr lang="en-US" altLang="zh-CN" b="1" dirty="0">
-              <a:solidFill>
-                <a:srgbClr val="FF0000"/>
-              </a:solidFill>
-              <a:sym typeface="+mn-ea"/>
-            </a:endParaRPr>
           </a:p>
         </p:txBody>
       </p:sp>
@@ -8372,7 +8528,7 @@
           <p:nvPr/>
         </p:nvPicPr>
         <p:blipFill>
-          <a:blip r:embed="rId3"/>
+          <a:blip r:embed="rId5"/>
           <a:stretch>
             <a:fillRect/>
           </a:stretch>
@@ -8404,7 +8560,14 @@
         <p:cNvGrpSpPr/>
         <p:nvPr/>
       </p:nvGrpSpPr>
-      <p:grpSpPr/>
+      <p:grpSpPr>
+        <a:xfrm>
+          <a:off x="0" y="0"/>
+          <a:ext cx="0" cy="0"/>
+          <a:chOff x="0" y="0"/>
+          <a:chExt cx="0" cy="0"/>
+        </a:xfrm>
+      </p:grpSpPr>
       <p:sp>
         <p:nvSpPr>
           <p:cNvPr id="4" name="Text Box 98"/>
@@ -8539,7 +8702,6 @@
               <a:rPr lang="en-US" altLang="zh-CN" sz="2400" b="1"/>
               <a:t>  </a:t>
             </a:r>
-            <a:endParaRPr lang="en-US" altLang="zh-CN" sz="2400" b="1"/>
           </a:p>
           <a:p>
             <a:pPr marL="0" lvl="0" indent="0" eaLnBrk="1" hangingPunct="1">
@@ -8588,7 +8750,6 @@
               <a:rPr lang="en-US" altLang="zh-CN" sz="2400" b="1"/>
               <a:t>?</a:t>
             </a:r>
-            <a:endParaRPr lang="en-US" altLang="zh-CN" sz="2400" b="1"/>
           </a:p>
         </p:txBody>
       </p:sp>
@@ -8714,12 +8875,6 @@
               </a:rPr>
               <a:t>5.10 Cache</a:t>
             </a:r>
-            <a:endParaRPr lang="en-US" altLang="zh-CN" sz="1800" b="1">
-              <a:solidFill>
-                <a:schemeClr val="hlink"/>
-              </a:solidFill>
-              <a:sym typeface="Webdings" panose="05030102010509060703" pitchFamily="18" charset="2"/>
-            </a:endParaRPr>
           </a:p>
         </p:txBody>
       </p:sp>
@@ -8743,6 +8898,7 @@
           <a:bodyPr wrap="square" rtlCol="0" anchor="t">
             <a:spAutoFit/>
           </a:bodyPr>
+          <a:lstStyle/>
           <a:p>
             <a:r>
               <a:rPr lang="zh-CN" altLang="en-US" sz="1800" b="1" dirty="0">
@@ -8761,6 +8917,27 @@
                 <a:sym typeface="+mn-ea"/>
               </a:rPr>
               <a:t> </a:t>
+            </a:r>
+          </a:p>
+          <a:p>
+            <a:pPr indent="457200"/>
+            <a:r>
+              <a:rPr lang="zh-CN" altLang="en-US" sz="1800" b="1" dirty="0">
+                <a:solidFill>
+                  <a:srgbClr val="0000FF"/>
+                </a:solidFill>
+                <a:sym typeface="+mn-ea"/>
+              </a:rPr>
+              <a:t>内存访问时间：</a:t>
+            </a:r>
+            <a:r>
+              <a:rPr lang="en-US" altLang="zh-CN" sz="1800" b="1" dirty="0">
+                <a:solidFill>
+                  <a:srgbClr val="FF0000"/>
+                </a:solidFill>
+                <a:sym typeface="+mn-ea"/>
+              </a:rPr>
+              <a:t>70ns</a:t>
             </a:r>
             <a:endParaRPr lang="en-US" altLang="zh-CN" sz="1800" b="1" dirty="0">
               <a:solidFill>
@@ -8778,7 +8955,7 @@
                 </a:solidFill>
                 <a:sym typeface="+mn-ea"/>
               </a:rPr>
-              <a:t>内存访问时间：</a:t>
+              <a:t>内存访问次数：</a:t>
             </a:r>
             <a:r>
               <a:rPr lang="en-US" altLang="zh-CN" sz="1800" b="1" dirty="0">
@@ -8787,25 +8964,55 @@
                 </a:solidFill>
                 <a:sym typeface="+mn-ea"/>
               </a:rPr>
-              <a:t>70ns</a:t>
-            </a:r>
-            <a:endParaRPr lang="en-US" altLang="zh-CN" sz="1800" b="1" dirty="0">
-              <a:solidFill>
-                <a:srgbClr val="0000FF"/>
-              </a:solidFill>
-              <a:sym typeface="+mn-ea"/>
-            </a:endParaRPr>
+              <a:t>0.36I</a:t>
+            </a:r>
+            <a:r>
+              <a:rPr lang="en-US" altLang="zh-CN" sz="1800" b="1" dirty="0">
+                <a:solidFill>
+                  <a:srgbClr val="0000FF"/>
+                </a:solidFill>
+                <a:sym typeface="+mn-ea"/>
+              </a:rPr>
+              <a:t> (I - </a:t>
+            </a:r>
+            <a:r>
+              <a:rPr lang="zh-CN" altLang="en-US" sz="1800" b="1" dirty="0">
+                <a:solidFill>
+                  <a:srgbClr val="0000FF"/>
+                </a:solidFill>
+                <a:sym typeface="+mn-ea"/>
+              </a:rPr>
+              <a:t>总指令数</a:t>
+            </a:r>
+            <a:r>
+              <a:rPr lang="en-US" altLang="zh-CN" sz="1800" b="1" dirty="0">
+                <a:solidFill>
+                  <a:srgbClr val="0000FF"/>
+                </a:solidFill>
+                <a:sym typeface="+mn-ea"/>
+              </a:rPr>
+              <a:t>)</a:t>
+            </a:r>
           </a:p>
           <a:p>
             <a:pPr indent="457200"/>
             <a:r>
+              <a:rPr lang="en-US" altLang="zh-CN" sz="1800" b="1" dirty="0">
+                <a:solidFill>
+                  <a:srgbClr val="0000FF"/>
+                </a:solidFill>
+                <a:sym typeface="+mn-ea"/>
+              </a:rPr>
+              <a:t>P1 </a:t>
+            </a:r>
+            <a:r>
               <a:rPr lang="zh-CN" altLang="en-US" sz="1800" b="1" dirty="0">
                 <a:solidFill>
                   <a:srgbClr val="0000FF"/>
                 </a:solidFill>
                 <a:sym typeface="+mn-ea"/>
               </a:rPr>
-              <a:t>内存访问次数：</a:t>
+              <a:t>：</a:t>
             </a:r>
             <a:r>
               <a:rPr lang="en-US" altLang="zh-CN" sz="1800" b="1" dirty="0">
@@ -8814,7 +9021,16 @@
                 </a:solidFill>
                 <a:sym typeface="+mn-ea"/>
               </a:rPr>
-              <a:t>0.36I</a:t>
+              <a:t>2KB</a:t>
+            </a:r>
+            <a:r>
+              <a:rPr lang="zh-CN" altLang="en-US" sz="1800" b="1" dirty="0">
+                <a:solidFill>
+                  <a:srgbClr val="0000FF"/>
+                </a:solidFill>
+                <a:sym typeface="+mn-ea"/>
+              </a:rPr>
+              <a:t>，命中率</a:t>
             </a:r>
             <a:r>
               <a:rPr lang="en-US" altLang="zh-CN" sz="1800" b="1" dirty="0">
@@ -8823,7 +9039,16 @@
                 </a:solidFill>
                 <a:sym typeface="+mn-ea"/>
               </a:rPr>
-              <a:t> (I - </a:t>
+              <a:t> </a:t>
+            </a:r>
+            <a:r>
+              <a:rPr lang="en-US" altLang="zh-CN" sz="1800" b="1" dirty="0">
+                <a:solidFill>
+                  <a:srgbClr val="FF0000"/>
+                </a:solidFill>
+                <a:sym typeface="+mn-ea"/>
+              </a:rPr>
+              <a:t>92%</a:t>
             </a:r>
             <a:r>
               <a:rPr lang="zh-CN" altLang="en-US" sz="1800" b="1" dirty="0">
@@ -8832,8 +9057,29 @@
                 </a:solidFill>
                 <a:sym typeface="+mn-ea"/>
               </a:rPr>
-              <a:t>总指令数</a:t>
-            </a:r>
+              <a:t>，</a:t>
+            </a:r>
+            <a:r>
+              <a:rPr lang="zh-CN" altLang="en-US" sz="1800" b="1" u="sng" dirty="0">
+                <a:solidFill>
+                  <a:srgbClr val="0000FF"/>
+                </a:solidFill>
+                <a:sym typeface="+mn-ea"/>
+              </a:rPr>
+              <a:t>访问时间</a:t>
+            </a:r>
+            <a:r>
+              <a:rPr lang="en-US" altLang="zh-CN" sz="1800" b="1" u="sng" dirty="0">
+                <a:solidFill>
+                  <a:srgbClr val="FF0000"/>
+                </a:solidFill>
+                <a:sym typeface="+mn-ea"/>
+              </a:rPr>
+              <a:t>0.66ns</a:t>
+            </a:r>
+          </a:p>
+          <a:p>
+            <a:pPr indent="457200"/>
             <a:r>
               <a:rPr lang="en-US" altLang="zh-CN" sz="1800" b="1" dirty="0">
                 <a:solidFill>
@@ -8841,25 +9087,25 @@
                 </a:solidFill>
                 <a:sym typeface="+mn-ea"/>
               </a:rPr>
-              <a:t>)</a:t>
-            </a:r>
-            <a:endParaRPr lang="en-US" altLang="zh-CN" sz="1800" b="1" dirty="0">
-              <a:solidFill>
-                <a:srgbClr val="0000FF"/>
-              </a:solidFill>
-              <a:sym typeface="+mn-ea"/>
-            </a:endParaRPr>
-          </a:p>
-          <a:p>
-            <a:pPr indent="457200"/>
+              <a:t>P2 </a:t>
+            </a:r>
+            <a:r>
+              <a:rPr lang="zh-CN" altLang="en-US" sz="1800" b="1" dirty="0">
+                <a:solidFill>
+                  <a:srgbClr val="0000FF"/>
+                </a:solidFill>
+                <a:sym typeface="+mn-ea"/>
+              </a:rPr>
+              <a:t>：</a:t>
+            </a:r>
             <a:r>
               <a:rPr lang="en-US" altLang="zh-CN" sz="1800" b="1" dirty="0">
                 <a:solidFill>
-                  <a:srgbClr val="0000FF"/>
-                </a:solidFill>
-                <a:sym typeface="+mn-ea"/>
-              </a:rPr>
-              <a:t>P1 </a:t>
+                  <a:srgbClr val="FF0000"/>
+                </a:solidFill>
+                <a:sym typeface="+mn-ea"/>
+              </a:rPr>
+              <a:t>4KB</a:t>
             </a:r>
             <a:r>
               <a:rPr lang="zh-CN" altLang="en-US" sz="1800" b="1" dirty="0">
@@ -8868,16 +9114,25 @@
                 </a:solidFill>
                 <a:sym typeface="+mn-ea"/>
               </a:rPr>
-              <a:t>：</a:t>
+              <a:t>，命中率</a:t>
             </a:r>
             <a:r>
               <a:rPr lang="en-US" altLang="zh-CN" sz="1800" b="1" dirty="0">
                 <a:solidFill>
+                  <a:srgbClr val="0000FF"/>
+                </a:solidFill>
+                <a:sym typeface="+mn-ea"/>
+              </a:rPr>
+              <a:t> </a:t>
+            </a:r>
+            <a:r>
+              <a:rPr lang="en-US" altLang="zh-CN" sz="1800" b="1" dirty="0">
+                <a:solidFill>
                   <a:srgbClr val="FF0000"/>
                 </a:solidFill>
                 <a:sym typeface="+mn-ea"/>
               </a:rPr>
-              <a:t>2KB</a:t>
+              <a:t>94%</a:t>
             </a:r>
             <a:r>
               <a:rPr lang="zh-CN" altLang="en-US" sz="1800" b="1" dirty="0">
@@ -8886,149 +9141,26 @@
                 </a:solidFill>
                 <a:sym typeface="+mn-ea"/>
               </a:rPr>
-              <a:t>，命中率</a:t>
-            </a:r>
-            <a:r>
-              <a:rPr lang="en-US" altLang="zh-CN" sz="1800" b="1" dirty="0">
-                <a:solidFill>
-                  <a:srgbClr val="0000FF"/>
-                </a:solidFill>
-                <a:sym typeface="+mn-ea"/>
-              </a:rPr>
-              <a:t> </a:t>
-            </a:r>
-            <a:r>
-              <a:rPr lang="en-US" altLang="zh-CN" sz="1800" b="1" dirty="0">
+              <a:t>，</a:t>
+            </a:r>
+            <a:r>
+              <a:rPr lang="zh-CN" altLang="en-US" sz="1800" b="1" u="sng" dirty="0">
+                <a:solidFill>
+                  <a:srgbClr val="0000FF"/>
+                </a:solidFill>
+                <a:sym typeface="+mn-ea"/>
+              </a:rPr>
+              <a:t>访问时间</a:t>
+            </a:r>
+            <a:r>
+              <a:rPr lang="en-US" altLang="zh-CN" sz="1800" b="1" u="sng" dirty="0">
                 <a:solidFill>
                   <a:srgbClr val="FF0000"/>
                 </a:solidFill>
                 <a:sym typeface="+mn-ea"/>
               </a:rPr>
-              <a:t>92%</a:t>
-            </a:r>
-            <a:r>
-              <a:rPr lang="zh-CN" altLang="en-US" sz="1800" b="1" dirty="0">
-                <a:solidFill>
-                  <a:srgbClr val="0000FF"/>
-                </a:solidFill>
-                <a:sym typeface="+mn-ea"/>
-              </a:rPr>
-              <a:t>，</a:t>
-            </a:r>
-            <a:r>
-              <a:rPr lang="zh-CN" altLang="en-US" sz="1800" b="1" u="sng" dirty="0">
-                <a:solidFill>
-                  <a:srgbClr val="0000FF"/>
-                </a:solidFill>
-                <a:sym typeface="+mn-ea"/>
-              </a:rPr>
-              <a:t>访问时间</a:t>
-            </a:r>
-            <a:r>
-              <a:rPr lang="en-US" altLang="zh-CN" sz="1800" b="1" u="sng" dirty="0">
-                <a:solidFill>
-                  <a:srgbClr val="FF0000"/>
-                </a:solidFill>
-                <a:sym typeface="+mn-ea"/>
-              </a:rPr>
-              <a:t>0.66ns</a:t>
-            </a:r>
-            <a:endParaRPr lang="en-US" altLang="zh-CN" sz="1800" b="1" u="sng" dirty="0">
-              <a:solidFill>
-                <a:srgbClr val="FF0000"/>
-              </a:solidFill>
-              <a:sym typeface="+mn-ea"/>
-            </a:endParaRPr>
-          </a:p>
-          <a:p>
-            <a:pPr indent="457200"/>
-            <a:r>
-              <a:rPr lang="en-US" altLang="zh-CN" sz="1800" b="1" dirty="0">
-                <a:solidFill>
-                  <a:srgbClr val="0000FF"/>
-                </a:solidFill>
-                <a:sym typeface="+mn-ea"/>
-              </a:rPr>
-              <a:t>P2 </a:t>
-            </a:r>
-            <a:r>
-              <a:rPr lang="zh-CN" altLang="en-US" sz="1800" b="1" dirty="0">
-                <a:solidFill>
-                  <a:srgbClr val="0000FF"/>
-                </a:solidFill>
-                <a:sym typeface="+mn-ea"/>
-              </a:rPr>
-              <a:t>：</a:t>
-            </a:r>
-            <a:r>
-              <a:rPr lang="en-US" altLang="zh-CN" sz="1800" b="1" dirty="0">
-                <a:solidFill>
-                  <a:srgbClr val="FF0000"/>
-                </a:solidFill>
-                <a:sym typeface="+mn-ea"/>
-              </a:rPr>
-              <a:t>4KB</a:t>
-            </a:r>
-            <a:r>
-              <a:rPr lang="zh-CN" altLang="en-US" sz="1800" b="1" dirty="0">
-                <a:solidFill>
-                  <a:srgbClr val="0000FF"/>
-                </a:solidFill>
-                <a:sym typeface="+mn-ea"/>
-              </a:rPr>
-              <a:t>，命中率</a:t>
-            </a:r>
-            <a:r>
-              <a:rPr lang="en-US" altLang="zh-CN" sz="1800" b="1" dirty="0">
-                <a:solidFill>
-                  <a:srgbClr val="0000FF"/>
-                </a:solidFill>
-                <a:sym typeface="+mn-ea"/>
-              </a:rPr>
-              <a:t> </a:t>
-            </a:r>
-            <a:r>
-              <a:rPr lang="en-US" altLang="zh-CN" sz="1800" b="1" dirty="0">
-                <a:solidFill>
-                  <a:srgbClr val="FF0000"/>
-                </a:solidFill>
-                <a:sym typeface="+mn-ea"/>
-              </a:rPr>
-              <a:t>94%</a:t>
-            </a:r>
-            <a:r>
-              <a:rPr lang="zh-CN" altLang="en-US" sz="1800" b="1" dirty="0">
-                <a:solidFill>
-                  <a:srgbClr val="0000FF"/>
-                </a:solidFill>
-                <a:sym typeface="+mn-ea"/>
-              </a:rPr>
-              <a:t>，</a:t>
-            </a:r>
-            <a:r>
-              <a:rPr lang="zh-CN" altLang="en-US" sz="1800" b="1" u="sng" dirty="0">
-                <a:solidFill>
-                  <a:srgbClr val="0000FF"/>
-                </a:solidFill>
-                <a:sym typeface="+mn-ea"/>
-              </a:rPr>
-              <a:t>访问时间</a:t>
-            </a:r>
-            <a:r>
-              <a:rPr lang="en-US" altLang="zh-CN" sz="1800" b="1" u="sng" dirty="0">
-                <a:solidFill>
-                  <a:srgbClr val="FF0000"/>
-                </a:solidFill>
-                <a:sym typeface="+mn-ea"/>
-              </a:rPr>
               <a:t>0.90ns</a:t>
             </a:r>
-            <a:endParaRPr lang="en-US" altLang="zh-CN" sz="1800" b="1" u="sng" dirty="0">
-              <a:solidFill>
-                <a:srgbClr val="FF0000"/>
-              </a:solidFill>
-              <a:sym typeface="+mn-ea"/>
-            </a:endParaRPr>
           </a:p>
         </p:txBody>
       </p:sp>
@@ -9052,6 +9184,7 @@
           <a:bodyPr wrap="square" rtlCol="0" anchor="t">
             <a:spAutoFit/>
           </a:bodyPr>
+          <a:lstStyle/>
           <a:p>
             <a:r>
               <a:rPr lang="en-US" altLang="zh-CN" b="1">
@@ -9062,12 +9195,6 @@
               </a:rPr>
               <a:t>Clock Rates = 1 / Period = 1 / L1 Hit Time</a:t>
             </a:r>
-            <a:endParaRPr lang="en-US" altLang="zh-CN" b="1">
-              <a:solidFill>
-                <a:srgbClr val="0000FF"/>
-              </a:solidFill>
-              <a:sym typeface="+mn-ea"/>
-            </a:endParaRPr>
           </a:p>
         </p:txBody>
       </p:sp>
@@ -9091,6 +9218,7 @@
           <a:bodyPr wrap="square" rtlCol="0" anchor="t">
             <a:spAutoFit/>
           </a:bodyPr>
+          <a:lstStyle/>
           <a:p>
             <a:r>
               <a:rPr lang="en-US" altLang="zh-CN"/>
@@ -9100,14 +9228,12 @@
               <a:rPr lang="zh-CN" altLang="en-US"/>
               <a:t>1/0.66≈1.52 GHz</a:t>
             </a:r>
-            <a:endParaRPr lang="zh-CN" altLang="en-US"/>
           </a:p>
           <a:p>
             <a:r>
               <a:rPr lang="en-US" altLang="zh-CN"/>
               <a:t>P2: 1/0.90≈1.11 GHz</a:t>
             </a:r>
-            <a:endParaRPr lang="en-US" altLang="zh-CN"/>
           </a:p>
         </p:txBody>
       </p:sp>
@@ -9116,13 +9242,6 @@
   <p:clrMapOvr>
     <a:masterClrMapping/>
   </p:clrMapOvr>
-  <p:timing>
-    <p:tnLst>
-      <p:par>
-        <p:cTn id="1" dur="indefinite" restart="never" nodeType="tmRoot"/>
-      </p:par>
-    </p:tnLst>
-  </p:timing>
 </p:sld>
 </file>
 
@@ -9135,7 +9254,14 @@
         <p:cNvGrpSpPr/>
         <p:nvPr/>
       </p:nvGrpSpPr>
-      <p:grpSpPr/>
+      <p:grpSpPr>
+        <a:xfrm>
+          <a:off x="0" y="0"/>
+          <a:ext cx="0" cy="0"/>
+          <a:chOff x="0" y="0"/>
+          <a:chExt cx="0" cy="0"/>
+        </a:xfrm>
+      </p:grpSpPr>
       <p:sp>
         <p:nvSpPr>
           <p:cNvPr id="4" name="Text Box 98"/>
@@ -9270,7 +9396,6 @@
               <a:rPr lang="en-US" altLang="zh-CN" sz="2400" b="1"/>
               <a:t>  </a:t>
             </a:r>
-            <a:endParaRPr lang="en-US" altLang="zh-CN" sz="2400" b="1"/>
           </a:p>
           <a:p>
             <a:pPr marL="0" lvl="0" indent="0" eaLnBrk="1" hangingPunct="1">
@@ -9319,7 +9444,6 @@
               <a:rPr lang="en-US" altLang="zh-CN" sz="2400" b="1"/>
               <a:t>)?</a:t>
             </a:r>
-            <a:endParaRPr lang="en-US" altLang="zh-CN" sz="2400" b="1"/>
           </a:p>
         </p:txBody>
       </p:sp>
@@ -9445,12 +9569,6 @@
               </a:rPr>
               <a:t>5.10 Cache</a:t>
             </a:r>
-            <a:endParaRPr lang="en-US" altLang="zh-CN" sz="1800" b="1">
-              <a:solidFill>
-                <a:schemeClr val="hlink"/>
-              </a:solidFill>
-              <a:sym typeface="Webdings" panose="05030102010509060703" pitchFamily="18" charset="2"/>
-            </a:endParaRPr>
           </a:p>
         </p:txBody>
       </p:sp>
@@ -9474,6 +9592,7 @@
           <a:bodyPr wrap="square" rtlCol="0" anchor="t">
             <a:spAutoFit/>
           </a:bodyPr>
+          <a:lstStyle/>
           <a:p>
             <a:r>
               <a:rPr lang="zh-CN" altLang="en-US" sz="1800" b="1" dirty="0">
@@ -9493,12 +9612,6 @@
               </a:rPr>
               <a:t> </a:t>
             </a:r>
-            <a:endParaRPr lang="en-US" altLang="zh-CN" sz="1800" b="1" dirty="0">
-              <a:solidFill>
-                <a:srgbClr val="0000FF"/>
-              </a:solidFill>
-              <a:sym typeface="+mn-ea"/>
-            </a:endParaRPr>
           </a:p>
           <a:p>
             <a:pPr indent="457200"/>
@@ -9574,12 +9687,6 @@
               </a:rPr>
               <a:t>)</a:t>
             </a:r>
-            <a:endParaRPr lang="en-US" altLang="zh-CN" sz="1800" b="1" dirty="0">
-              <a:solidFill>
-                <a:srgbClr val="0000FF"/>
-              </a:solidFill>
-              <a:sym typeface="+mn-ea"/>
-            </a:endParaRPr>
           </a:p>
           <a:p>
             <a:pPr indent="457200"/>
@@ -9673,12 +9780,6 @@
               </a:rPr>
               <a:t>0.66ns</a:t>
             </a:r>
-            <a:endParaRPr lang="en-US" altLang="zh-CN" sz="1800" b="1" u="sng" dirty="0">
-              <a:solidFill>
-                <a:srgbClr val="FF0000"/>
-              </a:solidFill>
-              <a:sym typeface="+mn-ea"/>
-            </a:endParaRPr>
           </a:p>
           <a:p>
             <a:pPr indent="457200"/>
@@ -9772,12 +9873,6 @@
               </a:rPr>
               <a:t>0.90ns</a:t>
             </a:r>
-            <a:endParaRPr lang="en-US" altLang="zh-CN" sz="1800" b="1" u="sng" dirty="0">
-              <a:solidFill>
-                <a:srgbClr val="FF0000"/>
-              </a:solidFill>
-              <a:sym typeface="+mn-ea"/>
-            </a:endParaRPr>
           </a:p>
         </p:txBody>
       </p:sp>
@@ -9801,40 +9896,47 @@
           <a:bodyPr wrap="square" rtlCol="0" anchor="t">
             <a:spAutoFit/>
           </a:bodyPr>
-          <a:p>
-            <a:r>
-              <a:rPr lang="en-US" altLang="zh-CN" b="1">
-                <a:solidFill>
-                  <a:srgbClr val="0000FF"/>
-                </a:solidFill>
-                <a:sym typeface="+mn-ea"/>
-              </a:rPr>
-              <a:t>Average Memory Access Time=Hit time×Hit rate</a:t>
-            </a:r>
-            <a:endParaRPr lang="en-US" altLang="zh-CN" b="1">
-              <a:solidFill>
-                <a:srgbClr val="0000FF"/>
-              </a:solidFill>
-              <a:sym typeface="+mn-ea"/>
-            </a:endParaRPr>
+          <a:lstStyle/>
+          <a:p>
+            <a:r>
+              <a:rPr lang="en-US" altLang="zh-CN" b="1" dirty="0">
+                <a:solidFill>
+                  <a:srgbClr val="0000FF"/>
+                </a:solidFill>
+                <a:sym typeface="+mn-ea"/>
+              </a:rPr>
+              <a:t>Average Memory Access Time=Hit time</a:t>
+            </a:r>
           </a:p>
           <a:p>
             <a:pPr marL="3200400" lvl="7" indent="457200"/>
             <a:r>
-              <a:rPr lang="en-US" altLang="zh-CN" b="1">
-                <a:solidFill>
-                  <a:srgbClr val="0000FF"/>
-                </a:solidFill>
-                <a:sym typeface="+mn-ea"/>
-              </a:rPr>
-              <a:t>      +Miss time×Miss rate</a:t>
-            </a:r>
-            <a:endParaRPr lang="en-US" altLang="zh-CN" b="1">
-              <a:solidFill>
-                <a:srgbClr val="0000FF"/>
-              </a:solidFill>
-              <a:sym typeface="+mn-ea"/>
-            </a:endParaRPr>
+              <a:rPr lang="en-US" altLang="zh-CN" b="1" dirty="0">
+                <a:solidFill>
+                  <a:srgbClr val="0000FF"/>
+                </a:solidFill>
+                <a:sym typeface="+mn-ea"/>
+              </a:rPr>
+              <a:t>      +Miss </a:t>
+            </a:r>
+            <a:r>
+              <a:rPr lang="en-US" altLang="zh-CN" b="1" dirty="0" err="1">
+                <a:solidFill>
+                  <a:srgbClr val="0000FF"/>
+                </a:solidFill>
+                <a:sym typeface="+mn-ea"/>
+              </a:rPr>
+              <a:t>time×Miss</a:t>
+            </a:r>
+            <a:r>
+              <a:rPr lang="en-US" altLang="zh-CN" b="1" dirty="0">
+                <a:solidFill>
+                  <a:srgbClr val="0000FF"/>
+                </a:solidFill>
+                <a:sym typeface="+mn-ea"/>
+              </a:rPr>
+              <a:t> rate</a:t>
+            </a:r>
           </a:p>
         </p:txBody>
       </p:sp>
@@ -9858,28 +9960,113 @@
           <a:bodyPr wrap="square" rtlCol="0" anchor="t">
             <a:spAutoFit/>
           </a:bodyPr>
-          <a:p>
-            <a:r>
+          <a:lstStyle/>
+          <a:p>
+            <a:r>
+              <a:rPr b="1" dirty="0">
+                <a:solidFill>
+                  <a:schemeClr val="accent2">
+                    <a:lumMod val="60000"/>
+                    <a:lumOff val="40000"/>
+                  </a:schemeClr>
+                </a:solidFill>
+              </a:rPr>
               <a:t>P1:</a:t>
             </a:r>
             <a:r>
-              <a:rPr lang="en-US"/>
+              <a:rPr lang="en-US" b="1" dirty="0">
+                <a:solidFill>
+                  <a:schemeClr val="accent2">
+                    <a:lumMod val="60000"/>
+                    <a:lumOff val="40000"/>
+                  </a:schemeClr>
+                </a:solidFill>
+              </a:rPr>
               <a:t> </a:t>
             </a:r>
             <a:r>
-              <a:t>1+70/0.66×8%≈9.48(CLKs)</a:t>
-            </a:r>
-          </a:p>
-          <a:p>
-            <a:r>
+              <a:rPr b="1" dirty="0">
+                <a:solidFill>
+                  <a:schemeClr val="accent2">
+                    <a:lumMod val="60000"/>
+                    <a:lumOff val="40000"/>
+                  </a:schemeClr>
+                </a:solidFill>
+              </a:rPr>
+              <a:t>1+70/</a:t>
+            </a:r>
+            <a:r>
+              <a:rPr b="1" dirty="0">
+                <a:solidFill>
+                  <a:schemeClr val="accent1"/>
+                </a:solidFill>
+              </a:rPr>
+              <a:t>0.66</a:t>
+            </a:r>
+            <a:r>
+              <a:rPr b="1" dirty="0">
+                <a:solidFill>
+                  <a:schemeClr val="accent2">
+                    <a:lumMod val="60000"/>
+                    <a:lumOff val="40000"/>
+                  </a:schemeClr>
+                </a:solidFill>
+              </a:rPr>
+              <a:t>×8%≈9.48(CLKs)</a:t>
+            </a:r>
+          </a:p>
+          <a:p>
+            <a:r>
+              <a:rPr b="1" dirty="0">
+                <a:solidFill>
+                  <a:schemeClr val="accent2">
+                    <a:lumMod val="60000"/>
+                    <a:lumOff val="40000"/>
+                  </a:schemeClr>
+                </a:solidFill>
+              </a:rPr>
               <a:t>P2:</a:t>
             </a:r>
             <a:r>
-              <a:rPr lang="en-US"/>
+              <a:rPr lang="en-US" b="1" dirty="0">
+                <a:solidFill>
+                  <a:schemeClr val="accent2">
+                    <a:lumMod val="60000"/>
+                    <a:lumOff val="40000"/>
+                  </a:schemeClr>
+                </a:solidFill>
+              </a:rPr>
               <a:t> </a:t>
             </a:r>
             <a:r>
-              <a:t>1+70/0.90×6%≈5.67(CLKs)</a:t>
+              <a:rPr b="1" dirty="0">
+                <a:solidFill>
+                  <a:schemeClr val="accent2">
+                    <a:lumMod val="60000"/>
+                    <a:lumOff val="40000"/>
+                  </a:schemeClr>
+                </a:solidFill>
+              </a:rPr>
+              <a:t>1+70/</a:t>
+            </a:r>
+            <a:r>
+              <a:rPr b="1" dirty="0">
+                <a:solidFill>
+                  <a:schemeClr val="accent1"/>
+                </a:solidFill>
+              </a:rPr>
+              <a:t>0.90</a:t>
+            </a:r>
+            <a:r>
+              <a:rPr b="1" dirty="0">
+                <a:solidFill>
+                  <a:schemeClr val="accent2">
+                    <a:lumMod val="60000"/>
+                    <a:lumOff val="40000"/>
+                  </a:schemeClr>
+                </a:solidFill>
+              </a:rPr>
+              <a:t>×6%≈5.67(CLKs)</a:t>
             </a:r>
           </a:p>
         </p:txBody>
@@ -9889,13 +10076,6 @@
   <p:clrMapOvr>
     <a:masterClrMapping/>
   </p:clrMapOvr>
-  <p:timing>
-    <p:tnLst>
-      <p:par>
-        <p:cTn id="1" dur="indefinite" restart="never" nodeType="tmRoot"/>
-      </p:par>
-    </p:tnLst>
-  </p:timing>
 </p:sld>
 </file>
 
@@ -9908,7 +10088,14 @@
         <p:cNvGrpSpPr/>
         <p:nvPr/>
       </p:nvGrpSpPr>
-      <p:grpSpPr/>
+      <p:grpSpPr>
+        <a:xfrm>
+          <a:off x="0" y="0"/>
+          <a:ext cx="0" cy="0"/>
+          <a:chOff x="0" y="0"/>
+          <a:chExt cx="0" cy="0"/>
+        </a:xfrm>
+      </p:grpSpPr>
       <p:sp>
         <p:nvSpPr>
           <p:cNvPr id="4" name="Text Box 98"/>
@@ -10043,7 +10230,6 @@
               <a:rPr lang="en-US" altLang="zh-CN" sz="2400" b="1"/>
               <a:t>  </a:t>
             </a:r>
-            <a:endParaRPr lang="en-US" altLang="zh-CN" sz="2400" b="1"/>
           </a:p>
           <a:p>
             <a:pPr marL="0" lvl="0" indent="0" eaLnBrk="1" hangingPunct="1">
@@ -10104,7 +10290,6 @@
               <a:rPr lang="en-US" altLang="zh-CN" sz="2400" b="1"/>
               <a:t>? (When we say a “base CPI of 1.0”, we mean that instructions complete in one cycle, unless either the instruction access or the data access causes a cache miss.)</a:t>
             </a:r>
-            <a:endParaRPr lang="en-US" altLang="zh-CN" sz="2400" b="1"/>
           </a:p>
         </p:txBody>
       </p:sp>
@@ -10230,12 +10415,6 @@
               </a:rPr>
               <a:t>5.10 Cache</a:t>
             </a:r>
-            <a:endParaRPr lang="en-US" altLang="zh-CN" sz="1800" b="1">
-              <a:solidFill>
-                <a:schemeClr val="hlink"/>
-              </a:solidFill>
-              <a:sym typeface="Webdings" panose="05030102010509060703" pitchFamily="18" charset="2"/>
-            </a:endParaRPr>
           </a:p>
         </p:txBody>
       </p:sp>
@@ -10259,6 +10438,7 @@
           <a:bodyPr wrap="square" rtlCol="0" anchor="t">
             <a:spAutoFit/>
           </a:bodyPr>
+          <a:lstStyle/>
           <a:p>
             <a:r>
               <a:rPr lang="zh-CN" altLang="en-US" sz="1800" b="1" dirty="0">
@@ -10278,12 +10458,6 @@
               </a:rPr>
               <a:t> </a:t>
             </a:r>
-            <a:endParaRPr lang="en-US" altLang="zh-CN" sz="1800" b="1" dirty="0">
-              <a:solidFill>
-                <a:srgbClr val="0000FF"/>
-              </a:solidFill>
-              <a:sym typeface="+mn-ea"/>
-            </a:endParaRPr>
           </a:p>
           <a:p>
             <a:pPr indent="457200"/>
@@ -10359,12 +10533,6 @@
               </a:rPr>
               <a:t>)</a:t>
             </a:r>
-            <a:endParaRPr lang="en-US" altLang="zh-CN" sz="1800" b="1" dirty="0">
-              <a:solidFill>
-                <a:srgbClr val="0000FF"/>
-              </a:solidFill>
-              <a:sym typeface="+mn-ea"/>
-            </a:endParaRPr>
           </a:p>
           <a:p>
             <a:pPr indent="457200"/>
@@ -10458,12 +10626,6 @@
               </a:rPr>
               <a:t>0.66ns</a:t>
             </a:r>
-            <a:endParaRPr lang="en-US" altLang="zh-CN" sz="1800" b="1" u="sng" dirty="0">
-              <a:solidFill>
-                <a:srgbClr val="FF0000"/>
-              </a:solidFill>
-              <a:sym typeface="+mn-ea"/>
-            </a:endParaRPr>
           </a:p>
           <a:p>
             <a:pPr indent="457200"/>
@@ -10557,12 +10719,6 @@
               </a:rPr>
               <a:t>0.90ns</a:t>
             </a:r>
-            <a:endParaRPr lang="en-US" altLang="zh-CN" sz="1800" b="1" u="sng" dirty="0">
-              <a:solidFill>
-                <a:srgbClr val="FF0000"/>
-              </a:solidFill>
-              <a:sym typeface="+mn-ea"/>
-            </a:endParaRPr>
           </a:p>
         </p:txBody>
       </p:sp>
@@ -10586,6 +10742,7 @@
           <a:bodyPr wrap="square" rtlCol="0" anchor="t">
             <a:spAutoFit/>
           </a:bodyPr>
+          <a:lstStyle/>
           <a:p>
             <a:r>
               <a:rPr lang="en-US" altLang="zh-CN" b="1">
@@ -10596,12 +10753,6 @@
               </a:rPr>
               <a:t>total CPI = total Clocks / total Instructions</a:t>
             </a:r>
-            <a:endParaRPr lang="en-US" altLang="zh-CN" b="1">
-              <a:solidFill>
-                <a:srgbClr val="0000FF"/>
-              </a:solidFill>
-              <a:sym typeface="+mn-ea"/>
-            </a:endParaRPr>
           </a:p>
         </p:txBody>
       </p:sp>
@@ -10610,13 +10761,6 @@
   <p:clrMapOvr>
     <a:masterClrMapping/>
   </p:clrMapOvr>
-  <p:timing>
-    <p:tnLst>
-      <p:par>
-        <p:cTn id="1" dur="indefinite" restart="never" nodeType="tmRoot"/>
-      </p:par>
-    </p:tnLst>
-  </p:timing>
 </p:sld>
 </file>
 
@@ -10629,7 +10773,14 @@
         <p:cNvGrpSpPr/>
         <p:nvPr/>
       </p:nvGrpSpPr>
-      <p:grpSpPr/>
+      <p:grpSpPr>
+        <a:xfrm>
+          <a:off x="0" y="0"/>
+          <a:ext cx="0" cy="0"/>
+          <a:chOff x="0" y="0"/>
+          <a:chExt cx="0" cy="0"/>
+        </a:xfrm>
+      </p:grpSpPr>
       <p:sp>
         <p:nvSpPr>
           <p:cNvPr id="4" name="Text Box 98"/>
@@ -10764,7 +10915,6 @@
               <a:rPr lang="en-US" altLang="zh-CN" sz="2400" b="1"/>
               <a:t>  </a:t>
             </a:r>
-            <a:endParaRPr lang="en-US" altLang="zh-CN" sz="2400" b="1"/>
           </a:p>
           <a:p>
             <a:pPr marL="0" lvl="0" indent="0" eaLnBrk="1" hangingPunct="1">
@@ -10825,7 +10975,6 @@
               <a:rPr lang="en-US" altLang="zh-CN" sz="2400" b="1"/>
               <a:t>?</a:t>
             </a:r>
-            <a:endParaRPr lang="en-US" altLang="zh-CN" sz="2400" b="1"/>
           </a:p>
         </p:txBody>
       </p:sp>
@@ -10951,12 +11100,6 @@
               </a:rPr>
               <a:t>5.10 Cache</a:t>
             </a:r>
-            <a:endParaRPr lang="en-US" altLang="zh-CN" sz="1800" b="1">
-              <a:solidFill>
-                <a:schemeClr val="hlink"/>
-              </a:solidFill>
-              <a:sym typeface="Webdings" panose="05030102010509060703" pitchFamily="18" charset="2"/>
-            </a:endParaRPr>
           </a:p>
         </p:txBody>
       </p:sp>
@@ -10980,6 +11123,7 @@
           <a:bodyPr wrap="square" rtlCol="0" anchor="t">
             <a:spAutoFit/>
           </a:bodyPr>
+          <a:lstStyle/>
           <a:p>
             <a:r>
               <a:rPr lang="zh-CN" altLang="en-US" sz="1800" b="1" dirty="0">
@@ -10999,12 +11143,6 @@
               </a:rPr>
               <a:t> </a:t>
             </a:r>
-            <a:endParaRPr lang="en-US" altLang="zh-CN" sz="1800" b="1" dirty="0">
-              <a:solidFill>
-                <a:srgbClr val="0000FF"/>
-              </a:solidFill>
-              <a:sym typeface="+mn-ea"/>
-            </a:endParaRPr>
           </a:p>
           <a:p>
             <a:pPr indent="457200"/>
@@ -11080,12 +11218,6 @@
               </a:rPr>
               <a:t>)</a:t>
             </a:r>
-            <a:endParaRPr lang="en-US" altLang="zh-CN" sz="1800" b="1" u="sng" dirty="0">
-              <a:solidFill>
-                <a:srgbClr val="0000FF"/>
-              </a:solidFill>
-              <a:sym typeface="+mn-ea"/>
-            </a:endParaRPr>
           </a:p>
           <a:p>
             <a:pPr indent="457200"/>
@@ -11179,12 +11311,6 @@
               </a:rPr>
               <a:t>0.66ns</a:t>
             </a:r>
-            <a:endParaRPr lang="en-US" altLang="zh-CN" sz="1800" b="1" u="sng" dirty="0">
-              <a:solidFill>
-                <a:srgbClr val="FF0000"/>
-              </a:solidFill>
-              <a:sym typeface="+mn-ea"/>
-            </a:endParaRPr>
           </a:p>
           <a:p>
             <a:pPr indent="457200"/>
@@ -11278,12 +11404,6 @@
               </a:rPr>
               <a:t>0.90ns</a:t>
             </a:r>
-            <a:endParaRPr lang="en-US" altLang="zh-CN" sz="1800" b="1" u="sng" dirty="0">
-              <a:solidFill>
-                <a:srgbClr val="FF0000"/>
-              </a:solidFill>
-              <a:sym typeface="+mn-ea"/>
-            </a:endParaRPr>
           </a:p>
         </p:txBody>
       </p:sp>
@@ -11307,6 +11427,7 @@
           <a:bodyPr wrap="square" rtlCol="0" anchor="t">
             <a:spAutoFit/>
           </a:bodyPr>
+          <a:lstStyle/>
           <a:p>
             <a:r>
               <a:rPr lang="en-US" altLang="zh-CN" b="1">
@@ -11335,12 +11456,6 @@
               </a:rPr>
               <a:t> / total Instructions(I)</a:t>
             </a:r>
-            <a:endParaRPr lang="en-US" altLang="zh-CN" b="1">
-              <a:solidFill>
-                <a:srgbClr val="0000FF"/>
-              </a:solidFill>
-              <a:sym typeface="+mn-ea"/>
-            </a:endParaRPr>
           </a:p>
         </p:txBody>
       </p:sp>
@@ -11364,6 +11479,7 @@
           <a:bodyPr wrap="square" rtlCol="0" anchor="t">
             <a:spAutoFit/>
           </a:bodyPr>
+          <a:lstStyle/>
           <a:p>
             <a:pPr algn="l">
               <a:buClrTx/>
@@ -11496,11 +11612,6 @@
               </a:rPr>
               <a:t>= Number of Instructions×CPI</a:t>
             </a:r>
-            <a:endParaRPr lang="en-US" altLang="zh-CN" b="1">
-              <a:solidFill>
-                <a:srgbClr val="0000FF"/>
-              </a:solidFill>
-            </a:endParaRPr>
           </a:p>
           <a:p>
             <a:pPr algn="l">
@@ -11537,11 +11648,6 @@
               </a:rPr>
               <a:t>= Number of Memory Instructions</a:t>
             </a:r>
-            <a:endParaRPr lang="en-US" altLang="zh-CN" b="1">
-              <a:solidFill>
-                <a:srgbClr val="0000FF"/>
-              </a:solidFill>
-            </a:endParaRPr>
           </a:p>
           <a:p>
             <a:pPr marL="1371600" lvl="3" indent="457200" algn="l">
@@ -11557,11 +11663,6 @@
               </a:rPr>
               <a:t>×Miss Rate×Miss Penalty</a:t>
             </a:r>
-            <a:endParaRPr lang="en-US" altLang="zh-CN" b="1">
-              <a:solidFill>
-                <a:srgbClr val="0000FF"/>
-              </a:solidFill>
-            </a:endParaRPr>
           </a:p>
         </p:txBody>
       </p:sp>
@@ -11570,13 +11671,6 @@
   <p:clrMapOvr>
     <a:masterClrMapping/>
   </p:clrMapOvr>
-  <p:timing>
-    <p:tnLst>
-      <p:par>
-        <p:cTn id="1" dur="indefinite" restart="never" nodeType="tmRoot"/>
-      </p:par>
-    </p:tnLst>
-  </p:timing>
 </p:sld>
 </file>
 
@@ -11589,7 +11683,14 @@
         <p:cNvGrpSpPr/>
         <p:nvPr/>
       </p:nvGrpSpPr>
-      <p:grpSpPr/>
+      <p:grpSpPr>
+        <a:xfrm>
+          <a:off x="0" y="0"/>
+          <a:ext cx="0" cy="0"/>
+          <a:chOff x="0" y="0"/>
+          <a:chExt cx="0" cy="0"/>
+        </a:xfrm>
+      </p:grpSpPr>
       <p:sp>
         <p:nvSpPr>
           <p:cNvPr id="4" name="Text Box 98"/>
@@ -11712,12 +11813,6 @@
               </a:rPr>
               <a:t> Continued..</a:t>
             </a:r>
-            <a:endParaRPr lang="en-US" altLang="zh-CN" sz="2400" b="1">
-              <a:solidFill>
-                <a:srgbClr val="009900"/>
-              </a:solidFill>
-              <a:sym typeface="Wingdings" panose="05000000000000000000" pitchFamily="2" charset="2"/>
-            </a:endParaRPr>
           </a:p>
           <a:p>
             <a:pPr marL="0" lvl="0" indent="0" eaLnBrk="1" hangingPunct="1">
@@ -11852,12 +11947,6 @@
               </a:rPr>
               <a:t>5.10 Cache</a:t>
             </a:r>
-            <a:endParaRPr lang="en-US" altLang="zh-CN" sz="1800" b="1">
-              <a:solidFill>
-                <a:schemeClr val="hlink"/>
-              </a:solidFill>
-              <a:sym typeface="Webdings" panose="05030102010509060703" pitchFamily="18" charset="2"/>
-            </a:endParaRPr>
           </a:p>
         </p:txBody>
       </p:sp>
@@ -11881,6 +11970,7 @@
           <a:bodyPr wrap="square" rtlCol="0" anchor="t">
             <a:spAutoFit/>
           </a:bodyPr>
+          <a:lstStyle/>
           <a:p>
             <a:r>
               <a:rPr lang="zh-CN" altLang="en-US" sz="1800" b="1" dirty="0">
@@ -11900,12 +11990,6 @@
               </a:rPr>
               <a:t> </a:t>
             </a:r>
-            <a:endParaRPr lang="en-US" altLang="zh-CN" sz="1800" b="1" dirty="0">
-              <a:solidFill>
-                <a:srgbClr val="0000FF"/>
-              </a:solidFill>
-              <a:sym typeface="+mn-ea"/>
-            </a:endParaRPr>
           </a:p>
           <a:p>
             <a:pPr indent="457200"/>
@@ -11981,12 +12065,6 @@
               </a:rPr>
               <a:t>)</a:t>
             </a:r>
-            <a:endParaRPr lang="en-US" altLang="zh-CN" sz="1800" b="1" u="sng" dirty="0">
-              <a:solidFill>
-                <a:srgbClr val="0000FF"/>
-              </a:solidFill>
-              <a:sym typeface="+mn-ea"/>
-            </a:endParaRPr>
           </a:p>
           <a:p>
             <a:pPr indent="457200"/>
@@ -12080,12 +12158,6 @@
               </a:rPr>
               <a:t>0.66ns</a:t>
             </a:r>
-            <a:endParaRPr lang="en-US" altLang="zh-CN" sz="1800" b="1" u="sng" dirty="0">
-              <a:solidFill>
-                <a:srgbClr val="FF0000"/>
-              </a:solidFill>
-              <a:sym typeface="+mn-ea"/>
-            </a:endParaRPr>
           </a:p>
           <a:p>
             <a:pPr indent="457200"/>
@@ -12179,12 +12251,6 @@
               </a:rPr>
               <a:t>0.90ns</a:t>
             </a:r>
-            <a:endParaRPr lang="en-US" altLang="zh-CN" sz="1800" b="1" u="sng" dirty="0">
-              <a:solidFill>
-                <a:srgbClr val="FF0000"/>
-              </a:solidFill>
-              <a:sym typeface="+mn-ea"/>
-            </a:endParaRPr>
           </a:p>
         </p:txBody>
       </p:sp>
@@ -12208,6 +12274,7 @@
           <a:bodyPr wrap="square" rtlCol="0" anchor="t">
             <a:spAutoFit/>
           </a:bodyPr>
+          <a:lstStyle/>
           <a:p>
             <a:r>
               <a:rPr lang="en-US" altLang="zh-CN" sz="1800" b="1">
@@ -12236,12 +12303,6 @@
               </a:rPr>
               <a:t> / total Instructions(I)</a:t>
             </a:r>
-            <a:endParaRPr lang="en-US" altLang="zh-CN" sz="1800" b="1">
-              <a:solidFill>
-                <a:srgbClr val="0000FF"/>
-              </a:solidFill>
-              <a:sym typeface="+mn-ea"/>
-            </a:endParaRPr>
           </a:p>
         </p:txBody>
       </p:sp>
@@ -12265,6 +12326,7 @@
           <a:bodyPr wrap="square" rtlCol="0" anchor="t">
             <a:spAutoFit/>
           </a:bodyPr>
+          <a:lstStyle/>
           <a:p>
             <a:pPr algn="l">
               <a:buClrTx/>
@@ -12397,11 +12459,6 @@
               </a:rPr>
               <a:t>= Number of Instructions×CPI</a:t>
             </a:r>
-            <a:endParaRPr lang="en-US" altLang="zh-CN" sz="1800" b="1">
-              <a:solidFill>
-                <a:srgbClr val="0000FF"/>
-              </a:solidFill>
-            </a:endParaRPr>
           </a:p>
           <a:p>
             <a:pPr algn="l">
@@ -12438,11 +12495,6 @@
               </a:rPr>
               <a:t>= Number of Memory Instructions×Miss Rate×Miss Penalty</a:t>
             </a:r>
-            <a:endParaRPr lang="en-US" altLang="zh-CN" sz="1800" b="1">
-              <a:solidFill>
-                <a:srgbClr val="0000FF"/>
-              </a:solidFill>
-            </a:endParaRPr>
           </a:p>
         </p:txBody>
       </p:sp>
@@ -12466,6 +12518,7 @@
           <a:bodyPr wrap="square" rtlCol="0" anchor="t">
             <a:spAutoFit/>
           </a:bodyPr>
+          <a:lstStyle/>
           <a:p>
             <a:r>
               <a:rPr lang="zh-CN" altLang="en-US"/>
@@ -12515,7 +12568,6 @@
               <a:rPr lang="zh-CN" altLang="en-US"/>
               <a:t>4.05I</a:t>
             </a:r>
-            <a:endParaRPr lang="zh-CN" altLang="en-US"/>
           </a:p>
           <a:p>
             <a:r>
@@ -12566,7 +12618,6 @@
               <a:rPr lang="zh-CN" altLang="en-US"/>
               <a:t>2.68I</a:t>
             </a:r>
-            <a:endParaRPr lang="zh-CN" altLang="en-US"/>
           </a:p>
         </p:txBody>
       </p:sp>
@@ -12716,6 +12767,7 @@
           <a:bodyPr wrap="square" rtlCol="0" anchor="t">
             <a:spAutoFit/>
           </a:bodyPr>
+          <a:lstStyle/>
           <a:p>
             <a:r>
               <a:rPr lang="zh-CN" altLang="en-US" sz="1800" b="1">
@@ -12762,12 +12814,6 @@
               </a:rPr>
               <a:t>不用。</a:t>
             </a:r>
-            <a:endParaRPr lang="zh-CN" altLang="en-US" sz="1800" b="1">
-              <a:solidFill>
-                <a:srgbClr val="FF0000"/>
-              </a:solidFill>
-              <a:sym typeface="+mn-ea"/>
-            </a:endParaRPr>
           </a:p>
         </p:txBody>
       </p:sp>
@@ -12791,6 +12837,7 @@
           <a:bodyPr wrap="square" rtlCol="0" anchor="t">
             <a:spAutoFit/>
           </a:bodyPr>
+          <a:lstStyle/>
           <a:p>
             <a:r>
               <a:rPr lang="en-US" altLang="zh-CN"/>
@@ -12838,7 +12885,6 @@
               <a:rPr lang="zh-CN" altLang="en-US"/>
               <a:t>2.68</a:t>
             </a:r>
-            <a:endParaRPr lang="zh-CN" altLang="en-US"/>
           </a:p>
         </p:txBody>
       </p:sp>
@@ -12862,6 +12908,7 @@
           <a:bodyPr wrap="square" rtlCol="0" anchor="t">
             <a:spAutoFit/>
           </a:bodyPr>
+          <a:lstStyle/>
           <a:p>
             <a:r>
               <a:rPr lang="en-US" altLang="zh-CN"/>
@@ -12931,9 +12978,6 @@
               </a:rPr>
               <a:t>0.90</a:t>
             </a:r>
-            <a:endParaRPr lang="en-US" altLang="zh-CN">
-              <a:sym typeface="+mn-ea"/>
-            </a:endParaRPr>
           </a:p>
         </p:txBody>
       </p:sp>
@@ -12957,6 +13001,7 @@
           <a:bodyPr wrap="square" rtlCol="0" anchor="t">
             <a:spAutoFit/>
           </a:bodyPr>
+          <a:lstStyle/>
           <a:p>
             <a:r>
               <a:rPr lang="en-US" altLang="zh-CN"/>
@@ -12979,13 +13024,6 @@
   <p:clrMapOvr>
     <a:masterClrMapping/>
   </p:clrMapOvr>
-  <p:timing>
-    <p:tnLst>
-      <p:par>
-        <p:cTn id="1" dur="indefinite" restart="never" nodeType="tmRoot"/>
-      </p:par>
-    </p:tnLst>
-  </p:timing>
 </p:sld>
 </file>
 
@@ -12998,7 +13036,14 @@
         <p:cNvGrpSpPr/>
         <p:nvPr/>
       </p:nvGrpSpPr>
-      <p:grpSpPr/>
+      <p:grpSpPr>
+        <a:xfrm>
+          <a:off x="0" y="0"/>
+          <a:ext cx="0" cy="0"/>
+          <a:chOff x="0" y="0"/>
+          <a:chExt cx="0" cy="0"/>
+        </a:xfrm>
+      </p:grpSpPr>
       <p:sp>
         <p:nvSpPr>
           <p:cNvPr id="4" name="Text Box 98"/>
@@ -13139,12 +13184,6 @@
               </a:rPr>
               <a:t>——</a:t>
             </a:r>
-            <a:endParaRPr lang="en-US" altLang="zh-CN" sz="2400" b="1">
-              <a:solidFill>
-                <a:srgbClr val="009900"/>
-              </a:solidFill>
-              <a:sym typeface="Wingdings" panose="05000000000000000000" pitchFamily="2" charset="2"/>
-            </a:endParaRPr>
           </a:p>
           <a:p>
             <a:pPr marL="0" lvl="0" indent="0" eaLnBrk="1" hangingPunct="1">
@@ -13279,12 +13318,6 @@
               </a:rPr>
               <a:t>5.10 Cache</a:t>
             </a:r>
-            <a:endParaRPr lang="en-US" altLang="zh-CN" sz="1800" b="1">
-              <a:solidFill>
-                <a:schemeClr val="hlink"/>
-              </a:solidFill>
-              <a:sym typeface="Webdings" panose="05030102010509060703" pitchFamily="18" charset="2"/>
-            </a:endParaRPr>
           </a:p>
         </p:txBody>
       </p:sp>
@@ -13308,6 +13341,7 @@
           <a:bodyPr wrap="square" rtlCol="0" anchor="t">
             <a:spAutoFit/>
           </a:bodyPr>
+          <a:lstStyle/>
           <a:p>
             <a:r>
               <a:rPr lang="zh-CN" altLang="en-US" sz="1800" b="1" dirty="0">
@@ -13327,12 +13361,6 @@
               </a:rPr>
               <a:t> </a:t>
             </a:r>
-            <a:endParaRPr lang="en-US" altLang="zh-CN" sz="1800" b="1" dirty="0">
-              <a:solidFill>
-                <a:srgbClr val="0000FF"/>
-              </a:solidFill>
-              <a:sym typeface="+mn-ea"/>
-            </a:endParaRPr>
           </a:p>
           <a:p>
             <a:pPr indent="457200"/>
@@ -13408,12 +13436,6 @@
               </a:rPr>
               <a:t>)</a:t>
             </a:r>
-            <a:endParaRPr lang="en-US" altLang="zh-CN" sz="1800" b="1" u="sng" dirty="0">
-              <a:solidFill>
-                <a:srgbClr val="0000FF"/>
-              </a:solidFill>
-              <a:sym typeface="+mn-ea"/>
-            </a:endParaRPr>
           </a:p>
           <a:p>
             <a:pPr indent="457200"/>
@@ -13507,12 +13529,6 @@
               </a:rPr>
               <a:t>0.66ns</a:t>
             </a:r>
-            <a:endParaRPr lang="en-US" altLang="zh-CN" sz="1800" b="1" u="sng" dirty="0">
-              <a:solidFill>
-                <a:srgbClr val="FF0000"/>
-              </a:solidFill>
-              <a:sym typeface="+mn-ea"/>
-            </a:endParaRPr>
           </a:p>
           <a:p>
             <a:pPr indent="457200"/>
@@ -13606,12 +13622,6 @@
               </a:rPr>
               <a:t>0.90ns</a:t>
             </a:r>
-            <a:endParaRPr lang="en-US" altLang="zh-CN" sz="1800" b="1" u="sng" dirty="0">
-              <a:solidFill>
-                <a:srgbClr val="FF0000"/>
-              </a:solidFill>
-              <a:sym typeface="+mn-ea"/>
-            </a:endParaRPr>
           </a:p>
         </p:txBody>
       </p:sp>
@@ -13635,6 +13645,7 @@
           <a:bodyPr wrap="square" rtlCol="0" anchor="t">
             <a:spAutoFit/>
           </a:bodyPr>
+          <a:lstStyle/>
           <a:p>
             <a:r>
               <a:rPr lang="en-US" altLang="zh-CN" b="1" dirty="0"/>
@@ -13660,11 +13671,6 @@
               </a:rPr>
               <a:t>The L2 miss rate indicated is its local miss rate.</a:t>
             </a:r>
-            <a:endParaRPr lang="en-US" altLang="zh-CN" b="1" dirty="0">
-              <a:solidFill>
-                <a:srgbClr val="0000FF"/>
-              </a:solidFill>
-            </a:endParaRPr>
           </a:p>
         </p:txBody>
       </p:sp>
@@ -13677,7 +13683,7 @@
           <p:nvPr/>
         </p:nvPicPr>
         <p:blipFill>
-          <a:blip r:embed="rId1"/>
+          <a:blip r:embed="rId3"/>
           <a:stretch>
             <a:fillRect/>
           </a:stretch>
@@ -13697,13 +13703,6 @@
   <p:clrMapOvr>
     <a:masterClrMapping/>
   </p:clrMapOvr>
-  <p:timing>
-    <p:tnLst>
-      <p:par>
-        <p:cTn id="1" dur="indefinite" restart="never" nodeType="tmRoot"/>
-      </p:par>
-    </p:tnLst>
-  </p:timing>
 </p:sld>
 </file>
 
@@ -13716,7 +13715,14 @@
         <p:cNvGrpSpPr/>
         <p:nvPr/>
       </p:nvGrpSpPr>
-      <p:grpSpPr/>
+      <p:grpSpPr>
+        <a:xfrm>
+          <a:off x="0" y="0"/>
+          <a:ext cx="0" cy="0"/>
+          <a:chOff x="0" y="0"/>
+          <a:chExt cx="0" cy="0"/>
+        </a:xfrm>
+      </p:grpSpPr>
       <p:sp>
         <p:nvSpPr>
           <p:cNvPr id="4" name="Text Box 98"/>
@@ -13851,7 +13857,6 @@
               <a:rPr lang="en-US" altLang="zh-CN" sz="2400" b="1"/>
               <a:t>  </a:t>
             </a:r>
-            <a:endParaRPr lang="en-US" altLang="zh-CN" sz="2400" b="1"/>
           </a:p>
           <a:p>
             <a:pPr marL="0" lvl="0" indent="0" eaLnBrk="1" hangingPunct="1">
@@ -13912,7 +13917,6 @@
               <a:rPr lang="en-US" altLang="zh-CN" sz="2400" b="1"/>
               <a:t> with the L2 cache?</a:t>
             </a:r>
-            <a:endParaRPr lang="en-US" altLang="zh-CN" sz="2400" b="1"/>
           </a:p>
         </p:txBody>
       </p:sp>
@@ -14038,12 +14042,6 @@
               </a:rPr>
               <a:t>5.10 Cache</a:t>
             </a:r>
-            <a:endParaRPr lang="en-US" altLang="zh-CN" sz="1800" b="1">
-              <a:solidFill>
-                <a:schemeClr val="hlink"/>
-              </a:solidFill>
-              <a:sym typeface="Webdings" panose="05030102010509060703" pitchFamily="18" charset="2"/>
-            </a:endParaRPr>
           </a:p>
         </p:txBody>
       </p:sp>
@@ -14067,6 +14065,7 @@
           <a:bodyPr wrap="square" rtlCol="0" anchor="t">
             <a:spAutoFit/>
           </a:bodyPr>
+          <a:lstStyle/>
           <a:p>
             <a:r>
               <a:rPr lang="zh-CN" altLang="en-US" sz="1800" b="1" dirty="0">
@@ -14086,12 +14085,6 @@
               </a:rPr>
               <a:t> </a:t>
             </a:r>
-            <a:endParaRPr lang="en-US" altLang="zh-CN" sz="1800" b="1" dirty="0">
-              <a:solidFill>
-                <a:srgbClr val="0000FF"/>
-              </a:solidFill>
-              <a:sym typeface="+mn-ea"/>
-            </a:endParaRPr>
           </a:p>
           <a:p>
             <a:pPr indent="457200"/>
@@ -14167,12 +14160,6 @@
               </a:rPr>
               <a:t>)</a:t>
             </a:r>
-            <a:endParaRPr lang="en-US" altLang="zh-CN" sz="1800" b="1" u="sng" dirty="0">
-              <a:solidFill>
-                <a:srgbClr val="0000FF"/>
-              </a:solidFill>
-              <a:sym typeface="+mn-ea"/>
-            </a:endParaRPr>
           </a:p>
           <a:p>
             <a:pPr indent="457200"/>
@@ -14266,12 +14253,6 @@
               </a:rPr>
               <a:t>0.66ns</a:t>
             </a:r>
-            <a:endParaRPr lang="en-US" altLang="zh-CN" sz="1800" b="1" u="sng" dirty="0">
-              <a:solidFill>
-                <a:srgbClr val="FF0000"/>
-              </a:solidFill>
-              <a:sym typeface="+mn-ea"/>
-            </a:endParaRPr>
           </a:p>
           <a:p>
             <a:pPr indent="457200"/>
@@ -14464,12 +14445,6 @@
               </a:rPr>
               <a:t>0.90ns</a:t>
             </a:r>
-            <a:endParaRPr lang="en-US" altLang="zh-CN" sz="1800" b="1" u="sng" dirty="0">
-              <a:solidFill>
-                <a:srgbClr val="FF0000"/>
-              </a:solidFill>
-              <a:sym typeface="+mn-ea"/>
-            </a:endParaRPr>
           </a:p>
           <a:p>
             <a:pPr indent="457200"/>
@@ -14502,6 +14477,7 @@
           <a:bodyPr wrap="square" rtlCol="0" anchor="t">
             <a:spAutoFit/>
           </a:bodyPr>
+          <a:lstStyle/>
           <a:p>
             <a:pPr algn="l">
               <a:buClrTx/>
@@ -14527,14 +14503,12 @@
               <a:rPr lang="zh-CN" altLang="en-US"/>
               <a:t>​</a:t>
             </a:r>
-            <a:endParaRPr lang="zh-CN" altLang="en-US"/>
           </a:p>
           <a:p>
             <a:r>
               <a:rPr lang="zh-CN" altLang="en-US"/>
               <a:t> </a:t>
             </a:r>
-            <a:endParaRPr lang="zh-CN" altLang="en-US"/>
           </a:p>
           <a:p>
             <a:endParaRPr lang="zh-CN" altLang="en-US"/>
@@ -14939,6 +14913,7 @@
           <a:bodyPr wrap="square" rtlCol="0" anchor="t">
             <a:spAutoFit/>
           </a:bodyPr>
+          <a:lstStyle/>
           <a:p>
             <a:r>
               <a:rPr lang="en-US" sz="1600" b="1">
@@ -14952,9 +14927,6 @@
               </a:rPr>
               <a:t>必经之路</a:t>
             </a:r>
-            <a:endParaRPr lang="zh-CN" altLang="en-US" sz="1600" b="1">
-              <a:sym typeface="+mn-ea"/>
-            </a:endParaRPr>
           </a:p>
         </p:txBody>
       </p:sp>
@@ -14978,6 +14950,7 @@
           <a:bodyPr wrap="square" rtlCol="0" anchor="t">
             <a:spAutoFit/>
           </a:bodyPr>
+          <a:lstStyle/>
           <a:p>
             <a:r>
               <a:rPr lang="en-US" sz="1600" b="1">
@@ -14997,9 +14970,6 @@
               </a:rPr>
               <a:t>L2</a:t>
             </a:r>
-            <a:endParaRPr lang="en-US" altLang="zh-CN" sz="1600" b="1">
-              <a:sym typeface="+mn-ea"/>
-            </a:endParaRPr>
           </a:p>
         </p:txBody>
       </p:sp>
@@ -15023,6 +14993,7 @@
           <a:bodyPr wrap="square" rtlCol="0" anchor="t">
             <a:spAutoFit/>
           </a:bodyPr>
+          <a:lstStyle/>
           <a:p>
             <a:r>
               <a:rPr lang="en-US" sz="1600" b="1">
@@ -15054,9 +15025,6 @@
               </a:rPr>
               <a:t>只能走一遍内存</a:t>
             </a:r>
-            <a:endParaRPr lang="zh-CN" sz="1600" b="1">
-              <a:sym typeface="+mn-ea"/>
-            </a:endParaRPr>
           </a:p>
         </p:txBody>
       </p:sp>
@@ -15080,28 +15048,40 @@
           <a:bodyPr wrap="square" rtlCol="0" anchor="t">
             <a:spAutoFit/>
           </a:bodyPr>
-          <a:p>
-            <a:r>
-              <a:rPr lang="zh-CN" altLang="en-US"/>
+          <a:lstStyle/>
+          <a:p>
+            <a:r>
+              <a:rPr lang="zh-CN" altLang="en-US" dirty="0"/>
               <a:t>AMAT</a:t>
             </a:r>
             <a:r>
-              <a:rPr lang="en-US" altLang="zh-CN"/>
+              <a:rPr lang="en-US" altLang="zh-CN" dirty="0"/>
               <a:t> </a:t>
             </a:r>
             <a:r>
-              <a:rPr lang="zh-CN" altLang="en-US"/>
+              <a:rPr lang="zh-CN" altLang="en-US" dirty="0"/>
               <a:t>=</a:t>
             </a:r>
             <a:r>
-              <a:rPr lang="en-US" altLang="zh-CN"/>
+              <a:rPr lang="en-US" altLang="zh-CN" dirty="0"/>
               <a:t> </a:t>
             </a:r>
             <a:r>
-              <a:rPr lang="zh-CN" altLang="en-US"/>
-              <a:t>1+(5.62+70×95%)/0.66×8%≈9.74(CLKs)</a:t>
-            </a:r>
-            <a:endParaRPr lang="zh-CN" altLang="en-US"/>
+              <a:rPr lang="zh-CN" altLang="en-US" dirty="0"/>
+              <a:t>1+(</a:t>
+            </a:r>
+            <a:r>
+              <a:rPr lang="zh-CN" altLang="en-US" b="1" dirty="0">
+                <a:solidFill>
+                  <a:schemeClr val="accent1"/>
+                </a:solidFill>
+              </a:rPr>
+              <a:t>5.62+70×95%)/</a:t>
+            </a:r>
+            <a:r>
+              <a:rPr lang="zh-CN" altLang="en-US" dirty="0"/>
+              <a:t>0.66×8%≈9.74(CLKs)</a:t>
+            </a:r>
           </a:p>
         </p:txBody>
       </p:sp>
@@ -15125,6 +15105,7 @@
           <a:bodyPr wrap="square" rtlCol="0" anchor="t">
             <a:spAutoFit/>
           </a:bodyPr>
+          <a:lstStyle/>
           <a:p>
             <a:r>
               <a:rPr>
@@ -15171,12 +15152,6 @@
               </a:rPr>
               <a:t>Worse!</a:t>
             </a:r>
-            <a:endParaRPr lang="en-US" b="1">
-              <a:solidFill>
-                <a:srgbClr val="0000FF"/>
-              </a:solidFill>
-              <a:sym typeface="+mn-ea"/>
-            </a:endParaRPr>
           </a:p>
         </p:txBody>
       </p:sp>
@@ -15185,13 +15160,6 @@
   <p:clrMapOvr>
     <a:masterClrMapping/>
   </p:clrMapOvr>
-  <p:timing>
-    <p:tnLst>
-      <p:par>
-        <p:cTn id="1" dur="indefinite" restart="never" nodeType="tmRoot"/>
-      </p:par>
-    </p:tnLst>
-  </p:timing>
 </p:sld>
 </file>
 
@@ -15204,7 +15172,14 @@
         <p:cNvGrpSpPr/>
         <p:nvPr/>
       </p:nvGrpSpPr>
-      <p:grpSpPr/>
+      <p:grpSpPr>
+        <a:xfrm>
+          <a:off x="0" y="0"/>
+          <a:ext cx="0" cy="0"/>
+          <a:chOff x="0" y="0"/>
+          <a:chExt cx="0" cy="0"/>
+        </a:xfrm>
+      </p:grpSpPr>
       <p:sp>
         <p:nvSpPr>
           <p:cNvPr id="4" name="Text Box 98"/>
@@ -15339,7 +15314,6 @@
               <a:rPr lang="en-US" altLang="zh-CN" sz="2400" b="1"/>
               <a:t>  </a:t>
             </a:r>
-            <a:endParaRPr lang="en-US" altLang="zh-CN" sz="2400" b="1"/>
           </a:p>
           <a:p>
             <a:pPr marL="0" lvl="0" indent="0" eaLnBrk="1" hangingPunct="1">
@@ -15388,7 +15362,6 @@
               <a:rPr lang="en-US" altLang="zh-CN" sz="2400" b="1"/>
               <a:t>an L2 cache?</a:t>
             </a:r>
-            <a:endParaRPr lang="en-US" altLang="zh-CN" sz="2400" b="1"/>
           </a:p>
         </p:txBody>
       </p:sp>
@@ -15514,12 +15487,6 @@
               </a:rPr>
               <a:t>5.10 Cache</a:t>
             </a:r>
-            <a:endParaRPr lang="en-US" altLang="zh-CN" sz="1800" b="1">
-              <a:solidFill>
-                <a:schemeClr val="hlink"/>
-              </a:solidFill>
-              <a:sym typeface="Webdings" panose="05030102010509060703" pitchFamily="18" charset="2"/>
-            </a:endParaRPr>
           </a:p>
         </p:txBody>
       </p:sp>
@@ -15543,6 +15510,7 @@
           <a:bodyPr wrap="square" rtlCol="0" anchor="t">
             <a:spAutoFit/>
           </a:bodyPr>
+          <a:lstStyle/>
           <a:p>
             <a:r>
               <a:rPr lang="zh-CN" altLang="en-US" sz="1800" b="1" dirty="0">
@@ -15562,12 +15530,6 @@
               </a:rPr>
               <a:t> </a:t>
             </a:r>
-            <a:endParaRPr lang="en-US" altLang="zh-CN" sz="1800" b="1" dirty="0">
-              <a:solidFill>
-                <a:srgbClr val="0000FF"/>
-              </a:solidFill>
-              <a:sym typeface="+mn-ea"/>
-            </a:endParaRPr>
           </a:p>
           <a:p>
             <a:pPr indent="457200"/>
@@ -15643,12 +15605,6 @@
               </a:rPr>
               <a:t>)</a:t>
             </a:r>
-            <a:endParaRPr lang="en-US" altLang="zh-CN" sz="1800" b="1" u="sng" dirty="0">
-              <a:solidFill>
-                <a:srgbClr val="0000FF"/>
-              </a:solidFill>
-              <a:sym typeface="+mn-ea"/>
-            </a:endParaRPr>
           </a:p>
           <a:p>
             <a:pPr indent="457200"/>
@@ -15742,12 +15698,6 @@
               </a:rPr>
               <a:t>0.66ns</a:t>
             </a:r>
-            <a:endParaRPr lang="en-US" altLang="zh-CN" sz="1800" b="1" u="sng" dirty="0">
-              <a:solidFill>
-                <a:srgbClr val="FF0000"/>
-              </a:solidFill>
-              <a:sym typeface="+mn-ea"/>
-            </a:endParaRPr>
           </a:p>
           <a:p>
             <a:pPr indent="457200"/>
@@ -15940,12 +15890,6 @@
               </a:rPr>
               <a:t>0.90ns</a:t>
             </a:r>
-            <a:endParaRPr lang="en-US" altLang="zh-CN" sz="1800" b="1" u="sng" dirty="0">
-              <a:solidFill>
-                <a:srgbClr val="FF0000"/>
-              </a:solidFill>
-              <a:sym typeface="+mn-ea"/>
-            </a:endParaRPr>
           </a:p>
           <a:p>
             <a:pPr indent="457200"/>
@@ -15978,6 +15922,7 @@
           <a:bodyPr wrap="square" rtlCol="0" anchor="t">
             <a:spAutoFit/>
           </a:bodyPr>
+          <a:lstStyle/>
           <a:p>
             <a:pPr algn="l">
               <a:buClrTx/>
@@ -16110,11 +16055,6 @@
               </a:rPr>
               <a:t>= Number of Instructions×CPI</a:t>
             </a:r>
-            <a:endParaRPr lang="en-US" altLang="zh-CN" sz="1800" b="1">
-              <a:solidFill>
-                <a:srgbClr val="0000FF"/>
-              </a:solidFill>
-            </a:endParaRPr>
           </a:p>
           <a:p>
             <a:pPr algn="l">
@@ -16151,11 +16091,6 @@
               </a:rPr>
               <a:t>= Number of Memory Instructions×Miss Rate×Miss Penalty</a:t>
             </a:r>
-            <a:endParaRPr lang="en-US" altLang="zh-CN" sz="1800" b="1">
-              <a:solidFill>
-                <a:srgbClr val="0000FF"/>
-              </a:solidFill>
-            </a:endParaRPr>
           </a:p>
         </p:txBody>
       </p:sp>
@@ -16179,6 +16114,7 @@
           <a:bodyPr wrap="square" rtlCol="0" anchor="t">
             <a:spAutoFit/>
           </a:bodyPr>
+          <a:lstStyle/>
           <a:p>
             <a:r>
               <a:rPr lang="en-US" altLang="zh-CN" sz="1800" b="1">
@@ -16207,12 +16143,6 @@
               </a:rPr>
               <a:t> / total Instructions(I)</a:t>
             </a:r>
-            <a:endParaRPr lang="en-US" altLang="zh-CN" sz="1800" b="1">
-              <a:solidFill>
-                <a:srgbClr val="0000FF"/>
-              </a:solidFill>
-              <a:sym typeface="+mn-ea"/>
-            </a:endParaRPr>
           </a:p>
         </p:txBody>
       </p:sp>
@@ -16236,6 +16166,7 @@
           <a:bodyPr wrap="square" rtlCol="0" anchor="t">
             <a:spAutoFit/>
           </a:bodyPr>
+          <a:lstStyle/>
           <a:p>
             <a:r>
               <a:rPr lang="en-US" altLang="zh-CN" sz="1800" b="1">
@@ -16245,11 +16176,6 @@
               </a:rPr>
               <a:t>miss penalty=L2 access time+L2 miss penalty×L2 miss rate</a:t>
             </a:r>
-            <a:endParaRPr lang="en-US" altLang="zh-CN" sz="1800" b="1">
-              <a:solidFill>
-                <a:srgbClr val="0000FF"/>
-              </a:solidFill>
-            </a:endParaRPr>
           </a:p>
         </p:txBody>
       </p:sp>
@@ -16384,13 +16310,6 @@
   <p:clrMapOvr>
     <a:masterClrMapping/>
   </p:clrMapOvr>
-  <p:timing>
-    <p:tnLst>
-      <p:par>
-        <p:cTn id="1" dur="indefinite" restart="never" nodeType="tmRoot"/>
-      </p:par>
-    </p:tnLst>
-  </p:timing>
 </p:sld>
 </file>
 
@@ -16403,7 +16322,14 @@
         <p:cNvGrpSpPr/>
         <p:nvPr/>
       </p:nvGrpSpPr>
-      <p:grpSpPr/>
+      <p:grpSpPr>
+        <a:xfrm>
+          <a:off x="0" y="0"/>
+          <a:ext cx="0" cy="0"/>
+          <a:chOff x="0" y="0"/>
+          <a:chExt cx="0" cy="0"/>
+        </a:xfrm>
+      </p:grpSpPr>
       <p:grpSp>
         <p:nvGrpSpPr>
           <p:cNvPr id="2" name="Group 2"/>
@@ -16441,6 +16367,7 @@
             <a:bodyPr>
               <a:spAutoFit/>
             </a:bodyPr>
+            <a:lstStyle/>
             <a:p>
               <a:pPr algn="ctr">
                 <a:spcBef>
@@ -16476,9 +16403,6 @@
                 </a:rPr>
                 <a:t>  with prefect branch &amp; full forwarding</a:t>
               </a:r>
-              <a:endParaRPr lang="en-US" altLang="zh-CN" sz="2000" b="1" dirty="0">
-                <a:latin typeface="Georgia" panose="02040502050405020303" pitchFamily="18" charset="0"/>
-              </a:endParaRPr>
             </a:p>
           </p:txBody>
         </p:sp>
@@ -16496,12 +16420,12 @@
             <a:graphicData uri="http://schemas.openxmlformats.org/presentationml/2006/ole">
               <mc:AlternateContent xmlns:mc="http://schemas.openxmlformats.org/markup-compatibility/2006">
                 <mc:Choice xmlns:v="urn:schemas-microsoft-com:vml" Requires="v">
-                  <p:oleObj spid="_x0000_s3086" name="" r:id="rId1" imgW="4178935" imgH="3215640" progId="MS_ClipArt_Gallery.2">
+                  <p:oleObj spid="_x0000_s3099" r:id="rId4" imgW="4178935" imgH="3215640" progId="MS_ClipArt_Gallery.2">
                     <p:embed/>
                   </p:oleObj>
                 </mc:Choice>
                 <mc:Fallback>
-                  <p:oleObj name="" r:id="rId1" imgW="4178935" imgH="3215640" progId="MS_ClipArt_Gallery.2">
+                  <p:oleObj r:id="rId4" imgW="4178935" imgH="3215640" progId="MS_ClipArt_Gallery.2">
                     <p:embed/>
                     <p:pic>
                       <p:nvPicPr>
@@ -16510,7 +16434,7 @@
                         <p:nvPr/>
                       </p:nvPicPr>
                       <p:blipFill>
-                        <a:blip r:embed="rId2"/>
+                        <a:blip r:embed="rId5"/>
                         <a:stretch>
                           <a:fillRect/>
                         </a:stretch>
@@ -16560,6 +16484,7 @@
           <a:bodyPr>
             <a:spAutoFit/>
           </a:bodyPr>
+          <a:lstStyle/>
           <a:p>
             <a:r>
               <a:rPr lang="en-US" altLang="zh-CN" b="1" dirty="0">
@@ -16567,9 +16492,6 @@
               </a:rPr>
               <a:t> Consider the following loop.        </a:t>
             </a:r>
-            <a:endParaRPr lang="en-US" altLang="zh-CN" b="1" dirty="0">
-              <a:latin typeface="Times New Roman" panose="02020603050405020304" pitchFamily="18" charset="0"/>
-            </a:endParaRPr>
           </a:p>
           <a:p>
             <a:endParaRPr lang="en-US" altLang="zh-CN" b="1" dirty="0">
@@ -16700,12 +16622,6 @@
               </a:rPr>
               <a:t>4.25 Pipeline</a:t>
             </a:r>
-            <a:endParaRPr lang="en-US" altLang="zh-CN" sz="1800" b="1">
-              <a:solidFill>
-                <a:schemeClr val="hlink"/>
-              </a:solidFill>
-              <a:sym typeface="Webdings" panose="05030102010509060703" pitchFamily="18" charset="2"/>
-            </a:endParaRPr>
           </a:p>
         </p:txBody>
       </p:sp>
@@ -16748,6 +16664,7 @@
         </p:spPr>
         <p:txBody>
           <a:bodyPr wrap="none" anchor="ctr" anchorCtr="0"/>
+          <a:lstStyle/>
           <a:p>
             <a:pPr algn="l"/>
             <a:endParaRPr lang="en-US" altLang="zh-CN" sz="1800" b="1" dirty="0">
@@ -16788,10 +16705,6 @@
               </a:rPr>
               <a:t> x10, 0(x13)</a:t>
             </a:r>
-            <a:endParaRPr lang="en-US" altLang="zh-CN" sz="1800" b="1" dirty="0">
-              <a:latin typeface="Consolas" panose="020B0609020204030204" pitchFamily="49" charset="0"/>
-              <a:ea typeface="黑体" panose="02010609060101010101" pitchFamily="49" charset="-122"/>
-            </a:endParaRPr>
           </a:p>
           <a:p>
             <a:pPr algn="l"/>
@@ -16819,10 +16732,6 @@
               </a:rPr>
               <a:t> x11, 8(x13)</a:t>
             </a:r>
-            <a:endParaRPr lang="en-US" altLang="zh-CN" sz="1800" b="1" dirty="0">
-              <a:latin typeface="Consolas" panose="020B0609020204030204" pitchFamily="49" charset="0"/>
-              <a:ea typeface="黑体" panose="02010609060101010101" pitchFamily="49" charset="-122"/>
-            </a:endParaRPr>
           </a:p>
           <a:p>
             <a:pPr algn="l"/>
@@ -16850,10 +16759,6 @@
               </a:rPr>
               <a:t> x12, x10, x11</a:t>
             </a:r>
-            <a:endParaRPr lang="en-US" altLang="zh-CN" sz="1800" b="1" dirty="0">
-              <a:latin typeface="Consolas" panose="020B0609020204030204" pitchFamily="49" charset="0"/>
-              <a:ea typeface="黑体" panose="02010609060101010101" pitchFamily="49" charset="-122"/>
-            </a:endParaRPr>
           </a:p>
           <a:p>
             <a:pPr algn="l"/>
@@ -16881,10 +16786,6 @@
               </a:rPr>
               <a:t> x13, x13, 16</a:t>
             </a:r>
-            <a:endParaRPr lang="en-US" altLang="zh-CN" sz="1800" b="1" dirty="0">
-              <a:latin typeface="Consolas" panose="020B0609020204030204" pitchFamily="49" charset="0"/>
-              <a:ea typeface="黑体" panose="02010609060101010101" pitchFamily="49" charset="-122"/>
-            </a:endParaRPr>
           </a:p>
           <a:p>
             <a:pPr algn="l"/>
@@ -16912,10 +16813,6 @@
               </a:rPr>
               <a:t> x12, LOOP</a:t>
             </a:r>
-            <a:endParaRPr lang="en-US" altLang="zh-CN" sz="1800" b="1" dirty="0">
-              <a:latin typeface="Consolas" panose="020B0609020204030204" pitchFamily="49" charset="0"/>
-              <a:ea typeface="黑体" panose="02010609060101010101" pitchFamily="49" charset="-122"/>
-            </a:endParaRPr>
           </a:p>
           <a:p>
             <a:pPr algn="l"/>
@@ -16949,6 +16846,7 @@
           <a:bodyPr>
             <a:spAutoFit/>
           </a:bodyPr>
+          <a:lstStyle/>
           <a:p>
             <a:pPr indent="457200"/>
             <a:r>
@@ -17017,9 +16915,6 @@
               </a:rPr>
               <a:t> (as opposed to the ID) stage.      </a:t>
             </a:r>
-            <a:endParaRPr lang="en-US" altLang="zh-CN" b="1" dirty="0">
-              <a:latin typeface="Times New Roman" panose="02020603050405020304" pitchFamily="18" charset="0"/>
-            </a:endParaRPr>
           </a:p>
           <a:p>
             <a:endParaRPr lang="en-US" altLang="zh-CN" b="1" dirty="0">
@@ -17047,7 +16942,7 @@
             </a:avLst>
           </a:prstGeom>
           <a:blipFill dpi="0" rotWithShape="0">
-            <a:blip r:embed="rId3"/>
+            <a:blip r:embed="rId6"/>
             <a:srcRect/>
             <a:tile tx="0" ty="0" sx="100000" sy="100000" flip="none" algn="tl"/>
           </a:blipFill>
@@ -17061,6 +16956,7 @@
         </p:spPr>
         <p:txBody>
           <a:bodyPr lIns="108000" tIns="46800" rIns="108000" bIns="46800" anchor="ctr"/>
+          <a:lstStyle/>
           <a:p>
             <a:pPr marL="0" marR="0" lvl="0" indent="0" algn="l" defTabSz="914400" rtl="0" eaLnBrk="1" fontAlgn="base" latinLnBrk="0" hangingPunct="1">
               <a:lnSpc>
@@ -17192,24 +17088,6 @@
               </a:rPr>
               <a:t>as opposed to</a:t>
             </a:r>
-            <a:endParaRPr kumimoji="1" lang="en-US" altLang="zh-CN" sz="2400" b="1" i="0" u="none" strike="noStrike" kern="1200" cap="none" spc="0" normalizeH="0" baseline="0" noProof="0">
-              <a:ln>
-                <a:noFill/>
-              </a:ln>
-              <a:solidFill>
-                <a:schemeClr val="tx1"/>
-              </a:solidFill>
-              <a:effectLst>
-                <a:outerShdw blurRad="38100" dist="38100" dir="2700000" algn="tl">
-                  <a:srgbClr val="FFFFFF"/>
-                </a:outerShdw>
-              </a:effectLst>
-              <a:uLnTx/>
-              <a:uFillTx/>
-              <a:latin typeface="Times New Roman" panose="02020603050405020304" pitchFamily="18" charset="0"/>
-              <a:ea typeface="宋体" panose="02010600030101010101" pitchFamily="2" charset="-122"/>
-              <a:cs typeface="+mn-cs"/>
-            </a:endParaRPr>
           </a:p>
           <a:p>
             <a:pPr marL="0" marR="0" lvl="0" indent="0" algn="l" defTabSz="914400" rtl="0" eaLnBrk="1" fontAlgn="base" latinLnBrk="0" hangingPunct="1">
@@ -17249,24 +17127,6 @@
               </a:rPr>
               <a:t>与……相对比：</a:t>
             </a:r>
-            <a:endParaRPr kumimoji="1" lang="en-US" altLang="zh-CN" sz="2400" b="1" i="0" u="none" strike="noStrike" kern="1200" cap="none" spc="0" normalizeH="0" baseline="0" noProof="0">
-              <a:ln>
-                <a:noFill/>
-              </a:ln>
-              <a:solidFill>
-                <a:schemeClr val="tx1"/>
-              </a:solidFill>
-              <a:effectLst>
-                <a:outerShdw blurRad="38100" dist="38100" dir="2700000" algn="tl">
-                  <a:srgbClr val="FFFFFF"/>
-                </a:outerShdw>
-              </a:effectLst>
-              <a:uLnTx/>
-              <a:uFillTx/>
-              <a:latin typeface="Times New Roman" panose="02020603050405020304" pitchFamily="18" charset="0"/>
-              <a:ea typeface="宋体" panose="02010600030101010101" pitchFamily="2" charset="-122"/>
-              <a:cs typeface="+mn-cs"/>
-            </a:endParaRPr>
           </a:p>
           <a:p>
             <a:pPr marL="0" marR="0" lvl="0" indent="0" algn="l" defTabSz="914400" rtl="0" eaLnBrk="1" fontAlgn="base" latinLnBrk="0" hangingPunct="1">
@@ -17432,17 +17292,6 @@
   <p:clrMapOvr>
     <a:masterClrMapping/>
   </p:clrMapOvr>
-  <p:timing>
-    <p:tnLst>
-      <p:par>
-        <p:cTn id="1" dur="indefinite" restart="never" nodeType="tmRoot"/>
-      </p:par>
-    </p:tnLst>
-    <p:bldLst>
-      <p:bldP spid="121861" grpId="0"/>
-      <p:bldP spid="119820" grpId="0" bldLvl="0" animBg="1"/>
-    </p:bldLst>
-  </p:timing>
 </p:sld>
 </file>
 
@@ -17455,7 +17304,14 @@
         <p:cNvGrpSpPr/>
         <p:nvPr/>
       </p:nvGrpSpPr>
-      <p:grpSpPr/>
+      <p:grpSpPr>
+        <a:xfrm>
+          <a:off x="0" y="0"/>
+          <a:ext cx="0" cy="0"/>
+          <a:chOff x="0" y="0"/>
+          <a:chExt cx="0" cy="0"/>
+        </a:xfrm>
+      </p:grpSpPr>
       <p:sp>
         <p:nvSpPr>
           <p:cNvPr id="4" name="Text Box 98"/>
@@ -17578,12 +17434,6 @@
               </a:rPr>
               <a:t> Continued..</a:t>
             </a:r>
-            <a:endParaRPr lang="en-US" altLang="zh-CN" sz="2400" b="1">
-              <a:solidFill>
-                <a:srgbClr val="009900"/>
-              </a:solidFill>
-              <a:sym typeface="Wingdings" panose="05000000000000000000" pitchFamily="2" charset="2"/>
-            </a:endParaRPr>
           </a:p>
           <a:p>
             <a:pPr marL="0" lvl="0" indent="0" eaLnBrk="1" hangingPunct="1">
@@ -17718,12 +17568,6 @@
               </a:rPr>
               <a:t>5.10 Cache</a:t>
             </a:r>
-            <a:endParaRPr lang="en-US" altLang="zh-CN" sz="1800" b="1">
-              <a:solidFill>
-                <a:schemeClr val="hlink"/>
-              </a:solidFill>
-              <a:sym typeface="Webdings" panose="05030102010509060703" pitchFamily="18" charset="2"/>
-            </a:endParaRPr>
           </a:p>
         </p:txBody>
       </p:sp>
@@ -17747,6 +17591,7 @@
           <a:bodyPr wrap="square" rtlCol="0" anchor="t">
             <a:spAutoFit/>
           </a:bodyPr>
+          <a:lstStyle/>
           <a:p>
             <a:r>
               <a:rPr lang="zh-CN" altLang="en-US" sz="1800" b="1" dirty="0">
@@ -17766,12 +17611,6 @@
               </a:rPr>
               <a:t> </a:t>
             </a:r>
-            <a:endParaRPr lang="en-US" altLang="zh-CN" sz="1800" b="1" dirty="0">
-              <a:solidFill>
-                <a:srgbClr val="0000FF"/>
-              </a:solidFill>
-              <a:sym typeface="+mn-ea"/>
-            </a:endParaRPr>
           </a:p>
           <a:p>
             <a:pPr indent="457200"/>
@@ -17847,12 +17686,6 @@
               </a:rPr>
               <a:t>)</a:t>
             </a:r>
-            <a:endParaRPr lang="en-US" altLang="zh-CN" sz="1800" b="1" u="sng" dirty="0">
-              <a:solidFill>
-                <a:srgbClr val="0000FF"/>
-              </a:solidFill>
-              <a:sym typeface="+mn-ea"/>
-            </a:endParaRPr>
           </a:p>
           <a:p>
             <a:pPr indent="457200"/>
@@ -17946,12 +17779,6 @@
               </a:rPr>
               <a:t>0.66ns</a:t>
             </a:r>
-            <a:endParaRPr lang="en-US" altLang="zh-CN" sz="1800" b="1" u="sng" dirty="0">
-              <a:solidFill>
-                <a:srgbClr val="FF0000"/>
-              </a:solidFill>
-              <a:sym typeface="+mn-ea"/>
-            </a:endParaRPr>
           </a:p>
           <a:p>
             <a:pPr indent="457200"/>
@@ -18045,12 +17872,6 @@
               </a:rPr>
               <a:t>5.62ns</a:t>
             </a:r>
-            <a:endParaRPr lang="en-US" altLang="zh-CN" sz="1800" b="1" u="sng" dirty="0">
-              <a:solidFill>
-                <a:srgbClr val="FF0000"/>
-              </a:solidFill>
-              <a:sym typeface="+mn-ea"/>
-            </a:endParaRPr>
           </a:p>
           <a:p>
             <a:pPr indent="457200"/>
@@ -18144,12 +17965,6 @@
               </a:rPr>
               <a:t>0.90ns</a:t>
             </a:r>
-            <a:endParaRPr lang="en-US" altLang="zh-CN" sz="1800" b="1" u="sng" dirty="0">
-              <a:solidFill>
-                <a:srgbClr val="FF0000"/>
-              </a:solidFill>
-              <a:sym typeface="+mn-ea"/>
-            </a:endParaRPr>
           </a:p>
         </p:txBody>
       </p:sp>
@@ -18173,6 +17988,7 @@
           <a:bodyPr wrap="square" rtlCol="0" anchor="t">
             <a:spAutoFit/>
           </a:bodyPr>
+          <a:lstStyle/>
           <a:p>
             <a:r>
               <a:rPr lang="en-US" altLang="zh-CN" sz="1800" b="1">
@@ -18201,12 +18017,6 @@
               </a:rPr>
               <a:t> / total Instructions(I)</a:t>
             </a:r>
-            <a:endParaRPr lang="en-US" altLang="zh-CN" sz="1800" b="1">
-              <a:solidFill>
-                <a:srgbClr val="0000FF"/>
-              </a:solidFill>
-              <a:sym typeface="+mn-ea"/>
-            </a:endParaRPr>
           </a:p>
         </p:txBody>
       </p:sp>
@@ -18230,6 +18040,7 @@
           <a:bodyPr wrap="square" rtlCol="0" anchor="t">
             <a:spAutoFit/>
           </a:bodyPr>
+          <a:lstStyle/>
           <a:p>
             <a:pPr algn="l">
               <a:buClrTx/>
@@ -18362,11 +18173,6 @@
               </a:rPr>
               <a:t>= Number of Instructions×CPI</a:t>
             </a:r>
-            <a:endParaRPr lang="en-US" altLang="zh-CN" sz="1800" b="1">
-              <a:solidFill>
-                <a:srgbClr val="0000FF"/>
-              </a:solidFill>
-            </a:endParaRPr>
           </a:p>
           <a:p>
             <a:pPr algn="l">
@@ -18411,11 +18217,6 @@
               </a:rPr>
               <a:t>Miss Penalty</a:t>
             </a:r>
-            <a:endParaRPr lang="en-US" altLang="zh-CN" sz="1800" b="1">
-              <a:solidFill>
-                <a:srgbClr val="0070C0"/>
-              </a:solidFill>
-            </a:endParaRPr>
           </a:p>
         </p:txBody>
       </p:sp>
@@ -18439,6 +18240,7 @@
           <a:bodyPr wrap="square" rtlCol="0" anchor="t">
             <a:spAutoFit/>
           </a:bodyPr>
+          <a:lstStyle/>
           <a:p>
             <a:r>
               <a:rPr lang="en-US" altLang="zh-CN" sz="1800" b="1">
@@ -18456,11 +18258,6 @@
               </a:rPr>
               <a:t>= L2 access time+L2 miss penalty×L2 miss rate</a:t>
             </a:r>
-            <a:endParaRPr lang="en-US" altLang="zh-CN" sz="1800" b="1">
-              <a:solidFill>
-                <a:srgbClr val="0000FF"/>
-              </a:solidFill>
-            </a:endParaRPr>
           </a:p>
         </p:txBody>
       </p:sp>
@@ -18484,12 +18281,12 @@
           <a:bodyPr wrap="square" rtlCol="0" anchor="t">
             <a:spAutoFit/>
           </a:bodyPr>
+          <a:lstStyle/>
           <a:p>
             <a:r>
               <a:rPr lang="zh-CN" altLang="en-US"/>
               <a:t>miss penalty=(5.62+70×95%)/0.66≈109.273(CLKs)</a:t>
             </a:r>
-            <a:endParaRPr lang="zh-CN" altLang="en-US"/>
           </a:p>
         </p:txBody>
       </p:sp>
@@ -18513,16 +18310,16 @@
           <a:bodyPr wrap="square" rtlCol="0" anchor="t">
             <a:spAutoFit/>
           </a:bodyPr>
-          <a:p>
-            <a:r>
-              <a:rPr lang="en-US" altLang="zh-CN"/>
+          <a:lstStyle/>
+          <a:p>
+            <a:r>
+              <a:rPr lang="en-US" altLang="zh-CN" dirty="0"/>
               <a:t>Clocks: </a:t>
             </a:r>
             <a:r>
-              <a:rPr lang="zh-CN" altLang="en-US"/>
+              <a:rPr lang="zh-CN" altLang="en-US" dirty="0"/>
               <a:t>I×1.0+I×36%×8.0%×109.273≈4.15I</a:t>
             </a:r>
-            <a:endParaRPr lang="zh-CN" altLang="en-US"/>
           </a:p>
         </p:txBody>
       </p:sp>
@@ -18534,8 +18331,8 @@
         </p:nvSpPr>
         <p:spPr>
           <a:xfrm>
-            <a:off x="1403350" y="5733415"/>
-            <a:ext cx="6617970" cy="460375"/>
+            <a:off x="901700" y="5752048"/>
+            <a:ext cx="7633147" cy="830997"/>
           </a:xfrm>
           <a:prstGeom prst="rect">
             <a:avLst/>
@@ -18546,16 +18343,27 @@
           <a:bodyPr wrap="square" rtlCol="0" anchor="t">
             <a:spAutoFit/>
           </a:bodyPr>
-          <a:p>
-            <a:r>
-              <a:rPr lang="en-US" altLang="zh-CN"/>
+          <a:lstStyle/>
+          <a:p>
+            <a:r>
+              <a:rPr lang="en-US" altLang="zh-CN" dirty="0"/>
               <a:t>C</a:t>
             </a:r>
             <a:r>
-              <a:rPr lang="en-US"/>
-              <a:t>PI: 4.15</a:t>
-            </a:r>
-            <a:endParaRPr lang="en-US"/>
+              <a:rPr lang="en-US" dirty="0"/>
+              <a:t>PI: 4.15 </a:t>
+            </a:r>
+            <a:r>
+              <a:rPr lang="zh-CN" altLang="en-US" dirty="0"/>
+              <a:t>和老师给的答案不一样，但是觉得这个是对的</a:t>
+            </a:r>
+            <a:endParaRPr lang="en-US" altLang="zh-CN" dirty="0"/>
+          </a:p>
+          <a:p>
+            <a:r>
+              <a:rPr lang="en-US" dirty="0"/>
+              <a:t>1 + (5.62+70*0.95)*0.08*0.36/0.66=</a:t>
+            </a:r>
           </a:p>
         </p:txBody>
       </p:sp>
@@ -18564,13 +18372,6 @@
   <p:clrMapOvr>
     <a:masterClrMapping/>
   </p:clrMapOvr>
-  <p:timing>
-    <p:tnLst>
-      <p:par>
-        <p:cTn id="1" dur="indefinite" restart="never" nodeType="tmRoot"/>
-      </p:par>
-    </p:tnLst>
-  </p:timing>
 </p:sld>
 </file>
 
@@ -18583,7 +18384,14 @@
         <p:cNvGrpSpPr/>
         <p:nvPr/>
       </p:nvGrpSpPr>
-      <p:grpSpPr/>
+      <p:grpSpPr>
+        <a:xfrm>
+          <a:off x="0" y="0"/>
+          <a:ext cx="0" cy="0"/>
+          <a:chOff x="0" y="0"/>
+          <a:chExt cx="0" cy="0"/>
+        </a:xfrm>
+      </p:grpSpPr>
       <p:sp>
         <p:nvSpPr>
           <p:cNvPr id="4" name="Text Box 98"/>
@@ -18718,7 +18526,6 @@
               <a:rPr lang="en-US" altLang="zh-CN" sz="2400" b="1"/>
               <a:t>  </a:t>
             </a:r>
-            <a:endParaRPr lang="en-US" altLang="zh-CN" sz="2400" b="1"/>
           </a:p>
           <a:p>
             <a:pPr marL="0" lvl="0" indent="0" eaLnBrk="1" hangingPunct="1">
@@ -18767,7 +18574,6 @@
               <a:rPr lang="en-US" altLang="zh-CN" sz="2400" b="1"/>
               <a:t> P1 without an L2 cache?</a:t>
             </a:r>
-            <a:endParaRPr lang="en-US" altLang="zh-CN" sz="2400" b="1"/>
           </a:p>
         </p:txBody>
       </p:sp>
@@ -18893,12 +18699,6 @@
               </a:rPr>
               <a:t>5.10 Cache</a:t>
             </a:r>
-            <a:endParaRPr lang="en-US" altLang="zh-CN" sz="1800" b="1">
-              <a:solidFill>
-                <a:schemeClr val="hlink"/>
-              </a:solidFill>
-              <a:sym typeface="Webdings" panose="05030102010509060703" pitchFamily="18" charset="2"/>
-            </a:endParaRPr>
           </a:p>
         </p:txBody>
       </p:sp>
@@ -18922,6 +18722,7 @@
           <a:bodyPr wrap="square" rtlCol="0" anchor="t">
             <a:spAutoFit/>
           </a:bodyPr>
+          <a:lstStyle/>
           <a:p>
             <a:r>
               <a:rPr lang="zh-CN" altLang="en-US" sz="1800" b="1" dirty="0">
@@ -18941,12 +18742,6 @@
               </a:rPr>
               <a:t> </a:t>
             </a:r>
-            <a:endParaRPr lang="en-US" altLang="zh-CN" sz="1800" b="1" dirty="0">
-              <a:solidFill>
-                <a:srgbClr val="0000FF"/>
-              </a:solidFill>
-              <a:sym typeface="+mn-ea"/>
-            </a:endParaRPr>
           </a:p>
           <a:p>
             <a:pPr indent="457200"/>
@@ -19022,12 +18817,6 @@
               </a:rPr>
               <a:t>)</a:t>
             </a:r>
-            <a:endParaRPr lang="en-US" altLang="zh-CN" sz="1800" b="1" u="sng" dirty="0">
-              <a:solidFill>
-                <a:srgbClr val="0000FF"/>
-              </a:solidFill>
-              <a:sym typeface="+mn-ea"/>
-            </a:endParaRPr>
           </a:p>
           <a:p>
             <a:pPr indent="457200"/>
@@ -19121,12 +18910,6 @@
               </a:rPr>
               <a:t>0.66ns</a:t>
             </a:r>
-            <a:endParaRPr lang="en-US" altLang="zh-CN" sz="1800" b="1" u="sng" dirty="0">
-              <a:solidFill>
-                <a:srgbClr val="FF0000"/>
-              </a:solidFill>
-              <a:sym typeface="+mn-ea"/>
-            </a:endParaRPr>
           </a:p>
           <a:p>
             <a:pPr indent="457200"/>
@@ -19319,12 +19102,6 @@
               </a:rPr>
               <a:t>0.90ns</a:t>
             </a:r>
-            <a:endParaRPr lang="en-US" altLang="zh-CN" sz="1800" b="1" u="sng" dirty="0">
-              <a:solidFill>
-                <a:srgbClr val="FF0000"/>
-              </a:solidFill>
-              <a:sym typeface="+mn-ea"/>
-            </a:endParaRPr>
           </a:p>
           <a:p>
             <a:pPr indent="457200"/>
@@ -19357,6 +19134,7 @@
           <a:bodyPr wrap="square" rtlCol="0" anchor="t">
             <a:spAutoFit/>
           </a:bodyPr>
+          <a:lstStyle/>
           <a:p>
             <a:r>
               <a:rPr lang="zh-CN" altLang="en-US"/>
@@ -19378,7 +19156,6 @@
               <a:rPr lang="zh-CN" altLang="en-US"/>
               <a:t>4.15I−4.05I=0.10I</a:t>
             </a:r>
-            <a:endParaRPr lang="zh-CN" altLang="en-US"/>
           </a:p>
         </p:txBody>
       </p:sp>
@@ -19402,6 +19179,7 @@
           <a:bodyPr wrap="square" rtlCol="0" anchor="t">
             <a:spAutoFit/>
           </a:bodyPr>
+          <a:lstStyle/>
           <a:p>
             <a:r>
               <a:rPr lang="en-US" altLang="zh-CN" sz="1800" b="1">
@@ -19411,11 +19189,6 @@
               </a:rPr>
               <a:t>ΔT = Δ L2 miss rate×L2 miss penalty×L1 miss rate×Memory Inst</a:t>
             </a:r>
-            <a:endParaRPr lang="en-US" altLang="zh-CN" sz="1800" b="1">
-              <a:solidFill>
-                <a:srgbClr val="0000FF"/>
-              </a:solidFill>
-            </a:endParaRPr>
           </a:p>
         </p:txBody>
       </p:sp>
@@ -19439,6 +19212,7 @@
           <a:bodyPr wrap="square" rtlCol="0" anchor="t">
             <a:spAutoFit/>
           </a:bodyPr>
+          <a:lstStyle/>
           <a:p>
             <a:r>
               <a:rPr lang="zh-CN" altLang="en-US"/>
@@ -19460,7 +19234,6 @@
               <a:rPr lang="zh-CN" altLang="en-US"/>
               <a:t>Δ L2 miss rate×70/0.66×8%×36%I</a:t>
             </a:r>
-            <a:endParaRPr lang="zh-CN" altLang="en-US"/>
           </a:p>
         </p:txBody>
       </p:sp>
@@ -19484,6 +19257,7 @@
           <a:bodyPr wrap="square" rtlCol="0" anchor="t">
             <a:spAutoFit/>
           </a:bodyPr>
+          <a:lstStyle/>
           <a:p>
             <a:r>
               <a:rPr lang="zh-CN" altLang="en-US"/>
@@ -19505,7 +19279,6 @@
               <a:rPr lang="zh-CN" altLang="en-US"/>
               <a:t>3%</a:t>
             </a:r>
-            <a:endParaRPr lang="zh-CN" altLang="en-US"/>
           </a:p>
         </p:txBody>
       </p:sp>
@@ -19529,6 +19302,7 @@
           <a:bodyPr wrap="square" rtlCol="0" anchor="t">
             <a:spAutoFit/>
           </a:bodyPr>
+          <a:lstStyle/>
           <a:p>
             <a:r>
               <a:rPr lang="zh-CN" altLang="en-US"/>
@@ -19554,7 +19328,6 @@
               <a:rPr lang="en-US" altLang="zh-CN"/>
               <a:t> = 92%</a:t>
             </a:r>
-            <a:endParaRPr lang="en-US" altLang="zh-CN"/>
           </a:p>
         </p:txBody>
       </p:sp>
@@ -19563,13 +19336,6 @@
   <p:clrMapOvr>
     <a:masterClrMapping/>
   </p:clrMapOvr>
-  <p:timing>
-    <p:tnLst>
-      <p:par>
-        <p:cTn id="1" dur="indefinite" restart="never" nodeType="tmRoot"/>
-      </p:par>
-    </p:tnLst>
-  </p:timing>
 </p:sld>
 </file>
 
@@ -19582,7 +19348,14 @@
         <p:cNvGrpSpPr/>
         <p:nvPr/>
       </p:nvGrpSpPr>
-      <p:grpSpPr/>
+      <p:grpSpPr>
+        <a:xfrm>
+          <a:off x="0" y="0"/>
+          <a:ext cx="0" cy="0"/>
+          <a:chOff x="0" y="0"/>
+          <a:chExt cx="0" cy="0"/>
+        </a:xfrm>
+      </p:grpSpPr>
       <p:sp>
         <p:nvSpPr>
           <p:cNvPr id="4" name="Text Box 98"/>
@@ -19717,7 +19490,6 @@
               <a:rPr lang="en-US" altLang="zh-CN" sz="2400" b="1"/>
               <a:t>  </a:t>
             </a:r>
-            <a:endParaRPr lang="en-US" altLang="zh-CN" sz="2400" b="1"/>
           </a:p>
           <a:p>
             <a:pPr marL="0" lvl="0" indent="0" eaLnBrk="1" hangingPunct="1">
@@ -19766,7 +19538,6 @@
               <a:rPr lang="en-US" altLang="zh-CN" sz="2400" b="1"/>
               <a:t> without an L2 cache?</a:t>
             </a:r>
-            <a:endParaRPr lang="en-US" altLang="zh-CN" sz="2400" b="1"/>
           </a:p>
         </p:txBody>
       </p:sp>
@@ -19892,12 +19663,6 @@
               </a:rPr>
               <a:t>5.10 Cache</a:t>
             </a:r>
-            <a:endParaRPr lang="en-US" altLang="zh-CN" sz="1800" b="1">
-              <a:solidFill>
-                <a:schemeClr val="hlink"/>
-              </a:solidFill>
-              <a:sym typeface="Webdings" panose="05030102010509060703" pitchFamily="18" charset="2"/>
-            </a:endParaRPr>
           </a:p>
         </p:txBody>
       </p:sp>
@@ -19921,6 +19686,7 @@
           <a:bodyPr wrap="square" rtlCol="0" anchor="t">
             <a:spAutoFit/>
           </a:bodyPr>
+          <a:lstStyle/>
           <a:p>
             <a:r>
               <a:rPr lang="zh-CN" altLang="en-US" sz="1800" b="1" dirty="0">
@@ -19940,12 +19706,6 @@
               </a:rPr>
               <a:t> </a:t>
             </a:r>
-            <a:endParaRPr lang="en-US" altLang="zh-CN" sz="1800" b="1" dirty="0">
-              <a:solidFill>
-                <a:srgbClr val="0000FF"/>
-              </a:solidFill>
-              <a:sym typeface="+mn-ea"/>
-            </a:endParaRPr>
           </a:p>
           <a:p>
             <a:pPr indent="457200"/>
@@ -20021,12 +19781,6 @@
               </a:rPr>
               <a:t>)</a:t>
             </a:r>
-            <a:endParaRPr lang="en-US" altLang="zh-CN" sz="1800" b="1" u="sng" dirty="0">
-              <a:solidFill>
-                <a:srgbClr val="0000FF"/>
-              </a:solidFill>
-              <a:sym typeface="+mn-ea"/>
-            </a:endParaRPr>
           </a:p>
           <a:p>
             <a:pPr indent="457200"/>
@@ -20120,12 +19874,6 @@
               </a:rPr>
               <a:t>0.66ns</a:t>
             </a:r>
-            <a:endParaRPr lang="en-US" altLang="zh-CN" sz="1800" b="1" u="sng" dirty="0">
-              <a:solidFill>
-                <a:srgbClr val="FF0000"/>
-              </a:solidFill>
-              <a:sym typeface="+mn-ea"/>
-            </a:endParaRPr>
           </a:p>
           <a:p>
             <a:pPr indent="457200"/>
@@ -20318,12 +20066,6 @@
               </a:rPr>
               <a:t>0.90ns</a:t>
             </a:r>
-            <a:endParaRPr lang="en-US" altLang="zh-CN" sz="1800" b="1" u="sng" dirty="0">
-              <a:solidFill>
-                <a:srgbClr val="FF0000"/>
-              </a:solidFill>
-              <a:sym typeface="+mn-ea"/>
-            </a:endParaRPr>
           </a:p>
           <a:p>
             <a:pPr indent="457200"/>
@@ -20356,6 +20098,7 @@
           <a:bodyPr wrap="square" rtlCol="0" anchor="t">
             <a:spAutoFit/>
           </a:bodyPr>
+          <a:lstStyle/>
           <a:p>
             <a:r>
               <a:t>ΔT=0.66×4.15I−0.9×2.68I=0.327I(ns)</a:t>
@@ -20383,6 +20126,7 @@
           <a:bodyPr wrap="square" rtlCol="0" anchor="t">
             <a:spAutoFit/>
           </a:bodyPr>
+          <a:lstStyle/>
           <a:p>
             <a:r>
               <a:rPr lang="en-US" altLang="zh-CN" sz="1800" b="1">
@@ -20392,11 +20136,6 @@
               </a:rPr>
               <a:t>ΔT = Δ L2 miss rate×L2 miss penalty×L1 miss rate×Memory Inst</a:t>
             </a:r>
-            <a:endParaRPr lang="en-US" altLang="zh-CN" sz="1800" b="1">
-              <a:solidFill>
-                <a:srgbClr val="0000FF"/>
-              </a:solidFill>
-            </a:endParaRPr>
           </a:p>
         </p:txBody>
       </p:sp>
@@ -20420,6 +20159,7 @@
           <a:bodyPr wrap="square" rtlCol="0" anchor="t">
             <a:spAutoFit/>
           </a:bodyPr>
+          <a:lstStyle/>
           <a:p>
             <a:r>
               <a:t>0.327I</a:t>
@@ -20461,6 +20201,7 @@
           <a:bodyPr wrap="square" rtlCol="0" anchor="t">
             <a:spAutoFit/>
           </a:bodyPr>
+          <a:lstStyle/>
           <a:p>
             <a:r>
               <a:rPr lang="zh-CN" altLang="en-US"/>
@@ -20482,7 +20223,6 @@
               <a:rPr lang="zh-CN" altLang="en-US"/>
               <a:t>%</a:t>
             </a:r>
-            <a:endParaRPr lang="zh-CN" altLang="en-US"/>
           </a:p>
         </p:txBody>
       </p:sp>
@@ -20506,6 +20246,7 @@
           <a:bodyPr wrap="square" rtlCol="0" anchor="t">
             <a:spAutoFit/>
           </a:bodyPr>
+          <a:lstStyle/>
           <a:p>
             <a:r>
               <a:rPr lang="zh-CN" altLang="en-US"/>
@@ -20531,7 +20272,6 @@
               <a:rPr lang="en-US" altLang="zh-CN"/>
               <a:t> = 78.8%</a:t>
             </a:r>
-            <a:endParaRPr lang="en-US" altLang="zh-CN"/>
           </a:p>
         </p:txBody>
       </p:sp>
@@ -20555,6 +20295,7 @@
           <a:bodyPr wrap="square" rtlCol="0" anchor="t">
             <a:spAutoFit/>
           </a:bodyPr>
+          <a:lstStyle/>
           <a:p>
             <a:r>
               <a:rPr lang="zh-CN" altLang="en-US" sz="1800" b="1">
@@ -20580,11 +20321,6 @@
               </a:rPr>
               <a:t>，还要考虑时间</a:t>
             </a:r>
-            <a:endParaRPr lang="zh-CN" altLang="en-US" sz="1800" b="1">
-              <a:solidFill>
-                <a:srgbClr val="0000FF"/>
-              </a:solidFill>
-            </a:endParaRPr>
           </a:p>
         </p:txBody>
       </p:sp>
@@ -20593,13 +20329,6 @@
   <p:clrMapOvr>
     <a:masterClrMapping/>
   </p:clrMapOvr>
-  <p:timing>
-    <p:tnLst>
-      <p:par>
-        <p:cTn id="1" dur="indefinite" restart="never" nodeType="tmRoot"/>
-      </p:par>
-    </p:tnLst>
-  </p:timing>
 </p:sld>
 </file>
 
@@ -20612,7 +20341,14 @@
         <p:cNvGrpSpPr/>
         <p:nvPr/>
       </p:nvGrpSpPr>
-      <p:grpSpPr/>
+      <p:grpSpPr>
+        <a:xfrm>
+          <a:off x="0" y="0"/>
+          <a:ext cx="0" cy="0"/>
+          <a:chOff x="0" y="0"/>
+          <a:chExt cx="0" cy="0"/>
+        </a:xfrm>
+      </p:grpSpPr>
       <p:grpSp>
         <p:nvGrpSpPr>
           <p:cNvPr id="2" name="Group 2"/>
@@ -20650,6 +20386,7 @@
             <a:bodyPr>
               <a:spAutoFit/>
             </a:bodyPr>
+            <a:lstStyle/>
             <a:p>
               <a:pPr algn="ctr">
                 <a:spcBef>
@@ -20669,10 +20406,6 @@
                 </a:rPr>
                 <a:t>Cache</a:t>
               </a:r>
-              <a:endParaRPr lang="en-US" altLang="zh-CN" b="1" dirty="0">
-                <a:latin typeface="Georgia" panose="02040502050405020303" pitchFamily="18" charset="0"/>
-                <a:sym typeface="+mn-ea"/>
-              </a:endParaRPr>
             </a:p>
             <a:p>
               <a:pPr algn="ctr">
@@ -20686,9 +20419,6 @@
                 </a:rPr>
                 <a:t>design on different ways</a:t>
               </a:r>
-              <a:endParaRPr lang="en-US" altLang="zh-CN" sz="2000" b="1" dirty="0">
-                <a:latin typeface="Georgia" panose="02040502050405020303" pitchFamily="18" charset="0"/>
-              </a:endParaRPr>
             </a:p>
           </p:txBody>
         </p:sp>
@@ -20706,12 +20436,12 @@
             <a:graphicData uri="http://schemas.openxmlformats.org/presentationml/2006/ole">
               <mc:AlternateContent xmlns:mc="http://schemas.openxmlformats.org/markup-compatibility/2006">
                 <mc:Choice xmlns:v="urn:schemas-microsoft-com:vml" Requires="v">
-                  <p:oleObj spid="_x0000_s3086" name="" r:id="rId1" imgW="4178935" imgH="3215640" progId="MS_ClipArt_Gallery.2">
+                  <p:oleObj spid="_x0000_s7180" r:id="rId4" imgW="4178935" imgH="3215640" progId="MS_ClipArt_Gallery.2">
                     <p:embed/>
                   </p:oleObj>
                 </mc:Choice>
                 <mc:Fallback>
-                  <p:oleObj name="" r:id="rId1" imgW="4178935" imgH="3215640" progId="MS_ClipArt_Gallery.2">
+                  <p:oleObj r:id="rId4" imgW="4178935" imgH="3215640" progId="MS_ClipArt_Gallery.2">
                     <p:embed/>
                     <p:pic>
                       <p:nvPicPr>
@@ -20720,7 +20450,7 @@
                         <p:nvPr/>
                       </p:nvPicPr>
                       <p:blipFill>
-                        <a:blip r:embed="rId2"/>
+                        <a:blip r:embed="rId5"/>
                         <a:stretch>
                           <a:fillRect/>
                         </a:stretch>
@@ -20869,12 +20599,6 @@
               </a:rPr>
               <a:t>5.11 Cache</a:t>
             </a:r>
-            <a:endParaRPr lang="en-US" altLang="zh-CN" sz="1800" b="1">
-              <a:solidFill>
-                <a:schemeClr val="hlink"/>
-              </a:solidFill>
-              <a:sym typeface="Webdings" panose="05030102010509060703" pitchFamily="18" charset="2"/>
-            </a:endParaRPr>
           </a:p>
         </p:txBody>
       </p:sp>
@@ -20901,6 +20625,7 @@
           <a:bodyPr>
             <a:spAutoFit/>
           </a:bodyPr>
+          <a:lstStyle/>
           <a:p>
             <a:pPr indent="457200"/>
             <a:r>
@@ -20939,9 +20664,6 @@
               </a:rPr>
               <a:t>. For these exercises, refer to the sequence of word address shown below.  </a:t>
             </a:r>
-            <a:endParaRPr lang="en-US" altLang="zh-CN" b="1" dirty="0">
-              <a:latin typeface="Times New Roman" panose="02020603050405020304" pitchFamily="18" charset="0"/>
-            </a:endParaRPr>
           </a:p>
           <a:p>
             <a:endParaRPr lang="en-US" altLang="zh-CN" b="1" dirty="0">
@@ -20989,6 +20711,7 @@
         </p:spPr>
         <p:txBody>
           <a:bodyPr wrap="none" anchor="ctr" anchorCtr="0"/>
+          <a:lstStyle/>
           <a:p>
             <a:pPr algn="l"/>
             <a:r>
@@ -21001,13 +20724,6 @@
               </a:rPr>
               <a:t>0x03, 0xb4, 0x2b, 0x02, 0xbe, 0x58, 0xbf, </a:t>
             </a:r>
-            <a:endParaRPr lang="en-US" altLang="zh-CN" sz="1800" b="1" dirty="0">
-              <a:solidFill>
-                <a:schemeClr val="hlink"/>
-              </a:solidFill>
-              <a:latin typeface="Consolas" panose="020B0609020204030204" pitchFamily="49" charset="0"/>
-              <a:ea typeface="黑体" panose="02010609060101010101" pitchFamily="49" charset="-122"/>
-            </a:endParaRPr>
           </a:p>
           <a:p>
             <a:pPr algn="l"/>
@@ -21021,13 +20737,6 @@
               </a:rPr>
               <a:t>0x0e, 0x1f, 0xb5, 0xbf, 0xba, 0x2e, 0xce.</a:t>
             </a:r>
-            <a:endParaRPr lang="en-US" altLang="zh-CN" sz="1800" b="1" dirty="0">
-              <a:solidFill>
-                <a:schemeClr val="hlink"/>
-              </a:solidFill>
-              <a:latin typeface="Consolas" panose="020B0609020204030204" pitchFamily="49" charset="0"/>
-              <a:ea typeface="黑体" panose="02010609060101010101" pitchFamily="49" charset="-122"/>
-            </a:endParaRPr>
           </a:p>
         </p:txBody>
       </p:sp>
@@ -21036,13 +20745,6 @@
   <p:clrMapOvr>
     <a:masterClrMapping/>
   </p:clrMapOvr>
-  <p:timing>
-    <p:tnLst>
-      <p:par>
-        <p:cTn id="1" dur="indefinite" restart="never" nodeType="tmRoot"/>
-      </p:par>
-    </p:tnLst>
-  </p:timing>
 </p:sld>
 </file>
 
@@ -21055,7 +20757,14 @@
         <p:cNvGrpSpPr/>
         <p:nvPr/>
       </p:nvGrpSpPr>
-      <p:grpSpPr/>
+      <p:grpSpPr>
+        <a:xfrm>
+          <a:off x="0" y="0"/>
+          <a:ext cx="0" cy="0"/>
+          <a:chOff x="0" y="0"/>
+          <a:chExt cx="0" cy="0"/>
+        </a:xfrm>
+      </p:grpSpPr>
       <p:sp>
         <p:nvSpPr>
           <p:cNvPr id="16388" name="Text Box 101"/>
@@ -21178,12 +20887,6 @@
               </a:rPr>
               <a:t>5.11 Cache</a:t>
             </a:r>
-            <a:endParaRPr lang="en-US" altLang="zh-CN" sz="1800" b="1">
-              <a:solidFill>
-                <a:schemeClr val="hlink"/>
-              </a:solidFill>
-              <a:sym typeface="Webdings" panose="05030102010509060703" pitchFamily="18" charset="2"/>
-            </a:endParaRPr>
           </a:p>
         </p:txBody>
       </p:sp>
@@ -21321,7 +21024,6 @@
               <a:rPr lang="en-US" altLang="zh-CN" sz="2400" b="1"/>
               <a:t>  </a:t>
             </a:r>
-            <a:endParaRPr lang="en-US" altLang="zh-CN" sz="2400" b="1"/>
           </a:p>
         </p:txBody>
       </p:sp>
@@ -21480,12 +21182,12 @@
           <a:graphicData uri="http://schemas.openxmlformats.org/presentationml/2006/ole">
             <mc:AlternateContent xmlns:mc="http://schemas.openxmlformats.org/markup-compatibility/2006">
               <mc:Choice xmlns:v="urn:schemas-microsoft-com:vml" Requires="v">
-                <p:oleObj spid="_x0000_s3078" name="" r:id="rId1" imgW="393700" imgH="177165" progId="Equation.3">
+                <p:oleObj spid="_x0000_s8204" r:id="rId3" imgW="393700" imgH="177165" progId="Equation.3">
                   <p:embed/>
                 </p:oleObj>
               </mc:Choice>
               <mc:Fallback>
-                <p:oleObj name="" r:id="rId1" imgW="393700" imgH="177165" progId="Equation.3">
+                <p:oleObj r:id="rId3" imgW="393700" imgH="177165" progId="Equation.3">
                   <p:embed/>
                   <p:pic>
                     <p:nvPicPr>
@@ -21494,7 +21196,7 @@
                       <p:nvPr/>
                     </p:nvPicPr>
                     <p:blipFill>
-                      <a:blip r:embed="rId2"/>
+                      <a:blip r:embed="rId4"/>
                       <a:stretch>
                         <a:fillRect/>
                       </a:stretch>
@@ -21529,7 +21231,7 @@
           <p:nvPr/>
         </p:nvPicPr>
         <p:blipFill>
-          <a:blip r:embed="rId3"/>
+          <a:blip r:embed="rId5"/>
           <a:srcRect b="22656"/>
           <a:stretch>
             <a:fillRect/>
@@ -21562,7 +21264,14 @@
         <p:cNvGrpSpPr/>
         <p:nvPr/>
       </p:nvGrpSpPr>
-      <p:grpSpPr/>
+      <p:grpSpPr>
+        <a:xfrm>
+          <a:off x="0" y="0"/>
+          <a:ext cx="0" cy="0"/>
+          <a:chOff x="0" y="0"/>
+          <a:chExt cx="0" cy="0"/>
+        </a:xfrm>
+      </p:grpSpPr>
       <p:sp>
         <p:nvSpPr>
           <p:cNvPr id="4" name="Text Box 98"/>
@@ -21697,7 +21406,6 @@
               <a:rPr lang="en-US" altLang="zh-CN" sz="2400" b="1"/>
               <a:t>  </a:t>
             </a:r>
-            <a:endParaRPr lang="en-US" altLang="zh-CN" sz="2400" b="1"/>
           </a:p>
           <a:p>
             <a:pPr marL="0" lvl="0" indent="0" eaLnBrk="1" hangingPunct="1">
@@ -21758,7 +21466,6 @@
               <a:rPr lang="en-US" altLang="zh-CN" sz="2400" b="1"/>
               <a:t>.</a:t>
             </a:r>
-            <a:endParaRPr lang="en-US" altLang="zh-CN" sz="2400" b="1"/>
           </a:p>
         </p:txBody>
       </p:sp>
@@ -21771,7 +21478,7 @@
           <p:nvPr/>
         </p:nvPicPr>
         <p:blipFill>
-          <a:blip r:embed="rId1"/>
+          <a:blip r:embed="rId3"/>
           <a:stretch>
             <a:fillRect/>
           </a:stretch>
@@ -21806,6 +21513,7 @@
           <a:bodyPr wrap="square" rtlCol="0" anchor="t">
             <a:spAutoFit/>
           </a:bodyPr>
+          <a:lstStyle/>
           <a:p>
             <a:r>
               <a:rPr lang="en-US" altLang="zh-CN" b="1">
@@ -21816,12 +21524,6 @@
               </a:rPr>
               <a:t>Blocks Per Set: 48 / 2 / 3 = 8</a:t>
             </a:r>
-            <a:endParaRPr lang="en-US" altLang="zh-CN" b="1">
-              <a:solidFill>
-                <a:schemeClr val="tx1"/>
-              </a:solidFill>
-              <a:sym typeface="+mn-ea"/>
-            </a:endParaRPr>
           </a:p>
         </p:txBody>
       </p:sp>
@@ -21845,6 +21547,7 @@
           <a:bodyPr wrap="square" rtlCol="0" anchor="t">
             <a:spAutoFit/>
           </a:bodyPr>
+          <a:lstStyle/>
           <a:p>
             <a:r>
               <a:rPr lang="en-US" altLang="zh-CN" b="1">
@@ -21873,12 +21576,6 @@
               </a:rPr>
               <a:t>(8) = 3</a:t>
             </a:r>
-            <a:endParaRPr lang="en-US" altLang="zh-CN" b="1">
-              <a:solidFill>
-                <a:schemeClr val="tx1"/>
-              </a:solidFill>
-              <a:sym typeface="+mn-ea"/>
-            </a:endParaRPr>
           </a:p>
         </p:txBody>
       </p:sp>
@@ -21902,6 +21599,7 @@
           <a:bodyPr wrap="square" rtlCol="0" anchor="t">
             <a:spAutoFit/>
           </a:bodyPr>
+          <a:lstStyle/>
           <a:p>
             <a:r>
               <a:rPr lang="en-US" altLang="zh-CN" b="1">
@@ -21945,12 +21643,6 @@
               </a:rPr>
               <a:t>) = 3</a:t>
             </a:r>
-            <a:endParaRPr lang="en-US" altLang="zh-CN" b="1">
-              <a:solidFill>
-                <a:schemeClr val="tx1"/>
-              </a:solidFill>
-              <a:sym typeface="+mn-ea"/>
-            </a:endParaRPr>
           </a:p>
         </p:txBody>
       </p:sp>
@@ -21974,6 +21666,7 @@
           <a:bodyPr wrap="square" rtlCol="0" anchor="t">
             <a:spAutoFit/>
           </a:bodyPr>
+          <a:lstStyle/>
           <a:p>
             <a:r>
               <a:rPr lang="en-US" altLang="zh-CN" b="1">
@@ -21984,12 +21677,6 @@
               </a:rPr>
               <a:t>Tag: 8 - 3 - 3 = 2</a:t>
             </a:r>
-            <a:endParaRPr lang="en-US" altLang="zh-CN" b="1">
-              <a:solidFill>
-                <a:schemeClr val="tx1"/>
-              </a:solidFill>
-              <a:sym typeface="+mn-ea"/>
-            </a:endParaRPr>
           </a:p>
         </p:txBody>
       </p:sp>
@@ -22115,12 +21802,6 @@
               </a:rPr>
               <a:t>5.11 Cache</a:t>
             </a:r>
-            <a:endParaRPr lang="en-US" altLang="zh-CN" sz="1800" b="1">
-              <a:solidFill>
-                <a:schemeClr val="hlink"/>
-              </a:solidFill>
-              <a:sym typeface="Webdings" panose="05030102010509060703" pitchFamily="18" charset="2"/>
-            </a:endParaRPr>
           </a:p>
         </p:txBody>
       </p:sp>
@@ -22141,7 +21822,14 @@
         <p:cNvGrpSpPr/>
         <p:nvPr/>
       </p:nvGrpSpPr>
-      <p:grpSpPr/>
+      <p:grpSpPr>
+        <a:xfrm>
+          <a:off x="0" y="0"/>
+          <a:ext cx="0" cy="0"/>
+          <a:chOff x="0" y="0"/>
+          <a:chExt cx="0" cy="0"/>
+        </a:xfrm>
+      </p:grpSpPr>
       <p:pic>
         <p:nvPicPr>
           <p:cNvPr id="2" name="图片 1"/>
@@ -22151,7 +21839,7 @@
           <p:nvPr/>
         </p:nvPicPr>
         <p:blipFill>
-          <a:blip r:embed="rId1"/>
+          <a:blip r:embed="rId2"/>
           <a:stretch>
             <a:fillRect/>
           </a:stretch>
@@ -22186,6 +21874,7 @@
           <a:bodyPr wrap="square" rtlCol="0" anchor="t">
             <a:spAutoFit/>
           </a:bodyPr>
+          <a:lstStyle/>
           <a:p>
             <a:pPr marL="0" lvl="0" indent="0" eaLnBrk="1" hangingPunct="1">
               <a:spcBef>
@@ -22202,12 +21891,6 @@
               </a:rPr>
               <a:t> Block Offset</a:t>
             </a:r>
-            <a:endParaRPr lang="en-US" altLang="zh-CN" b="1">
-              <a:solidFill>
-                <a:srgbClr val="009900"/>
-              </a:solidFill>
-              <a:sym typeface="Wingdings" panose="05000000000000000000" pitchFamily="2" charset="2"/>
-            </a:endParaRPr>
           </a:p>
         </p:txBody>
       </p:sp>
@@ -22228,7 +21911,14 @@
         <p:cNvGrpSpPr/>
         <p:nvPr/>
       </p:nvGrpSpPr>
-      <p:grpSpPr/>
+      <p:grpSpPr>
+        <a:xfrm>
+          <a:off x="0" y="0"/>
+          <a:ext cx="0" cy="0"/>
+          <a:chOff x="0" y="0"/>
+          <a:chExt cx="0" cy="0"/>
+        </a:xfrm>
+      </p:grpSpPr>
       <p:sp>
         <p:nvSpPr>
           <p:cNvPr id="4" name="Text Box 98"/>
@@ -22363,7 +22053,6 @@
               <a:rPr lang="en-US" altLang="zh-CN" sz="2400" b="1"/>
               <a:t>  </a:t>
             </a:r>
-            <a:endParaRPr lang="en-US" altLang="zh-CN" sz="2400" b="1"/>
           </a:p>
           <a:p>
             <a:pPr marL="0" lvl="0" indent="0" eaLnBrk="1" hangingPunct="1">
@@ -22400,7 +22089,6 @@
               <a:rPr lang="en-US" altLang="zh-CN" sz="2400" b="1"/>
               <a:t> from Exercise 5.11.1. Assume a true LRU replacement policy. For each reference, identify</a:t>
             </a:r>
-            <a:endParaRPr lang="en-US" altLang="zh-CN" sz="2400" b="1"/>
           </a:p>
           <a:p>
             <a:pPr marL="0" lvl="0" indent="0" eaLnBrk="1" hangingPunct="1">
@@ -22441,7 +22129,6 @@
               <a:rPr lang="en-US" altLang="zh-CN" sz="2400" b="1"/>
               <a:t>,</a:t>
             </a:r>
-            <a:endParaRPr lang="en-US" altLang="zh-CN" sz="2400" b="1"/>
           </a:p>
           <a:p>
             <a:pPr marL="0" lvl="0" indent="0" eaLnBrk="1" hangingPunct="1">
@@ -22472,7 +22159,6 @@
               <a:rPr lang="en-US" altLang="zh-CN" sz="2400" b="1"/>
               <a:t>,</a:t>
             </a:r>
-            <a:endParaRPr lang="en-US" altLang="zh-CN" sz="2400" b="1"/>
           </a:p>
           <a:p>
             <a:pPr marL="0" lvl="0" indent="0" eaLnBrk="1" hangingPunct="1">
@@ -22503,7 +22189,6 @@
               <a:rPr lang="en-US" altLang="zh-CN" sz="2400" b="1"/>
               <a:t>,</a:t>
             </a:r>
-            <a:endParaRPr lang="en-US" altLang="zh-CN" sz="2400" b="1"/>
           </a:p>
           <a:p>
             <a:pPr marL="0" lvl="0" indent="0" eaLnBrk="1" hangingPunct="1">
@@ -22561,7 +22246,6 @@
               <a:rPr lang="en-US" altLang="zh-CN" sz="2400" b="1"/>
               <a:t>, and</a:t>
             </a:r>
-            <a:endParaRPr lang="en-US" altLang="zh-CN" sz="2400" b="1"/>
           </a:p>
           <a:p>
             <a:pPr marL="0" lvl="0" indent="0" eaLnBrk="1" hangingPunct="1">
@@ -22604,7 +22288,6 @@
               <a:rPr lang="en-US" altLang="zh-CN" sz="2400" b="1"/>
               <a:t>.</a:t>
             </a:r>
-            <a:endParaRPr lang="en-US" altLang="zh-CN" sz="2400" b="1"/>
           </a:p>
         </p:txBody>
       </p:sp>
@@ -22730,12 +22413,6 @@
               </a:rPr>
               <a:t>5.11 Cache</a:t>
             </a:r>
-            <a:endParaRPr lang="en-US" altLang="zh-CN" sz="1800" b="1">
-              <a:solidFill>
-                <a:schemeClr val="hlink"/>
-              </a:solidFill>
-              <a:sym typeface="Webdings" panose="05030102010509060703" pitchFamily="18" charset="2"/>
-            </a:endParaRPr>
           </a:p>
         </p:txBody>
       </p:sp>
@@ -22756,7 +22433,14 @@
         <p:cNvGrpSpPr/>
         <p:nvPr/>
       </p:nvGrpSpPr>
-      <p:grpSpPr/>
+      <p:grpSpPr>
+        <a:xfrm>
+          <a:off x="0" y="0"/>
+          <a:ext cx="0" cy="0"/>
+          <a:chOff x="0" y="0"/>
+          <a:chExt cx="0" cy="0"/>
+        </a:xfrm>
+      </p:grpSpPr>
       <p:sp>
         <p:nvSpPr>
           <p:cNvPr id="4" name="Text Box 98"/>
@@ -22891,7 +22575,6 @@
               <a:rPr lang="en-US" altLang="zh-CN" sz="2400" b="1"/>
               <a:t>  </a:t>
             </a:r>
-            <a:endParaRPr lang="en-US" altLang="zh-CN" sz="2400" b="1"/>
           </a:p>
         </p:txBody>
       </p:sp>
@@ -22904,7 +22587,7 @@
           <p:nvPr/>
         </p:nvPicPr>
         <p:blipFill>
-          <a:blip r:embed="rId1"/>
+          <a:blip r:embed="rId3"/>
           <a:stretch>
             <a:fillRect/>
           </a:stretch>
@@ -23041,12 +22724,6 @@
               </a:rPr>
               <a:t>5.11 Cache</a:t>
             </a:r>
-            <a:endParaRPr lang="en-US" altLang="zh-CN" sz="1800" b="1">
-              <a:solidFill>
-                <a:schemeClr val="hlink"/>
-              </a:solidFill>
-              <a:sym typeface="Webdings" panose="05030102010509060703" pitchFamily="18" charset="2"/>
-            </a:endParaRPr>
           </a:p>
         </p:txBody>
       </p:sp>
@@ -23059,7 +22736,7 @@
           <p:nvPr/>
         </p:nvPicPr>
         <p:blipFill>
-          <a:blip r:embed="rId2"/>
+          <a:blip r:embed="rId4"/>
           <a:stretch>
             <a:fillRect/>
           </a:stretch>
@@ -23091,7 +22768,14 @@
         <p:cNvGrpSpPr/>
         <p:nvPr/>
       </p:nvGrpSpPr>
-      <p:grpSpPr/>
+      <p:grpSpPr>
+        <a:xfrm>
+          <a:off x="0" y="0"/>
+          <a:ext cx="0" cy="0"/>
+          <a:chOff x="0" y="0"/>
+          <a:chExt cx="0" cy="0"/>
+        </a:xfrm>
+      </p:grpSpPr>
       <p:sp>
         <p:nvSpPr>
           <p:cNvPr id="4" name="Text Box 98"/>
@@ -23226,7 +22910,6 @@
               <a:rPr lang="en-US" altLang="zh-CN" sz="2400" b="1"/>
               <a:t>  </a:t>
             </a:r>
-            <a:endParaRPr lang="en-US" altLang="zh-CN" sz="2400" b="1"/>
           </a:p>
           <a:p>
             <a:pPr marL="0" lvl="0" indent="0" eaLnBrk="1" hangingPunct="1">
@@ -23287,7 +22970,6 @@
               <a:rPr lang="en-US" altLang="zh-CN" sz="2400" b="1"/>
               <a:t>. Your sketch should have a style similar to Figure 5.18, but clearly show the width of the tag and data fields.</a:t>
             </a:r>
-            <a:endParaRPr lang="en-US" altLang="zh-CN" sz="2400" b="1"/>
           </a:p>
         </p:txBody>
       </p:sp>
@@ -23300,7 +22982,7 @@
           <p:nvPr/>
         </p:nvPicPr>
         <p:blipFill>
-          <a:blip r:embed="rId1"/>
+          <a:blip r:embed="rId2"/>
           <a:srcRect t="-2197" b="-6767"/>
           <a:stretch>
             <a:fillRect/>
@@ -23336,6 +23018,7 @@
           <a:bodyPr wrap="square" rtlCol="0" anchor="t">
             <a:spAutoFit/>
           </a:bodyPr>
+          <a:lstStyle/>
           <a:p>
             <a:r>
               <a:rPr lang="en-US" altLang="zh-CN" b="1">
@@ -23379,12 +23062,6 @@
               </a:rPr>
               <a:t>) = 2</a:t>
             </a:r>
-            <a:endParaRPr lang="en-US" altLang="zh-CN" b="1">
-              <a:solidFill>
-                <a:schemeClr val="tx1"/>
-              </a:solidFill>
-              <a:sym typeface="+mn-ea"/>
-            </a:endParaRPr>
           </a:p>
         </p:txBody>
       </p:sp>
@@ -23408,6 +23085,7 @@
           <a:bodyPr wrap="square" rtlCol="0" anchor="t">
             <a:spAutoFit/>
           </a:bodyPr>
+          <a:lstStyle/>
           <a:p>
             <a:r>
               <a:rPr lang="en-US" altLang="zh-CN" b="1">
@@ -23418,12 +23096,6 @@
               </a:rPr>
               <a:t>Tag: 8 - 2 = 6</a:t>
             </a:r>
-            <a:endParaRPr lang="en-US" altLang="zh-CN" b="1">
-              <a:solidFill>
-                <a:schemeClr val="tx1"/>
-              </a:solidFill>
-              <a:sym typeface="+mn-ea"/>
-            </a:endParaRPr>
           </a:p>
         </p:txBody>
       </p:sp>
@@ -23549,12 +23221,6 @@
               </a:rPr>
               <a:t>5.11 Cache</a:t>
             </a:r>
-            <a:endParaRPr lang="en-US" altLang="zh-CN" sz="1800" b="1">
-              <a:solidFill>
-                <a:schemeClr val="hlink"/>
-              </a:solidFill>
-              <a:sym typeface="Webdings" panose="05030102010509060703" pitchFamily="18" charset="2"/>
-            </a:endParaRPr>
           </a:p>
         </p:txBody>
       </p:sp>
@@ -23578,6 +23244,7 @@
           <a:bodyPr wrap="square" rtlCol="0" anchor="t">
             <a:spAutoFit/>
           </a:bodyPr>
+          <a:lstStyle/>
           <a:p>
             <a:r>
               <a:rPr lang="en-US" altLang="zh-CN" b="1">
@@ -23588,12 +23255,6 @@
               </a:rPr>
               <a:t>Blocks: 8 / 1 = 8</a:t>
             </a:r>
-            <a:endParaRPr lang="en-US" altLang="zh-CN" b="1">
-              <a:solidFill>
-                <a:schemeClr val="tx1"/>
-              </a:solidFill>
-              <a:sym typeface="+mn-ea"/>
-            </a:endParaRPr>
           </a:p>
         </p:txBody>
       </p:sp>
@@ -23614,7 +23275,14 @@
         <p:cNvGrpSpPr/>
         <p:nvPr/>
       </p:nvGrpSpPr>
-      <p:grpSpPr/>
+      <p:grpSpPr>
+        <a:xfrm>
+          <a:off x="0" y="0"/>
+          <a:ext cx="0" cy="0"/>
+          <a:chOff x="0" y="0"/>
+          <a:chExt cx="0" cy="0"/>
+        </a:xfrm>
+      </p:grpSpPr>
       <p:sp>
         <p:nvSpPr>
           <p:cNvPr id="2146" name="Text Box 98"/>
@@ -23749,7 +23417,6 @@
               <a:rPr lang="en-US" altLang="zh-CN" sz="2400" b="1"/>
               <a:t>  </a:t>
             </a:r>
-            <a:endParaRPr lang="en-US" altLang="zh-CN" sz="2400" b="1"/>
           </a:p>
         </p:txBody>
       </p:sp>
@@ -23880,13 +23547,8 @@
             </a:r>
             <a:r>
               <a:rPr lang="zh-CN" altLang="en-US" sz="2000" b="1"/>
-              <a:t>预测全部</a:t>
-            </a:r>
-            <a:r>
-              <a:rPr lang="zh-CN" altLang="en-US" sz="2000" b="1"/>
-              <a:t>成功</a:t>
-            </a:r>
-            <a:endParaRPr lang="zh-CN" altLang="en-US" sz="2000" b="1"/>
+              <a:t>预测全部成功</a:t>
+            </a:r>
           </a:p>
         </p:txBody>
       </p:sp>
@@ -23906,12 +23568,12 @@
           <a:graphicData uri="http://schemas.openxmlformats.org/presentationml/2006/ole">
             <mc:AlternateContent xmlns:mc="http://schemas.openxmlformats.org/markup-compatibility/2006">
               <mc:Choice xmlns:v="urn:schemas-microsoft-com:vml" Requires="v">
-                <p:oleObj spid="_x0000_s3078" name="" r:id="rId1" imgW="393700" imgH="177165" progId="Equation.3">
+                <p:oleObj spid="_x0000_s4108" r:id="rId4" imgW="393700" imgH="177165" progId="Equation.3">
                   <p:embed/>
                 </p:oleObj>
               </mc:Choice>
               <mc:Fallback>
-                <p:oleObj name="" r:id="rId1" imgW="393700" imgH="177165" progId="Equation.3">
+                <p:oleObj r:id="rId4" imgW="393700" imgH="177165" progId="Equation.3">
                   <p:embed/>
                   <p:pic>
                     <p:nvPicPr>
@@ -23920,7 +23582,7 @@
                       <p:nvPr/>
                     </p:nvPicPr>
                     <p:blipFill>
-                      <a:blip r:embed="rId2"/>
+                      <a:blip r:embed="rId5"/>
                       <a:stretch>
                         <a:fillRect/>
                       </a:stretch>
@@ -24061,11 +23723,7 @@
             </a:pPr>
             <a:r>
               <a:rPr lang="zh-CN" altLang="en-US" sz="2000" b="1"/>
-              <a:t>跳转</a:t>
-            </a:r>
-            <a:r>
-              <a:rPr lang="zh-CN" altLang="en-US" sz="2000" b="1"/>
-              <a:t>预测不成功</a:t>
+              <a:t>跳转预测不成功</a:t>
             </a:r>
             <a:r>
               <a:rPr lang="en-US" altLang="zh-CN" sz="2000" b="1"/>
@@ -24079,11 +23737,6 @@
               </a:rPr>
               <a:t>Stall</a:t>
             </a:r>
-            <a:endParaRPr lang="en-US" altLang="zh-CN" sz="2000" b="1">
-              <a:solidFill>
-                <a:srgbClr val="FF0000"/>
-              </a:solidFill>
-            </a:endParaRPr>
           </a:p>
         </p:txBody>
       </p:sp>
@@ -24220,7 +23873,6 @@
               <a:rPr lang="en-US" altLang="zh-CN" sz="2000" b="1"/>
               <a:t>”</a:t>
             </a:r>
-            <a:endParaRPr lang="en-US" altLang="zh-CN" sz="2000" b="1"/>
           </a:p>
         </p:txBody>
       </p:sp>
@@ -24372,12 +24024,6 @@
               </a:rPr>
               <a:t>指令时序改变</a:t>
             </a:r>
-            <a:endParaRPr lang="zh-CN" altLang="en-US" sz="2000" b="1">
-              <a:solidFill>
-                <a:srgbClr val="FF0000"/>
-              </a:solidFill>
-              <a:sym typeface="+mn-ea"/>
-            </a:endParaRPr>
           </a:p>
         </p:txBody>
       </p:sp>
@@ -24500,13 +24146,8 @@
             </a:r>
             <a:r>
               <a:rPr lang="zh-CN" altLang="en-US" sz="2000" b="1"/>
-              <a:t>可以从流水线的任意一个模块调用</a:t>
-            </a:r>
-            <a:r>
-              <a:rPr lang="zh-CN" altLang="en-US" sz="2000" b="1"/>
-              <a:t>数据</a:t>
-            </a:r>
-            <a:endParaRPr lang="zh-CN" altLang="en-US" sz="2000" b="1"/>
+              <a:t>可以从流水线的任意一个模块调用数据</a:t>
+            </a:r>
           </a:p>
         </p:txBody>
       </p:sp>
@@ -24644,12 +24285,6 @@
               </a:rPr>
               <a:t>Stall</a:t>
             </a:r>
-            <a:endParaRPr lang="en-US" altLang="zh-CN" sz="2000" b="1">
-              <a:solidFill>
-                <a:srgbClr val="FF0000"/>
-              </a:solidFill>
-              <a:sym typeface="+mn-ea"/>
-            </a:endParaRPr>
           </a:p>
         </p:txBody>
       </p:sp>
@@ -24673,6 +24308,7 @@
           <a:bodyPr wrap="square" rtlCol="0" anchor="t">
             <a:spAutoFit/>
           </a:bodyPr>
+          <a:lstStyle/>
           <a:p>
             <a:r>
               <a:rPr lang="zh-CN" altLang="en-US" b="1" dirty="0">
@@ -24692,6 +24328,8 @@
               </a:rPr>
               <a:t> </a:t>
             </a:r>
+          </a:p>
+          <a:p>
             <a:endParaRPr lang="en-US" altLang="zh-CN" b="1" dirty="0">
               <a:solidFill>
                 <a:srgbClr val="0000FF"/>
@@ -24700,14 +24338,6 @@
             </a:endParaRPr>
           </a:p>
           <a:p>
-            <a:endParaRPr lang="en-US" altLang="zh-CN" b="1" dirty="0">
-              <a:solidFill>
-                <a:srgbClr val="0000FF"/>
-              </a:solidFill>
-              <a:sym typeface="+mn-ea"/>
-            </a:endParaRPr>
-          </a:p>
-          <a:p>
             <a:pPr indent="457200"/>
             <a:r>
               <a:rPr lang="zh-CN" altLang="en-US" b="1" dirty="0">
@@ -24752,23 +24382,8 @@
                 </a:solidFill>
                 <a:sym typeface="+mn-ea"/>
               </a:rPr>
-              <a:t>，指令时序</a:t>
-            </a:r>
-            <a:r>
-              <a:rPr lang="zh-CN" altLang="en-US" b="1" dirty="0">
-                <a:solidFill>
-                  <a:srgbClr val="0000FF"/>
-                </a:solidFill>
-                <a:sym typeface="+mn-ea"/>
-              </a:rPr>
-              <a:t>不变</a:t>
-            </a:r>
-            <a:endParaRPr lang="zh-CN" altLang="en-US" b="1" dirty="0">
-              <a:solidFill>
-                <a:srgbClr val="0000FF"/>
-              </a:solidFill>
-              <a:sym typeface="+mn-ea"/>
-            </a:endParaRPr>
+              <a:t>，指令时序不变</a:t>
+            </a:r>
           </a:p>
         </p:txBody>
       </p:sp>
@@ -24894,12 +24509,6 @@
               </a:rPr>
               <a:t>4.25 Pipeline</a:t>
             </a:r>
-            <a:endParaRPr lang="en-US" altLang="zh-CN" sz="1800" b="1">
-              <a:solidFill>
-                <a:schemeClr val="hlink"/>
-              </a:solidFill>
-              <a:sym typeface="Webdings" panose="05030102010509060703" pitchFamily="18" charset="2"/>
-            </a:endParaRPr>
           </a:p>
         </p:txBody>
       </p:sp>
@@ -24908,18 +24517,6 @@
   <p:clrMapOvr>
     <a:masterClrMapping/>
   </p:clrMapOvr>
-  <p:timing>
-    <p:tnLst>
-      <p:par>
-        <p:cTn id="1" dur="indefinite" restart="never" nodeType="tmRoot"/>
-      </p:par>
-    </p:tnLst>
-    <p:bldLst>
-      <p:bldP spid="2146" grpId="0"/>
-      <p:bldP spid="18635" grpId="0"/>
-      <p:bldP spid="18635" grpId="1"/>
-    </p:bldLst>
-  </p:timing>
 </p:sld>
 </file>
 
@@ -24932,7 +24529,14 @@
         <p:cNvGrpSpPr/>
         <p:nvPr/>
       </p:nvGrpSpPr>
-      <p:grpSpPr/>
+      <p:grpSpPr>
+        <a:xfrm>
+          <a:off x="0" y="0"/>
+          <a:ext cx="0" cy="0"/>
+          <a:chOff x="0" y="0"/>
+          <a:chExt cx="0" cy="0"/>
+        </a:xfrm>
+      </p:grpSpPr>
       <p:sp>
         <p:nvSpPr>
           <p:cNvPr id="4" name="Text Box 98"/>
@@ -25067,7 +24671,6 @@
               <a:rPr lang="en-US" altLang="zh-CN" sz="2400" b="1"/>
               <a:t>  </a:t>
             </a:r>
-            <a:endParaRPr lang="en-US" altLang="zh-CN" sz="2400" b="1"/>
           </a:p>
           <a:p>
             <a:pPr marL="0" lvl="0" indent="0" eaLnBrk="1" hangingPunct="1">
@@ -25104,7 +24707,6 @@
               <a:rPr lang="en-US" altLang="zh-CN" sz="2400" b="1"/>
               <a:t> from Exercise 5.11.3. Assume a true LRU replacement policy. For each reference, identify</a:t>
             </a:r>
-            <a:endParaRPr lang="en-US" altLang="zh-CN" sz="2400" b="1"/>
           </a:p>
           <a:p>
             <a:pPr marL="0" lvl="0" indent="0" eaLnBrk="1" hangingPunct="1">
@@ -25145,7 +24747,6 @@
               <a:rPr lang="en-US" altLang="zh-CN" sz="2400" b="1"/>
               <a:t>,</a:t>
             </a:r>
-            <a:endParaRPr lang="en-US" altLang="zh-CN" sz="2400" b="1"/>
           </a:p>
           <a:p>
             <a:pPr marL="0" lvl="0" indent="0" eaLnBrk="1" hangingPunct="1">
@@ -25176,7 +24777,6 @@
               <a:rPr lang="en-US" altLang="zh-CN" sz="2400" b="1"/>
               <a:t>,</a:t>
             </a:r>
-            <a:endParaRPr lang="en-US" altLang="zh-CN" sz="2400" b="1"/>
           </a:p>
           <a:p>
             <a:pPr marL="0" lvl="0" indent="0" eaLnBrk="1" hangingPunct="1">
@@ -25207,7 +24807,6 @@
               <a:rPr lang="en-US" altLang="zh-CN" sz="2400" b="1"/>
               <a:t>,</a:t>
             </a:r>
-            <a:endParaRPr lang="en-US" altLang="zh-CN" sz="2400" b="1"/>
           </a:p>
           <a:p>
             <a:pPr marL="0" lvl="0" indent="0" eaLnBrk="1" hangingPunct="1">
@@ -25265,7 +24864,6 @@
               <a:rPr lang="en-US" altLang="zh-CN" sz="2400" b="1"/>
               <a:t>, and</a:t>
             </a:r>
-            <a:endParaRPr lang="en-US" altLang="zh-CN" sz="2400" b="1"/>
           </a:p>
           <a:p>
             <a:pPr marL="0" lvl="0" indent="0" eaLnBrk="1" hangingPunct="1">
@@ -25308,7 +24906,6 @@
               <a:rPr lang="en-US" altLang="zh-CN" sz="2400" b="1"/>
               <a:t>.</a:t>
             </a:r>
-            <a:endParaRPr lang="en-US" altLang="zh-CN" sz="2400" b="1"/>
           </a:p>
         </p:txBody>
       </p:sp>
@@ -25434,12 +25031,6 @@
               </a:rPr>
               <a:t>5.11 Cache</a:t>
             </a:r>
-            <a:endParaRPr lang="en-US" altLang="zh-CN" sz="1800" b="1">
-              <a:solidFill>
-                <a:schemeClr val="hlink"/>
-              </a:solidFill>
-              <a:sym typeface="Webdings" panose="05030102010509060703" pitchFamily="18" charset="2"/>
-            </a:endParaRPr>
           </a:p>
         </p:txBody>
       </p:sp>
@@ -25460,7 +25051,14 @@
         <p:cNvGrpSpPr/>
         <p:nvPr/>
       </p:nvGrpSpPr>
-      <p:grpSpPr/>
+      <p:grpSpPr>
+        <a:xfrm>
+          <a:off x="0" y="0"/>
+          <a:ext cx="0" cy="0"/>
+          <a:chOff x="0" y="0"/>
+          <a:chExt cx="0" cy="0"/>
+        </a:xfrm>
+      </p:grpSpPr>
       <p:sp>
         <p:nvSpPr>
           <p:cNvPr id="4" name="Text Box 98"/>
@@ -25595,7 +25193,6 @@
               <a:rPr lang="en-US" altLang="zh-CN" sz="2400" b="1"/>
               <a:t>  </a:t>
             </a:r>
-            <a:endParaRPr lang="en-US" altLang="zh-CN" sz="2400" b="1"/>
           </a:p>
         </p:txBody>
       </p:sp>
@@ -25608,7 +25205,7 @@
           <p:nvPr/>
         </p:nvPicPr>
         <p:blipFill>
-          <a:blip r:embed="rId1"/>
+          <a:blip r:embed="rId3"/>
           <a:stretch>
             <a:fillRect/>
           </a:stretch>
@@ -25745,12 +25342,6 @@
               </a:rPr>
               <a:t>5.11 Cache</a:t>
             </a:r>
-            <a:endParaRPr lang="en-US" altLang="zh-CN" sz="1800" b="1">
-              <a:solidFill>
-                <a:schemeClr val="hlink"/>
-              </a:solidFill>
-              <a:sym typeface="Webdings" panose="05030102010509060703" pitchFamily="18" charset="2"/>
-            </a:endParaRPr>
           </a:p>
         </p:txBody>
       </p:sp>
@@ -25763,7 +25354,7 @@
           <p:nvPr/>
         </p:nvPicPr>
         <p:blipFill>
-          <a:blip r:embed="rId2"/>
+          <a:blip r:embed="rId4"/>
           <a:stretch>
             <a:fillRect/>
           </a:stretch>
@@ -25795,7 +25386,14 @@
         <p:cNvGrpSpPr/>
         <p:nvPr/>
       </p:nvGrpSpPr>
-      <p:grpSpPr/>
+      <p:grpSpPr>
+        <a:xfrm>
+          <a:off x="0" y="0"/>
+          <a:ext cx="0" cy="0"/>
+          <a:chOff x="0" y="0"/>
+          <a:chExt cx="0" cy="0"/>
+        </a:xfrm>
+      </p:grpSpPr>
       <p:sp>
         <p:nvSpPr>
           <p:cNvPr id="4" name="Text Box 98"/>
@@ -25930,7 +25528,6 @@
               <a:rPr lang="en-US" altLang="zh-CN" sz="2400" b="1"/>
               <a:t>  </a:t>
             </a:r>
-            <a:endParaRPr lang="en-US" altLang="zh-CN" sz="2400" b="1"/>
           </a:p>
           <a:p>
             <a:pPr marL="0" lvl="0" indent="0" eaLnBrk="1" hangingPunct="1">
@@ -25991,7 +25588,6 @@
               <a:rPr lang="en-US" altLang="zh-CN" sz="2400" b="1"/>
               <a:t>. Your sketch should have a style similar to Figure 5.18, but clearly show the width of the tag and data fields.</a:t>
             </a:r>
-            <a:endParaRPr lang="en-US" altLang="zh-CN" sz="2400" b="1"/>
           </a:p>
         </p:txBody>
       </p:sp>
@@ -26004,7 +25600,7 @@
           <p:nvPr/>
         </p:nvPicPr>
         <p:blipFill>
-          <a:blip r:embed="rId1"/>
+          <a:blip r:embed="rId2"/>
           <a:srcRect l="586" r="586"/>
           <a:stretch>
             <a:fillRect/>
@@ -26040,6 +25636,7 @@
           <a:bodyPr wrap="square" rtlCol="0" anchor="t">
             <a:spAutoFit/>
           </a:bodyPr>
+          <a:lstStyle/>
           <a:p>
             <a:r>
               <a:rPr lang="en-US" altLang="zh-CN" b="1">
@@ -26072,16 +25669,10 @@
               <a:rPr lang="en-US" altLang="zh-CN" b="1">
                 <a:sym typeface="+mn-ea"/>
               </a:rPr>
-              <a:t>2 × </a:t>
+              <a:t>2 × 4</a:t>
             </a:r>
             <a:r>
               <a:rPr lang="en-US" altLang="zh-CN" b="1">
-                <a:sym typeface="+mn-ea"/>
-              </a:rPr>
-              <a:t>4</a:t>
-            </a:r>
-            <a:r>
-              <a:rPr lang="en-US" altLang="zh-CN" b="1">
                 <a:solidFill>
                   <a:schemeClr val="tx1"/>
                 </a:solidFill>
@@ -26089,12 +25680,6 @@
               </a:rPr>
               <a:t>) = 3</a:t>
             </a:r>
-            <a:endParaRPr lang="en-US" altLang="zh-CN" b="1">
-              <a:solidFill>
-                <a:schemeClr val="tx1"/>
-              </a:solidFill>
-              <a:sym typeface="+mn-ea"/>
-            </a:endParaRPr>
           </a:p>
         </p:txBody>
       </p:sp>
@@ -26118,6 +25703,7 @@
           <a:bodyPr wrap="square" rtlCol="0" anchor="t">
             <a:spAutoFit/>
           </a:bodyPr>
+          <a:lstStyle/>
           <a:p>
             <a:r>
               <a:rPr lang="en-US" altLang="zh-CN" b="1">
@@ -26128,12 +25714,6 @@
               </a:rPr>
               <a:t>Tag: 8 - 3 = 5</a:t>
             </a:r>
-            <a:endParaRPr lang="en-US" altLang="zh-CN" b="1">
-              <a:solidFill>
-                <a:schemeClr val="tx1"/>
-              </a:solidFill>
-              <a:sym typeface="+mn-ea"/>
-            </a:endParaRPr>
           </a:p>
         </p:txBody>
       </p:sp>
@@ -26259,12 +25839,6 @@
               </a:rPr>
               <a:t>5.11 Cache</a:t>
             </a:r>
-            <a:endParaRPr lang="en-US" altLang="zh-CN" sz="1800" b="1">
-              <a:solidFill>
-                <a:schemeClr val="hlink"/>
-              </a:solidFill>
-              <a:sym typeface="Webdings" panose="05030102010509060703" pitchFamily="18" charset="2"/>
-            </a:endParaRPr>
           </a:p>
         </p:txBody>
       </p:sp>
@@ -26288,6 +25862,7 @@
           <a:bodyPr wrap="square" rtlCol="0" anchor="t">
             <a:spAutoFit/>
           </a:bodyPr>
+          <a:lstStyle/>
           <a:p>
             <a:r>
               <a:rPr lang="en-US" altLang="zh-CN" b="1">
@@ -26298,12 +25873,6 @@
               </a:rPr>
               <a:t>Blocks: 8 / 2 = 4</a:t>
             </a:r>
-            <a:endParaRPr lang="en-US" altLang="zh-CN" b="1">
-              <a:solidFill>
-                <a:schemeClr val="tx1"/>
-              </a:solidFill>
-              <a:sym typeface="+mn-ea"/>
-            </a:endParaRPr>
           </a:p>
         </p:txBody>
       </p:sp>
@@ -26324,7 +25893,14 @@
         <p:cNvGrpSpPr/>
         <p:nvPr/>
       </p:nvGrpSpPr>
-      <p:grpSpPr/>
+      <p:grpSpPr>
+        <a:xfrm>
+          <a:off x="0" y="0"/>
+          <a:ext cx="0" cy="0"/>
+          <a:chOff x="0" y="0"/>
+          <a:chExt cx="0" cy="0"/>
+        </a:xfrm>
+      </p:grpSpPr>
       <p:sp>
         <p:nvSpPr>
           <p:cNvPr id="4" name="Text Box 98"/>
@@ -26459,7 +26035,6 @@
               <a:rPr lang="en-US" altLang="zh-CN" sz="2400" b="1"/>
               <a:t>  </a:t>
             </a:r>
-            <a:endParaRPr lang="en-US" altLang="zh-CN" sz="2400" b="1"/>
           </a:p>
           <a:p>
             <a:pPr marL="0" lvl="0" indent="0" eaLnBrk="1" hangingPunct="1">
@@ -26496,7 +26071,6 @@
               <a:rPr lang="en-US" altLang="zh-CN" sz="2400" b="1"/>
               <a:t> from Exercise 5.11.5. Assume a true LRU replacement policy. For each reference, identify</a:t>
             </a:r>
-            <a:endParaRPr lang="en-US" altLang="zh-CN" sz="2400" b="1"/>
           </a:p>
           <a:p>
             <a:pPr marL="0" lvl="0" indent="0" eaLnBrk="1" hangingPunct="1">
@@ -26537,7 +26111,6 @@
               <a:rPr lang="en-US" altLang="zh-CN" sz="2400" b="1"/>
               <a:t>,</a:t>
             </a:r>
-            <a:endParaRPr lang="en-US" altLang="zh-CN" sz="2400" b="1"/>
           </a:p>
           <a:p>
             <a:pPr marL="0" lvl="0" indent="0" eaLnBrk="1" hangingPunct="1">
@@ -26568,7 +26141,6 @@
               <a:rPr lang="en-US" altLang="zh-CN" sz="2400" b="1"/>
               <a:t>,</a:t>
             </a:r>
-            <a:endParaRPr lang="en-US" altLang="zh-CN" sz="2400" b="1"/>
           </a:p>
           <a:p>
             <a:pPr marL="0" lvl="0" indent="0" eaLnBrk="1" hangingPunct="1">
@@ -26599,7 +26171,6 @@
               <a:rPr lang="en-US" altLang="zh-CN" sz="2400" b="1"/>
               <a:t>,</a:t>
             </a:r>
-            <a:endParaRPr lang="en-US" altLang="zh-CN" sz="2400" b="1"/>
           </a:p>
           <a:p>
             <a:pPr marL="0" lvl="0" indent="0" eaLnBrk="1" hangingPunct="1">
@@ -26657,7 +26228,6 @@
               <a:rPr lang="en-US" altLang="zh-CN" sz="2400" b="1"/>
               <a:t>, and</a:t>
             </a:r>
-            <a:endParaRPr lang="en-US" altLang="zh-CN" sz="2400" b="1"/>
           </a:p>
           <a:p>
             <a:pPr marL="0" lvl="0" indent="0" eaLnBrk="1" hangingPunct="1">
@@ -26700,7 +26270,6 @@
               <a:rPr lang="en-US" altLang="zh-CN" sz="2400" b="1"/>
               <a:t>.</a:t>
             </a:r>
-            <a:endParaRPr lang="en-US" altLang="zh-CN" sz="2400" b="1"/>
           </a:p>
         </p:txBody>
       </p:sp>
@@ -26826,12 +26395,6 @@
               </a:rPr>
               <a:t>5.11 Cache</a:t>
             </a:r>
-            <a:endParaRPr lang="en-US" altLang="zh-CN" sz="1800" b="1">
-              <a:solidFill>
-                <a:schemeClr val="hlink"/>
-              </a:solidFill>
-              <a:sym typeface="Webdings" panose="05030102010509060703" pitchFamily="18" charset="2"/>
-            </a:endParaRPr>
           </a:p>
         </p:txBody>
       </p:sp>
@@ -26852,7 +26415,14 @@
         <p:cNvGrpSpPr/>
         <p:nvPr/>
       </p:nvGrpSpPr>
-      <p:grpSpPr/>
+      <p:grpSpPr>
+        <a:xfrm>
+          <a:off x="0" y="0"/>
+          <a:ext cx="0" cy="0"/>
+          <a:chOff x="0" y="0"/>
+          <a:chExt cx="0" cy="0"/>
+        </a:xfrm>
+      </p:grpSpPr>
       <p:sp>
         <p:nvSpPr>
           <p:cNvPr id="4" name="Text Box 98"/>
@@ -26987,7 +26557,6 @@
               <a:rPr lang="en-US" altLang="zh-CN" sz="2400" b="1"/>
               <a:t>  </a:t>
             </a:r>
-            <a:endParaRPr lang="en-US" altLang="zh-CN" sz="2400" b="1"/>
           </a:p>
         </p:txBody>
       </p:sp>
@@ -27000,7 +26569,7 @@
           <p:nvPr/>
         </p:nvPicPr>
         <p:blipFill>
-          <a:blip r:embed="rId1"/>
+          <a:blip r:embed="rId3"/>
           <a:stretch>
             <a:fillRect/>
           </a:stretch>
@@ -27137,12 +26706,6 @@
               </a:rPr>
               <a:t>5.11 Cache</a:t>
             </a:r>
-            <a:endParaRPr lang="en-US" altLang="zh-CN" sz="1800" b="1">
-              <a:solidFill>
-                <a:schemeClr val="hlink"/>
-              </a:solidFill>
-              <a:sym typeface="Webdings" panose="05030102010509060703" pitchFamily="18" charset="2"/>
-            </a:endParaRPr>
           </a:p>
         </p:txBody>
       </p:sp>
@@ -27155,7 +26718,7 @@
           <p:nvPr/>
         </p:nvPicPr>
         <p:blipFill>
-          <a:blip r:embed="rId2"/>
+          <a:blip r:embed="rId4"/>
           <a:stretch>
             <a:fillRect/>
           </a:stretch>
@@ -27190,6 +26753,7 @@
           <a:bodyPr wrap="square" rtlCol="0" anchor="t">
             <a:spAutoFit/>
           </a:bodyPr>
+          <a:lstStyle/>
           <a:p>
             <a:pPr lvl="0">
               <a:lnSpc>
@@ -27205,12 +26769,6 @@
               </a:rPr>
               <a:t>0</a:t>
             </a:r>
-            <a:endParaRPr lang="en-US" altLang="zh-CN" b="1">
-              <a:solidFill>
-                <a:schemeClr val="tx1"/>
-              </a:solidFill>
-              <a:sym typeface="+mn-ea"/>
-            </a:endParaRPr>
           </a:p>
           <a:p>
             <a:pPr lvl="0">
@@ -27227,12 +26785,6 @@
               </a:rPr>
               <a:t>22</a:t>
             </a:r>
-            <a:endParaRPr lang="en-US" altLang="zh-CN" b="1">
-              <a:solidFill>
-                <a:schemeClr val="tx1"/>
-              </a:solidFill>
-              <a:sym typeface="+mn-ea"/>
-            </a:endParaRPr>
           </a:p>
           <a:p>
             <a:pPr lvl="0">
@@ -27249,12 +26801,6 @@
               </a:rPr>
               <a:t>5</a:t>
             </a:r>
-            <a:endParaRPr lang="en-US" altLang="zh-CN" b="1">
-              <a:solidFill>
-                <a:schemeClr val="tx1"/>
-              </a:solidFill>
-              <a:sym typeface="+mn-ea"/>
-            </a:endParaRPr>
           </a:p>
           <a:p>
             <a:pPr lvl="0">
@@ -27271,12 +26817,6 @@
               </a:rPr>
               <a:t>0</a:t>
             </a:r>
-            <a:endParaRPr lang="en-US" altLang="zh-CN" b="1">
-              <a:solidFill>
-                <a:schemeClr val="tx1"/>
-              </a:solidFill>
-              <a:sym typeface="+mn-ea"/>
-            </a:endParaRPr>
           </a:p>
           <a:p>
             <a:pPr lvl="0" algn="l">
@@ -27298,14 +26838,6 @@
               </a:rPr>
               <a:t>23</a:t>
             </a:r>
-            <a:endParaRPr kumimoji="1" lang="en-US" altLang="zh-CN" b="1">
-              <a:solidFill>
-                <a:schemeClr val="tx1"/>
-              </a:solidFill>
-              <a:latin typeface="+mn-lt"/>
-              <a:ea typeface="+mn-ea"/>
-              <a:sym typeface="+mn-ea"/>
-            </a:endParaRPr>
           </a:p>
           <a:p>
             <a:pPr lvl="0">
@@ -27322,12 +26854,6 @@
               </a:rPr>
               <a:t>11</a:t>
             </a:r>
-            <a:endParaRPr lang="en-US" altLang="zh-CN" b="1">
-              <a:solidFill>
-                <a:schemeClr val="tx1"/>
-              </a:solidFill>
-              <a:sym typeface="+mn-ea"/>
-            </a:endParaRPr>
           </a:p>
           <a:p>
             <a:pPr lvl="0" algn="l">
@@ -27349,14 +26875,6 @@
               </a:rPr>
               <a:t>23</a:t>
             </a:r>
-            <a:endParaRPr kumimoji="1" lang="en-US" altLang="zh-CN" b="1">
-              <a:solidFill>
-                <a:schemeClr val="tx1"/>
-              </a:solidFill>
-              <a:latin typeface="+mn-lt"/>
-              <a:ea typeface="+mn-ea"/>
-              <a:sym typeface="+mn-ea"/>
-            </a:endParaRPr>
           </a:p>
           <a:p>
             <a:pPr lvl="0">
@@ -27373,12 +26891,6 @@
               </a:rPr>
               <a:t>1</a:t>
             </a:r>
-            <a:endParaRPr lang="en-US" altLang="zh-CN" b="1">
-              <a:solidFill>
-                <a:schemeClr val="tx1"/>
-              </a:solidFill>
-              <a:sym typeface="+mn-ea"/>
-            </a:endParaRPr>
           </a:p>
           <a:p>
             <a:pPr lvl="0">
@@ -27395,12 +26907,6 @@
               </a:rPr>
               <a:t>3</a:t>
             </a:r>
-            <a:endParaRPr lang="en-US" altLang="zh-CN" b="1">
-              <a:solidFill>
-                <a:schemeClr val="tx1"/>
-              </a:solidFill>
-              <a:sym typeface="+mn-ea"/>
-            </a:endParaRPr>
           </a:p>
           <a:p>
             <a:pPr lvl="0">
@@ -27417,12 +26923,6 @@
               </a:rPr>
               <a:t>22</a:t>
             </a:r>
-            <a:endParaRPr lang="en-US" altLang="zh-CN" b="1">
-              <a:solidFill>
-                <a:schemeClr val="tx1"/>
-              </a:solidFill>
-              <a:sym typeface="+mn-ea"/>
-            </a:endParaRPr>
           </a:p>
           <a:p>
             <a:pPr lvl="0">
@@ -27441,14 +26941,6 @@
               </a:rPr>
               <a:t>23</a:t>
             </a:r>
-            <a:endParaRPr kumimoji="1" lang="en-US" altLang="zh-CN" b="1">
-              <a:solidFill>
-                <a:schemeClr val="tx1"/>
-              </a:solidFill>
-              <a:latin typeface="+mn-lt"/>
-              <a:ea typeface="+mn-ea"/>
-              <a:sym typeface="+mn-ea"/>
-            </a:endParaRPr>
           </a:p>
           <a:p>
             <a:pPr lvl="0">
@@ -27467,14 +26959,6 @@
               </a:rPr>
               <a:t>23</a:t>
             </a:r>
-            <a:endParaRPr kumimoji="1" lang="en-US" altLang="zh-CN" b="1">
-              <a:solidFill>
-                <a:schemeClr val="tx1"/>
-              </a:solidFill>
-              <a:latin typeface="+mn-lt"/>
-              <a:ea typeface="+mn-ea"/>
-              <a:sym typeface="+mn-ea"/>
-            </a:endParaRPr>
           </a:p>
           <a:p>
             <a:pPr lvl="0">
@@ -27491,12 +26975,6 @@
               </a:rPr>
               <a:t>5</a:t>
             </a:r>
-            <a:endParaRPr lang="en-US" altLang="zh-CN" b="1">
-              <a:solidFill>
-                <a:schemeClr val="tx1"/>
-              </a:solidFill>
-              <a:sym typeface="+mn-ea"/>
-            </a:endParaRPr>
           </a:p>
           <a:p>
             <a:pPr lvl="0">
@@ -27513,12 +26991,6 @@
               </a:rPr>
               <a:t>25</a:t>
             </a:r>
-            <a:endParaRPr lang="en-US" altLang="zh-CN" b="1">
-              <a:solidFill>
-                <a:schemeClr val="tx1"/>
-              </a:solidFill>
-              <a:sym typeface="+mn-ea"/>
-            </a:endParaRPr>
           </a:p>
         </p:txBody>
       </p:sp>
@@ -27539,7 +27011,14 @@
         <p:cNvGrpSpPr/>
         <p:nvPr/>
       </p:nvGrpSpPr>
-      <p:grpSpPr/>
+      <p:grpSpPr>
+        <a:xfrm>
+          <a:off x="0" y="0"/>
+          <a:ext cx="0" cy="0"/>
+          <a:chOff x="0" y="0"/>
+          <a:chExt cx="0" cy="0"/>
+        </a:xfrm>
+      </p:grpSpPr>
       <p:sp>
         <p:nvSpPr>
           <p:cNvPr id="4" name="Text Box 98"/>
@@ -27674,7 +27153,6 @@
               <a:rPr lang="en-US" altLang="zh-CN" sz="2400" b="1"/>
               <a:t>  </a:t>
             </a:r>
-            <a:endParaRPr lang="en-US" altLang="zh-CN" sz="2400" b="1"/>
           </a:p>
           <a:p>
             <a:pPr marL="0" lvl="0" indent="0" eaLnBrk="1" hangingPunct="1">
@@ -27728,11 +27206,6 @@
               </a:rPr>
               <a:t> replacement. </a:t>
             </a:r>
-            <a:endParaRPr lang="en-US" altLang="zh-CN" sz="2400" b="1">
-              <a:solidFill>
-                <a:schemeClr val="tx1"/>
-              </a:solidFill>
-            </a:endParaRPr>
           </a:p>
           <a:p>
             <a:pPr marL="0" lvl="0" indent="0" eaLnBrk="1" hangingPunct="1">
@@ -27786,13 +27259,7 @@
               <a:rPr lang="en-US" altLang="zh-CN" sz="2400" b="1">
                 <a:sym typeface="+mn-ea"/>
               </a:rPr>
-              <a:t> (i.e., the one that gives the lowest miss rate).</a:t>
-            </a:r>
-            <a:r>
-              <a:rPr lang="en-US" altLang="zh-CN" sz="2400" b="1">
-                <a:sym typeface="+mn-ea"/>
-              </a:rPr>
-              <a:t> </a:t>
+              <a:t> (i.e., the one that gives the lowest miss rate). </a:t>
             </a:r>
             <a:endParaRPr lang="en-US" altLang="zh-CN" sz="2400" b="1">
               <a:solidFill>
@@ -27950,12 +27417,6 @@
               </a:rPr>
               <a:t>5.11 Cache</a:t>
             </a:r>
-            <a:endParaRPr lang="en-US" altLang="zh-CN" sz="1800" b="1">
-              <a:solidFill>
-                <a:schemeClr val="hlink"/>
-              </a:solidFill>
-              <a:sym typeface="Webdings" panose="05030102010509060703" pitchFamily="18" charset="2"/>
-            </a:endParaRPr>
           </a:p>
         </p:txBody>
       </p:sp>
@@ -27976,7 +27437,14 @@
         <p:cNvGrpSpPr/>
         <p:nvPr/>
       </p:nvGrpSpPr>
-      <p:grpSpPr/>
+      <p:grpSpPr>
+        <a:xfrm>
+          <a:off x="0" y="0"/>
+          <a:ext cx="0" cy="0"/>
+          <a:chOff x="0" y="0"/>
+          <a:chExt cx="0" cy="0"/>
+        </a:xfrm>
+      </p:grpSpPr>
       <p:sp>
         <p:nvSpPr>
           <p:cNvPr id="4" name="Text Box 98"/>
@@ -28111,7 +27579,6 @@
               <a:rPr lang="en-US" altLang="zh-CN" sz="2400" b="1"/>
               <a:t>  </a:t>
             </a:r>
-            <a:endParaRPr lang="en-US" altLang="zh-CN" sz="2400" b="1"/>
           </a:p>
         </p:txBody>
       </p:sp>
@@ -28237,12 +27704,6 @@
               </a:rPr>
               <a:t>5.11 Cache</a:t>
             </a:r>
-            <a:endParaRPr lang="en-US" altLang="zh-CN" sz="1800" b="1">
-              <a:solidFill>
-                <a:schemeClr val="hlink"/>
-              </a:solidFill>
-              <a:sym typeface="Webdings" panose="05030102010509060703" pitchFamily="18" charset="2"/>
-            </a:endParaRPr>
           </a:p>
         </p:txBody>
       </p:sp>
@@ -28255,7 +27716,7 @@
           <p:nvPr/>
         </p:nvPicPr>
         <p:blipFill>
-          <a:blip r:embed="rId1"/>
+          <a:blip r:embed="rId2"/>
           <a:stretch>
             <a:fillRect/>
           </a:stretch>
@@ -28290,6 +27751,7 @@
           <a:bodyPr wrap="square" rtlCol="0" anchor="t">
             <a:spAutoFit/>
           </a:bodyPr>
+          <a:lstStyle/>
           <a:p>
             <a:pPr lvl="0">
               <a:lnSpc>
@@ -28305,12 +27767,6 @@
               </a:rPr>
               <a:t>0</a:t>
             </a:r>
-            <a:endParaRPr lang="en-US" altLang="zh-CN" b="1">
-              <a:solidFill>
-                <a:schemeClr val="tx1"/>
-              </a:solidFill>
-              <a:sym typeface="+mn-ea"/>
-            </a:endParaRPr>
           </a:p>
           <a:p>
             <a:pPr lvl="0">
@@ -28327,12 +27783,6 @@
               </a:rPr>
               <a:t>22</a:t>
             </a:r>
-            <a:endParaRPr lang="en-US" altLang="zh-CN" b="1">
-              <a:solidFill>
-                <a:schemeClr val="tx1"/>
-              </a:solidFill>
-              <a:sym typeface="+mn-ea"/>
-            </a:endParaRPr>
           </a:p>
           <a:p>
             <a:pPr lvl="0">
@@ -28349,12 +27799,6 @@
               </a:rPr>
               <a:t>5</a:t>
             </a:r>
-            <a:endParaRPr lang="en-US" altLang="zh-CN" b="1">
-              <a:solidFill>
-                <a:schemeClr val="tx1"/>
-              </a:solidFill>
-              <a:sym typeface="+mn-ea"/>
-            </a:endParaRPr>
           </a:p>
           <a:p>
             <a:pPr lvl="0">
@@ -28371,12 +27815,6 @@
               </a:rPr>
               <a:t>0</a:t>
             </a:r>
-            <a:endParaRPr lang="en-US" altLang="zh-CN" b="1">
-              <a:solidFill>
-                <a:schemeClr val="tx1"/>
-              </a:solidFill>
-              <a:sym typeface="+mn-ea"/>
-            </a:endParaRPr>
           </a:p>
           <a:p>
             <a:pPr lvl="0" algn="l">
@@ -28398,14 +27836,6 @@
               </a:rPr>
               <a:t>23</a:t>
             </a:r>
-            <a:endParaRPr kumimoji="1" lang="en-US" altLang="zh-CN" b="1">
-              <a:solidFill>
-                <a:schemeClr val="tx1"/>
-              </a:solidFill>
-              <a:latin typeface="+mn-lt"/>
-              <a:ea typeface="+mn-ea"/>
-              <a:sym typeface="+mn-ea"/>
-            </a:endParaRPr>
           </a:p>
           <a:p>
             <a:pPr lvl="0">
@@ -28422,12 +27852,6 @@
               </a:rPr>
               <a:t>11</a:t>
             </a:r>
-            <a:endParaRPr lang="en-US" altLang="zh-CN" b="1">
-              <a:solidFill>
-                <a:schemeClr val="tx1"/>
-              </a:solidFill>
-              <a:sym typeface="+mn-ea"/>
-            </a:endParaRPr>
           </a:p>
           <a:p>
             <a:pPr lvl="0" algn="l">
@@ -28449,14 +27873,6 @@
               </a:rPr>
               <a:t>23</a:t>
             </a:r>
-            <a:endParaRPr kumimoji="1" lang="en-US" altLang="zh-CN" b="1">
-              <a:solidFill>
-                <a:schemeClr val="tx1"/>
-              </a:solidFill>
-              <a:latin typeface="+mn-lt"/>
-              <a:ea typeface="+mn-ea"/>
-              <a:sym typeface="+mn-ea"/>
-            </a:endParaRPr>
           </a:p>
           <a:p>
             <a:pPr lvl="0">
@@ -28473,12 +27889,6 @@
               </a:rPr>
               <a:t>1</a:t>
             </a:r>
-            <a:endParaRPr lang="en-US" altLang="zh-CN" b="1">
-              <a:solidFill>
-                <a:schemeClr val="tx1"/>
-              </a:solidFill>
-              <a:sym typeface="+mn-ea"/>
-            </a:endParaRPr>
           </a:p>
           <a:p>
             <a:pPr lvl="0">
@@ -28495,12 +27905,6 @@
               </a:rPr>
               <a:t>3</a:t>
             </a:r>
-            <a:endParaRPr lang="en-US" altLang="zh-CN" b="1">
-              <a:solidFill>
-                <a:schemeClr val="tx1"/>
-              </a:solidFill>
-              <a:sym typeface="+mn-ea"/>
-            </a:endParaRPr>
           </a:p>
           <a:p>
             <a:pPr lvl="0">
@@ -28517,12 +27921,6 @@
               </a:rPr>
               <a:t>22</a:t>
             </a:r>
-            <a:endParaRPr lang="en-US" altLang="zh-CN" b="1">
-              <a:solidFill>
-                <a:schemeClr val="tx1"/>
-              </a:solidFill>
-              <a:sym typeface="+mn-ea"/>
-            </a:endParaRPr>
           </a:p>
           <a:p>
             <a:pPr lvl="0">
@@ -28541,14 +27939,6 @@
               </a:rPr>
               <a:t>23</a:t>
             </a:r>
-            <a:endParaRPr kumimoji="1" lang="en-US" altLang="zh-CN" b="1">
-              <a:solidFill>
-                <a:schemeClr val="tx1"/>
-              </a:solidFill>
-              <a:latin typeface="+mn-lt"/>
-              <a:ea typeface="+mn-ea"/>
-              <a:sym typeface="+mn-ea"/>
-            </a:endParaRPr>
           </a:p>
           <a:p>
             <a:pPr lvl="0">
@@ -28567,14 +27957,6 @@
               </a:rPr>
               <a:t>23</a:t>
             </a:r>
-            <a:endParaRPr kumimoji="1" lang="en-US" altLang="zh-CN" b="1">
-              <a:solidFill>
-                <a:schemeClr val="tx1"/>
-              </a:solidFill>
-              <a:latin typeface="+mn-lt"/>
-              <a:ea typeface="+mn-ea"/>
-              <a:sym typeface="+mn-ea"/>
-            </a:endParaRPr>
           </a:p>
           <a:p>
             <a:pPr lvl="0">
@@ -28591,12 +27973,6 @@
               </a:rPr>
               <a:t>5</a:t>
             </a:r>
-            <a:endParaRPr lang="en-US" altLang="zh-CN" b="1">
-              <a:solidFill>
-                <a:schemeClr val="tx1"/>
-              </a:solidFill>
-              <a:sym typeface="+mn-ea"/>
-            </a:endParaRPr>
           </a:p>
           <a:p>
             <a:pPr lvl="0">
@@ -28613,12 +27989,6 @@
               </a:rPr>
               <a:t>25</a:t>
             </a:r>
-            <a:endParaRPr lang="en-US" altLang="zh-CN" b="1">
-              <a:solidFill>
-                <a:schemeClr val="tx1"/>
-              </a:solidFill>
-              <a:sym typeface="+mn-ea"/>
-            </a:endParaRPr>
           </a:p>
         </p:txBody>
       </p:sp>
@@ -28639,7 +28009,14 @@
         <p:cNvGrpSpPr/>
         <p:nvPr/>
       </p:nvGrpSpPr>
-      <p:grpSpPr/>
+      <p:grpSpPr>
+        <a:xfrm>
+          <a:off x="0" y="0"/>
+          <a:ext cx="0" cy="0"/>
+          <a:chOff x="0" y="0"/>
+          <a:chExt cx="0" cy="0"/>
+        </a:xfrm>
+      </p:grpSpPr>
       <p:sp>
         <p:nvSpPr>
           <p:cNvPr id="4" name="Text Box 98"/>
@@ -28774,7 +28151,6 @@
               <a:rPr lang="en-US" altLang="zh-CN" sz="2400" b="1"/>
               <a:t>  </a:t>
             </a:r>
-            <a:endParaRPr lang="en-US" altLang="zh-CN" sz="2400" b="1"/>
           </a:p>
         </p:txBody>
       </p:sp>
@@ -28900,12 +28276,6 @@
               </a:rPr>
               <a:t>5.11 Cache</a:t>
             </a:r>
-            <a:endParaRPr lang="en-US" altLang="zh-CN" sz="1800" b="1">
-              <a:solidFill>
-                <a:schemeClr val="hlink"/>
-              </a:solidFill>
-              <a:sym typeface="Webdings" panose="05030102010509060703" pitchFamily="18" charset="2"/>
-            </a:endParaRPr>
           </a:p>
         </p:txBody>
       </p:sp>
@@ -28918,7 +28288,7 @@
           <p:nvPr/>
         </p:nvPicPr>
         <p:blipFill>
-          <a:blip r:embed="rId1"/>
+          <a:blip r:embed="rId3"/>
           <a:stretch>
             <a:fillRect/>
           </a:stretch>
@@ -28953,6 +28323,7 @@
           <a:bodyPr wrap="square" rtlCol="0" anchor="t">
             <a:spAutoFit/>
           </a:bodyPr>
+          <a:lstStyle/>
           <a:p>
             <a:pPr lvl="0">
               <a:lnSpc>
@@ -28968,12 +28339,6 @@
               </a:rPr>
               <a:t>0</a:t>
             </a:r>
-            <a:endParaRPr lang="en-US" altLang="zh-CN" b="1">
-              <a:solidFill>
-                <a:srgbClr val="FF0000"/>
-              </a:solidFill>
-              <a:sym typeface="+mn-ea"/>
-            </a:endParaRPr>
           </a:p>
           <a:p>
             <a:pPr lvl="0">
@@ -28990,12 +28355,6 @@
               </a:rPr>
               <a:t>22</a:t>
             </a:r>
-            <a:endParaRPr lang="en-US" altLang="zh-CN" b="1">
-              <a:solidFill>
-                <a:srgbClr val="0000FF"/>
-              </a:solidFill>
-              <a:sym typeface="+mn-ea"/>
-            </a:endParaRPr>
           </a:p>
           <a:p>
             <a:pPr lvl="0">
@@ -29012,12 +28371,6 @@
               </a:rPr>
               <a:t>5</a:t>
             </a:r>
-            <a:endParaRPr lang="en-US" altLang="zh-CN" b="1">
-              <a:solidFill>
-                <a:srgbClr val="00B0F0"/>
-              </a:solidFill>
-              <a:sym typeface="+mn-ea"/>
-            </a:endParaRPr>
           </a:p>
           <a:p>
             <a:pPr lvl="0">
@@ -29034,12 +28387,6 @@
               </a:rPr>
               <a:t>0</a:t>
             </a:r>
-            <a:endParaRPr lang="en-US" altLang="zh-CN" b="1">
-              <a:solidFill>
-                <a:srgbClr val="FF0000"/>
-              </a:solidFill>
-              <a:sym typeface="+mn-ea"/>
-            </a:endParaRPr>
           </a:p>
           <a:p>
             <a:pPr lvl="0" algn="l">
@@ -29061,14 +28408,6 @@
               </a:rPr>
               <a:t>23</a:t>
             </a:r>
-            <a:endParaRPr kumimoji="1" lang="en-US" altLang="zh-CN" b="1">
-              <a:solidFill>
-                <a:schemeClr val="accent1"/>
-              </a:solidFill>
-              <a:latin typeface="+mn-lt"/>
-              <a:ea typeface="+mn-ea"/>
-              <a:sym typeface="+mn-ea"/>
-            </a:endParaRPr>
           </a:p>
           <a:p>
             <a:pPr lvl="0">
@@ -29082,9 +28421,6 @@
               </a:rPr>
               <a:t>11</a:t>
             </a:r>
-            <a:endParaRPr lang="en-US" altLang="zh-CN" b="1">
-              <a:sym typeface="+mn-ea"/>
-            </a:endParaRPr>
           </a:p>
           <a:p>
             <a:pPr lvl="0" algn="l">
@@ -29106,14 +28442,6 @@
               </a:rPr>
               <a:t>23</a:t>
             </a:r>
-            <a:endParaRPr kumimoji="1" lang="en-US" altLang="zh-CN" b="1">
-              <a:solidFill>
-                <a:schemeClr val="accent1"/>
-              </a:solidFill>
-              <a:latin typeface="+mn-lt"/>
-              <a:ea typeface="+mn-ea"/>
-              <a:sym typeface="+mn-ea"/>
-            </a:endParaRPr>
           </a:p>
           <a:p>
             <a:pPr lvl="0">
@@ -29127,9 +28455,6 @@
               </a:rPr>
               <a:t>1</a:t>
             </a:r>
-            <a:endParaRPr lang="en-US" altLang="zh-CN" b="1">
-              <a:sym typeface="+mn-ea"/>
-            </a:endParaRPr>
           </a:p>
           <a:p>
             <a:pPr lvl="0">
@@ -29143,9 +28468,6 @@
               </a:rPr>
               <a:t>3</a:t>
             </a:r>
-            <a:endParaRPr lang="en-US" altLang="zh-CN" b="1">
-              <a:sym typeface="+mn-ea"/>
-            </a:endParaRPr>
           </a:p>
           <a:p>
             <a:pPr lvl="0">
@@ -29162,12 +28484,6 @@
               </a:rPr>
               <a:t>22</a:t>
             </a:r>
-            <a:endParaRPr lang="en-US" altLang="zh-CN" b="1">
-              <a:solidFill>
-                <a:srgbClr val="0000FF"/>
-              </a:solidFill>
-              <a:sym typeface="+mn-ea"/>
-            </a:endParaRPr>
           </a:p>
           <a:p>
             <a:pPr lvl="0">
@@ -29186,14 +28502,6 @@
               </a:rPr>
               <a:t>23</a:t>
             </a:r>
-            <a:endParaRPr kumimoji="1" lang="en-US" altLang="zh-CN" b="1">
-              <a:solidFill>
-                <a:schemeClr val="accent1"/>
-              </a:solidFill>
-              <a:latin typeface="+mn-lt"/>
-              <a:ea typeface="+mn-ea"/>
-              <a:sym typeface="+mn-ea"/>
-            </a:endParaRPr>
           </a:p>
           <a:p>
             <a:pPr lvl="0">
@@ -29212,14 +28520,6 @@
               </a:rPr>
               <a:t>23</a:t>
             </a:r>
-            <a:endParaRPr kumimoji="1" lang="en-US" altLang="zh-CN" b="1">
-              <a:solidFill>
-                <a:schemeClr val="accent1"/>
-              </a:solidFill>
-              <a:latin typeface="+mn-lt"/>
-              <a:ea typeface="+mn-ea"/>
-              <a:sym typeface="+mn-ea"/>
-            </a:endParaRPr>
           </a:p>
           <a:p>
             <a:pPr lvl="0">
@@ -29236,12 +28536,6 @@
               </a:rPr>
               <a:t>5</a:t>
             </a:r>
-            <a:endParaRPr lang="en-US" altLang="zh-CN" b="1">
-              <a:solidFill>
-                <a:srgbClr val="00B0F0"/>
-              </a:solidFill>
-              <a:sym typeface="+mn-ea"/>
-            </a:endParaRPr>
           </a:p>
           <a:p>
             <a:pPr lvl="0">
@@ -29255,9 +28549,6 @@
               </a:rPr>
               <a:t>25</a:t>
             </a:r>
-            <a:endParaRPr lang="en-US" altLang="zh-CN" b="1">
-              <a:sym typeface="+mn-ea"/>
-            </a:endParaRPr>
           </a:p>
         </p:txBody>
       </p:sp>
@@ -29278,7 +28569,14 @@
         <p:cNvGrpSpPr/>
         <p:nvPr/>
       </p:nvGrpSpPr>
-      <p:grpSpPr/>
+      <p:grpSpPr>
+        <a:xfrm>
+          <a:off x="0" y="0"/>
+          <a:ext cx="0" cy="0"/>
+          <a:chOff x="0" y="0"/>
+          <a:chExt cx="0" cy="0"/>
+        </a:xfrm>
+      </p:grpSpPr>
       <p:sp>
         <p:nvSpPr>
           <p:cNvPr id="2146" name="Text Box 98"/>
@@ -29413,7 +28711,6 @@
               <a:rPr lang="en-US" altLang="zh-CN" sz="2400" b="1"/>
               <a:t>  </a:t>
             </a:r>
-            <a:endParaRPr lang="en-US" altLang="zh-CN" sz="2400" b="1"/>
           </a:p>
           <a:p>
             <a:pPr marL="0" lvl="0" indent="0" eaLnBrk="1" hangingPunct="1">
@@ -29458,7 +28755,6 @@
               <a:rPr lang="en-US" altLang="zh-CN" sz="2400" b="1"/>
               <a:t> of this loop.</a:t>
             </a:r>
-            <a:endParaRPr lang="en-US" altLang="zh-CN" sz="2400" b="1"/>
           </a:p>
         </p:txBody>
       </p:sp>
@@ -29482,6 +28778,7 @@
           <a:bodyPr wrap="square" rtlCol="0" anchor="t">
             <a:spAutoFit/>
           </a:bodyPr>
+          <a:lstStyle/>
           <a:p>
             <a:r>
               <a:rPr lang="zh-CN" altLang="en-US" b="1" dirty="0">
@@ -29501,6 +28798,8 @@
               </a:rPr>
               <a:t> </a:t>
             </a:r>
+          </a:p>
+          <a:p>
             <a:endParaRPr lang="en-US" altLang="zh-CN" b="1" dirty="0">
               <a:solidFill>
                 <a:srgbClr val="0000FF"/>
@@ -29509,14 +28808,6 @@
             </a:endParaRPr>
           </a:p>
           <a:p>
-            <a:endParaRPr lang="en-US" altLang="zh-CN" b="1" dirty="0">
-              <a:solidFill>
-                <a:srgbClr val="0000FF"/>
-              </a:solidFill>
-              <a:sym typeface="+mn-ea"/>
-            </a:endParaRPr>
-          </a:p>
-          <a:p>
             <a:pPr indent="457200"/>
             <a:r>
               <a:rPr lang="zh-CN" altLang="en-US" b="1" dirty="0">
@@ -29563,12 +28854,6 @@
               </a:rPr>
               <a:t>，指令时序不变</a:t>
             </a:r>
-            <a:endParaRPr lang="zh-CN" altLang="en-US" b="1" dirty="0">
-              <a:solidFill>
-                <a:schemeClr val="tx1"/>
-              </a:solidFill>
-              <a:sym typeface="+mn-ea"/>
-            </a:endParaRPr>
           </a:p>
         </p:txBody>
       </p:sp>
@@ -29694,12 +28979,6 @@
               </a:rPr>
               <a:t>4.25 Pipeline</a:t>
             </a:r>
-            <a:endParaRPr lang="en-US" altLang="zh-CN" sz="1800" b="1">
-              <a:solidFill>
-                <a:schemeClr val="hlink"/>
-              </a:solidFill>
-              <a:sym typeface="Webdings" panose="05030102010509060703" pitchFamily="18" charset="2"/>
-            </a:endParaRPr>
           </a:p>
         </p:txBody>
       </p:sp>
@@ -29742,6 +29021,7 @@
         </p:spPr>
         <p:txBody>
           <a:bodyPr wrap="none" anchor="ctr" anchorCtr="0"/>
+          <a:lstStyle/>
           <a:p>
             <a:pPr algn="l"/>
             <a:endParaRPr lang="en-US" altLang="zh-CN" sz="1800" b="1" dirty="0">
@@ -29782,10 +29062,6 @@
               </a:rPr>
               <a:t> x10, 0(x13)</a:t>
             </a:r>
-            <a:endParaRPr lang="en-US" altLang="zh-CN" sz="1800" b="1" dirty="0">
-              <a:latin typeface="Consolas" panose="020B0609020204030204" pitchFamily="49" charset="0"/>
-              <a:ea typeface="黑体" panose="02010609060101010101" pitchFamily="49" charset="-122"/>
-            </a:endParaRPr>
           </a:p>
           <a:p>
             <a:pPr algn="l"/>
@@ -29813,10 +29089,6 @@
               </a:rPr>
               <a:t> x11, 8(x13)</a:t>
             </a:r>
-            <a:endParaRPr lang="en-US" altLang="zh-CN" sz="1800" b="1" dirty="0">
-              <a:latin typeface="Consolas" panose="020B0609020204030204" pitchFamily="49" charset="0"/>
-              <a:ea typeface="黑体" panose="02010609060101010101" pitchFamily="49" charset="-122"/>
-            </a:endParaRPr>
           </a:p>
           <a:p>
             <a:pPr algn="l"/>
@@ -29844,10 +29116,6 @@
               </a:rPr>
               <a:t> x12, x10, x11</a:t>
             </a:r>
-            <a:endParaRPr lang="en-US" altLang="zh-CN" sz="1800" b="1" dirty="0">
-              <a:latin typeface="Consolas" panose="020B0609020204030204" pitchFamily="49" charset="0"/>
-              <a:ea typeface="黑体" panose="02010609060101010101" pitchFamily="49" charset="-122"/>
-            </a:endParaRPr>
           </a:p>
           <a:p>
             <a:pPr algn="l"/>
@@ -29875,10 +29143,6 @@
               </a:rPr>
               <a:t> x13, x13, 16</a:t>
             </a:r>
-            <a:endParaRPr lang="en-US" altLang="zh-CN" sz="1800" b="1" dirty="0">
-              <a:latin typeface="Consolas" panose="020B0609020204030204" pitchFamily="49" charset="0"/>
-              <a:ea typeface="黑体" panose="02010609060101010101" pitchFamily="49" charset="-122"/>
-            </a:endParaRPr>
           </a:p>
           <a:p>
             <a:pPr algn="l"/>
@@ -30085,6 +29349,7 @@
         </p:spPr>
         <p:txBody>
           <a:bodyPr wrap="none" anchor="ctr" anchorCtr="0"/>
+          <a:lstStyle/>
           <a:p>
             <a:pPr indent="457200" algn="l"/>
             <a:endParaRPr lang="en-US" altLang="zh-CN" sz="1800" b="1" dirty="0">
@@ -30114,10 +29379,6 @@
               </a:rPr>
               <a:t> x10, 0(x13)</a:t>
             </a:r>
-            <a:endParaRPr lang="en-US" altLang="zh-CN" sz="1800" b="1" dirty="0">
-              <a:latin typeface="Consolas" panose="020B0609020204030204" pitchFamily="49" charset="0"/>
-              <a:ea typeface="黑体" panose="02010609060101010101" pitchFamily="49" charset="-122"/>
-            </a:endParaRPr>
           </a:p>
           <a:p>
             <a:pPr algn="l"/>
@@ -30138,10 +29399,6 @@
               </a:rPr>
               <a:t> x11, 8(x13)</a:t>
             </a:r>
-            <a:endParaRPr lang="en-US" altLang="zh-CN" sz="1800" b="1" dirty="0">
-              <a:latin typeface="Consolas" panose="020B0609020204030204" pitchFamily="49" charset="0"/>
-              <a:ea typeface="黑体" panose="02010609060101010101" pitchFamily="49" charset="-122"/>
-            </a:endParaRPr>
           </a:p>
           <a:p>
             <a:pPr algn="l"/>
@@ -30162,10 +29419,6 @@
               </a:rPr>
               <a:t> x12, x10, x11</a:t>
             </a:r>
-            <a:endParaRPr lang="en-US" altLang="zh-CN" sz="1800" b="1" dirty="0">
-              <a:latin typeface="Consolas" panose="020B0609020204030204" pitchFamily="49" charset="0"/>
-              <a:ea typeface="黑体" panose="02010609060101010101" pitchFamily="49" charset="-122"/>
-            </a:endParaRPr>
           </a:p>
           <a:p>
             <a:pPr algn="l"/>
@@ -30186,10 +29439,6 @@
               </a:rPr>
               <a:t> x13, x13, 16</a:t>
             </a:r>
-            <a:endParaRPr lang="en-US" altLang="zh-CN" sz="1800" b="1" dirty="0">
-              <a:latin typeface="Consolas" panose="020B0609020204030204" pitchFamily="49" charset="0"/>
-              <a:ea typeface="黑体" panose="02010609060101010101" pitchFamily="49" charset="-122"/>
-            </a:endParaRPr>
           </a:p>
           <a:p>
             <a:pPr algn="l"/>
@@ -30210,10 +29459,6 @@
               </a:rPr>
               <a:t> x28, x12</a:t>
             </a:r>
-            <a:endParaRPr lang="en-US" altLang="zh-CN" sz="1800" b="1" u="sng" dirty="0">
-              <a:latin typeface="Consolas" panose="020B0609020204030204" pitchFamily="49" charset="0"/>
-              <a:ea typeface="黑体" panose="02010609060101010101" pitchFamily="49" charset="-122"/>
-            </a:endParaRPr>
           </a:p>
           <a:p>
             <a:pPr algn="l"/>
@@ -30236,11 +29481,6 @@
               </a:rPr>
               <a:t> x10, 0(x13)</a:t>
             </a:r>
-            <a:endParaRPr lang="en-US" altLang="zh-CN" sz="1800" b="1" dirty="0">
-              <a:latin typeface="Consolas" panose="020B0609020204030204" pitchFamily="49" charset="0"/>
-              <a:ea typeface="黑体" panose="02010609060101010101" pitchFamily="49" charset="-122"/>
-              <a:sym typeface="+mn-ea"/>
-            </a:endParaRPr>
           </a:p>
           <a:p>
             <a:pPr algn="l"/>
@@ -30353,18 +29593,6 @@
   <p:clrMapOvr>
     <a:masterClrMapping/>
   </p:clrMapOvr>
-  <p:timing>
-    <p:tnLst>
-      <p:par>
-        <p:cTn id="1" dur="indefinite" restart="never" nodeType="tmRoot"/>
-      </p:par>
-    </p:tnLst>
-    <p:bldLst>
-      <p:bldP spid="2146" grpId="0"/>
-      <p:bldP spid="119820" grpId="0" bldLvl="0" animBg="1"/>
-      <p:bldP spid="3" grpId="0" bldLvl="0" animBg="1"/>
-    </p:bldLst>
-  </p:timing>
 </p:sld>
 </file>
 
@@ -30377,7 +29605,14 @@
         <p:cNvGrpSpPr/>
         <p:nvPr/>
       </p:nvGrpSpPr>
-      <p:grpSpPr/>
+      <p:grpSpPr>
+        <a:xfrm>
+          <a:off x="0" y="0"/>
+          <a:ext cx="0" cy="0"/>
+          <a:chOff x="0" y="0"/>
+          <a:chExt cx="0" cy="0"/>
+        </a:xfrm>
+      </p:grpSpPr>
       <p:sp>
         <p:nvSpPr>
           <p:cNvPr id="7" name="文本框 6"/>
@@ -30398,6 +29633,7 @@
           <a:bodyPr wrap="square" rtlCol="0" anchor="t">
             <a:spAutoFit/>
           </a:bodyPr>
+          <a:lstStyle/>
           <a:p>
             <a:r>
               <a:rPr lang="zh-CN" altLang="en-US" b="1" dirty="0">
@@ -30417,6 +29653,8 @@
               </a:rPr>
               <a:t> </a:t>
             </a:r>
+          </a:p>
+          <a:p>
             <a:endParaRPr lang="en-US" altLang="zh-CN" b="1" dirty="0">
               <a:solidFill>
                 <a:srgbClr val="0000FF"/>
@@ -30425,14 +29663,6 @@
             </a:endParaRPr>
           </a:p>
           <a:p>
-            <a:endParaRPr lang="en-US" altLang="zh-CN" b="1" dirty="0">
-              <a:solidFill>
-                <a:srgbClr val="0000FF"/>
-              </a:solidFill>
-              <a:sym typeface="+mn-ea"/>
-            </a:endParaRPr>
-          </a:p>
-          <a:p>
             <a:pPr indent="457200"/>
             <a:r>
               <a:rPr lang="zh-CN" altLang="en-US" b="1" dirty="0">
@@ -30479,12 +29709,6 @@
               </a:rPr>
               <a:t>，指令时序不变</a:t>
             </a:r>
-            <a:endParaRPr lang="zh-CN" altLang="en-US" b="1" dirty="0">
-              <a:solidFill>
-                <a:schemeClr val="tx1"/>
-              </a:solidFill>
-              <a:sym typeface="+mn-ea"/>
-            </a:endParaRPr>
           </a:p>
         </p:txBody>
       </p:sp>
@@ -30610,12 +29834,6 @@
               </a:rPr>
               <a:t>4.25 Pipeline</a:t>
             </a:r>
-            <a:endParaRPr lang="en-US" altLang="zh-CN" sz="1800" b="1">
-              <a:solidFill>
-                <a:schemeClr val="hlink"/>
-              </a:solidFill>
-              <a:sym typeface="Webdings" panose="05030102010509060703" pitchFamily="18" charset="2"/>
-            </a:endParaRPr>
           </a:p>
         </p:txBody>
       </p:sp>
@@ -30628,7 +29846,7 @@
           <p:nvPr/>
         </p:nvPicPr>
         <p:blipFill>
-          <a:blip r:embed="rId1"/>
+          <a:blip r:embed="rId3"/>
           <a:stretch>
             <a:fillRect/>
           </a:stretch>
@@ -30682,6 +29900,7 @@
         </p:spPr>
         <p:txBody>
           <a:bodyPr wrap="none" anchor="ctr" anchorCtr="0"/>
+          <a:lstStyle/>
           <a:p>
             <a:pPr indent="457200" algn="l"/>
             <a:endParaRPr lang="en-US" altLang="zh-CN" sz="1800" b="1" dirty="0">
@@ -30711,6 +29930,130 @@
               </a:rPr>
               <a:t> x10, 0(x13)</a:t>
             </a:r>
+          </a:p>
+          <a:p>
+            <a:pPr algn="l"/>
+            <a:r>
+              <a:rPr lang="en-US" altLang="zh-CN" sz="1400" b="1" dirty="0">
+                <a:solidFill>
+                  <a:schemeClr val="hlink"/>
+                </a:solidFill>
+                <a:latin typeface="Consolas" panose="020B0609020204030204" pitchFamily="49" charset="0"/>
+                <a:ea typeface="黑体" panose="02010609060101010101" pitchFamily="49" charset="-122"/>
+              </a:rPr>
+              <a:t>ld</a:t>
+            </a:r>
+            <a:r>
+              <a:rPr lang="en-US" altLang="zh-CN" sz="1400" b="1" dirty="0">
+                <a:latin typeface="Consolas" panose="020B0609020204030204" pitchFamily="49" charset="0"/>
+                <a:ea typeface="黑体" panose="02010609060101010101" pitchFamily="49" charset="-122"/>
+              </a:rPr>
+              <a:t> x11, 8(x13)</a:t>
+            </a:r>
+          </a:p>
+          <a:p>
+            <a:pPr algn="l"/>
+            <a:r>
+              <a:rPr lang="en-US" altLang="zh-CN" sz="1400" b="1" dirty="0">
+                <a:solidFill>
+                  <a:schemeClr val="hlink"/>
+                </a:solidFill>
+                <a:latin typeface="Consolas" panose="020B0609020204030204" pitchFamily="49" charset="0"/>
+                <a:ea typeface="黑体" panose="02010609060101010101" pitchFamily="49" charset="-122"/>
+              </a:rPr>
+              <a:t>add</a:t>
+            </a:r>
+            <a:r>
+              <a:rPr lang="en-US" altLang="zh-CN" sz="1400" b="1" dirty="0">
+                <a:latin typeface="Consolas" panose="020B0609020204030204" pitchFamily="49" charset="0"/>
+                <a:ea typeface="黑体" panose="02010609060101010101" pitchFamily="49" charset="-122"/>
+              </a:rPr>
+              <a:t> x12, x10, x11</a:t>
+            </a:r>
+          </a:p>
+          <a:p>
+            <a:pPr algn="l"/>
+            <a:r>
+              <a:rPr lang="en-US" altLang="zh-CN" sz="1400" b="1" dirty="0">
+                <a:solidFill>
+                  <a:schemeClr val="hlink"/>
+                </a:solidFill>
+                <a:latin typeface="Consolas" panose="020B0609020204030204" pitchFamily="49" charset="0"/>
+                <a:ea typeface="黑体" panose="02010609060101010101" pitchFamily="49" charset="-122"/>
+              </a:rPr>
+              <a:t>subi</a:t>
+            </a:r>
+            <a:r>
+              <a:rPr lang="en-US" altLang="zh-CN" sz="1400" b="1" dirty="0">
+                <a:latin typeface="Consolas" panose="020B0609020204030204" pitchFamily="49" charset="0"/>
+                <a:ea typeface="黑体" panose="02010609060101010101" pitchFamily="49" charset="-122"/>
+              </a:rPr>
+              <a:t> x13, x13, 16</a:t>
+            </a:r>
+          </a:p>
+          <a:p>
+            <a:pPr algn="l"/>
+            <a:r>
+              <a:rPr lang="en-US" altLang="zh-CN" sz="1400" b="1" u="sng" dirty="0">
+                <a:solidFill>
+                  <a:schemeClr val="hlink"/>
+                </a:solidFill>
+                <a:latin typeface="Consolas" panose="020B0609020204030204" pitchFamily="49" charset="0"/>
+                <a:ea typeface="黑体" panose="02010609060101010101" pitchFamily="49" charset="-122"/>
+              </a:rPr>
+              <a:t>snez</a:t>
+            </a:r>
+            <a:r>
+              <a:rPr lang="en-US" altLang="zh-CN" sz="1400" b="1" u="sng" dirty="0">
+                <a:latin typeface="Consolas" panose="020B0609020204030204" pitchFamily="49" charset="0"/>
+                <a:ea typeface="黑体" panose="02010609060101010101" pitchFamily="49" charset="-122"/>
+              </a:rPr>
+              <a:t> x28, x12</a:t>
+            </a:r>
+          </a:p>
+          <a:p>
+            <a:pPr algn="l"/>
+            <a:r>
+              <a:rPr lang="en-US" altLang="zh-CN" sz="1400" b="1" dirty="0">
+                <a:solidFill>
+                  <a:schemeClr val="hlink"/>
+                </a:solidFill>
+                <a:latin typeface="Consolas" panose="020B0609020204030204" pitchFamily="49" charset="0"/>
+                <a:ea typeface="黑体" panose="02010609060101010101" pitchFamily="49" charset="-122"/>
+                <a:sym typeface="+mn-ea"/>
+              </a:rPr>
+              <a:t>ld</a:t>
+            </a:r>
+            <a:r>
+              <a:rPr lang="en-US" altLang="zh-CN" sz="1400" b="1" dirty="0">
+                <a:latin typeface="Consolas" panose="020B0609020204030204" pitchFamily="49" charset="0"/>
+                <a:ea typeface="黑体" panose="02010609060101010101" pitchFamily="49" charset="-122"/>
+                <a:sym typeface="+mn-ea"/>
+              </a:rPr>
+              <a:t> x10, 0(x13)</a:t>
+            </a:r>
+          </a:p>
+          <a:p>
+            <a:pPr algn="l"/>
+            <a:r>
+              <a:rPr lang="en-US" altLang="zh-CN" sz="1400" b="1" dirty="0">
+                <a:solidFill>
+                  <a:schemeClr val="hlink"/>
+                </a:solidFill>
+                <a:latin typeface="Consolas" panose="020B0609020204030204" pitchFamily="49" charset="0"/>
+                <a:ea typeface="黑体" panose="02010609060101010101" pitchFamily="49" charset="-122"/>
+                <a:sym typeface="+mn-ea"/>
+              </a:rPr>
+              <a:t>ld</a:t>
+            </a:r>
+            <a:r>
+              <a:rPr lang="en-US" altLang="zh-CN" sz="1400" b="1" dirty="0">
+                <a:latin typeface="Consolas" panose="020B0609020204030204" pitchFamily="49" charset="0"/>
+                <a:ea typeface="黑体" panose="02010609060101010101" pitchFamily="49" charset="-122"/>
+                <a:sym typeface="+mn-ea"/>
+              </a:rPr>
+              <a:t> x11, 8(x13)</a:t>
+            </a:r>
             <a:endParaRPr lang="en-US" altLang="zh-CN" sz="1400" b="1" dirty="0">
               <a:latin typeface="Consolas" panose="020B0609020204030204" pitchFamily="49" charset="0"/>
               <a:ea typeface="黑体" panose="02010609060101010101" pitchFamily="49" charset="-122"/>
@@ -30725,15 +30068,17 @@
                 </a:solidFill>
                 <a:latin typeface="Consolas" panose="020B0609020204030204" pitchFamily="49" charset="0"/>
                 <a:ea typeface="黑体" panose="02010609060101010101" pitchFamily="49" charset="-122"/>
-              </a:rPr>
-              <a:t>ld</a:t>
+                <a:sym typeface="+mn-ea"/>
+              </a:rPr>
+              <a:t>add</a:t>
             </a:r>
             <a:r>
               <a:rPr lang="en-US" altLang="zh-CN" sz="1400" b="1" dirty="0">
                 <a:latin typeface="Consolas" panose="020B0609020204030204" pitchFamily="49" charset="0"/>
                 <a:ea typeface="黑体" panose="02010609060101010101" pitchFamily="49" charset="-122"/>
-              </a:rPr>
-              <a:t> x11, 8(x13)</a:t>
+                <a:sym typeface="+mn-ea"/>
+              </a:rPr>
+              <a:t> x12, x10, x11</a:t>
             </a:r>
             <a:endParaRPr lang="en-US" altLang="zh-CN" sz="1400" b="1" dirty="0">
               <a:latin typeface="Consolas" panose="020B0609020204030204" pitchFamily="49" charset="0"/>
@@ -30749,15 +30094,17 @@
                 </a:solidFill>
                 <a:latin typeface="Consolas" panose="020B0609020204030204" pitchFamily="49" charset="0"/>
                 <a:ea typeface="黑体" panose="02010609060101010101" pitchFamily="49" charset="-122"/>
-              </a:rPr>
-              <a:t>add</a:t>
+                <a:sym typeface="+mn-ea"/>
+              </a:rPr>
+              <a:t>subi</a:t>
             </a:r>
             <a:r>
               <a:rPr lang="en-US" altLang="zh-CN" sz="1400" b="1" dirty="0">
                 <a:latin typeface="Consolas" panose="020B0609020204030204" pitchFamily="49" charset="0"/>
                 <a:ea typeface="黑体" panose="02010609060101010101" pitchFamily="49" charset="-122"/>
-              </a:rPr>
-              <a:t> x12, x10, x11</a:t>
+                <a:sym typeface="+mn-ea"/>
+              </a:rPr>
+              <a:t> x13, x13, 16</a:t>
             </a:r>
             <a:endParaRPr lang="en-US" altLang="zh-CN" sz="1400" b="1" dirty="0">
               <a:latin typeface="Consolas" panose="020B0609020204030204" pitchFamily="49" charset="0"/>
@@ -30767,36 +30114,13 @@
           <a:p>
             <a:pPr algn="l"/>
             <a:r>
-              <a:rPr lang="en-US" altLang="zh-CN" sz="1400" b="1" dirty="0">
+              <a:rPr lang="en-US" altLang="zh-CN" sz="1400" b="1" u="sng" dirty="0">
                 <a:solidFill>
                   <a:schemeClr val="hlink"/>
                 </a:solidFill>
                 <a:latin typeface="Consolas" panose="020B0609020204030204" pitchFamily="49" charset="0"/>
                 <a:ea typeface="黑体" panose="02010609060101010101" pitchFamily="49" charset="-122"/>
-              </a:rPr>
-              <a:t>subi</a:t>
-            </a:r>
-            <a:r>
-              <a:rPr lang="en-US" altLang="zh-CN" sz="1400" b="1" dirty="0">
-                <a:latin typeface="Consolas" panose="020B0609020204030204" pitchFamily="49" charset="0"/>
-                <a:ea typeface="黑体" panose="02010609060101010101" pitchFamily="49" charset="-122"/>
-              </a:rPr>
-              <a:t> x13, x13, 16</a:t>
-            </a:r>
-            <a:endParaRPr lang="en-US" altLang="zh-CN" sz="1400" b="1" dirty="0">
-              <a:latin typeface="Consolas" panose="020B0609020204030204" pitchFamily="49" charset="0"/>
-              <a:ea typeface="黑体" panose="02010609060101010101" pitchFamily="49" charset="-122"/>
-            </a:endParaRPr>
-          </a:p>
-          <a:p>
-            <a:pPr algn="l"/>
-            <a:r>
-              <a:rPr lang="en-US" altLang="zh-CN" sz="1400" b="1" u="sng" dirty="0">
-                <a:solidFill>
-                  <a:schemeClr val="hlink"/>
-                </a:solidFill>
-                <a:latin typeface="Consolas" panose="020B0609020204030204" pitchFamily="49" charset="0"/>
-                <a:ea typeface="黑体" panose="02010609060101010101" pitchFamily="49" charset="-122"/>
+                <a:sym typeface="+mn-ea"/>
               </a:rPr>
               <a:t>snez</a:t>
             </a:r>
@@ -30804,145 +30128,10 @@
               <a:rPr lang="en-US" altLang="zh-CN" sz="1400" b="1" u="sng" dirty="0">
                 <a:latin typeface="Consolas" panose="020B0609020204030204" pitchFamily="49" charset="0"/>
                 <a:ea typeface="黑体" panose="02010609060101010101" pitchFamily="49" charset="-122"/>
+                <a:sym typeface="+mn-ea"/>
               </a:rPr>
               <a:t> x28, x12</a:t>
             </a:r>
-            <a:endParaRPr lang="en-US" altLang="zh-CN" sz="1400" b="1" u="sng" dirty="0">
-              <a:latin typeface="Consolas" panose="020B0609020204030204" pitchFamily="49" charset="0"/>
-              <a:ea typeface="黑体" panose="02010609060101010101" pitchFamily="49" charset="-122"/>
-            </a:endParaRPr>
-          </a:p>
-          <a:p>
-            <a:pPr algn="l"/>
-            <a:r>
-              <a:rPr lang="en-US" altLang="zh-CN" sz="1400" b="1" dirty="0">
-                <a:solidFill>
-                  <a:schemeClr val="hlink"/>
-                </a:solidFill>
-                <a:latin typeface="Consolas" panose="020B0609020204030204" pitchFamily="49" charset="0"/>
-                <a:ea typeface="黑体" panose="02010609060101010101" pitchFamily="49" charset="-122"/>
-                <a:sym typeface="+mn-ea"/>
-              </a:rPr>
-              <a:t>ld</a:t>
-            </a:r>
-            <a:r>
-              <a:rPr lang="en-US" altLang="zh-CN" sz="1400" b="1" dirty="0">
-                <a:latin typeface="Consolas" panose="020B0609020204030204" pitchFamily="49" charset="0"/>
-                <a:ea typeface="黑体" panose="02010609060101010101" pitchFamily="49" charset="-122"/>
-                <a:sym typeface="+mn-ea"/>
-              </a:rPr>
-              <a:t> x10, 0(x13)</a:t>
-            </a:r>
-            <a:endParaRPr lang="en-US" altLang="zh-CN" sz="1400" b="1" dirty="0">
-              <a:latin typeface="Consolas" panose="020B0609020204030204" pitchFamily="49" charset="0"/>
-              <a:ea typeface="黑体" panose="02010609060101010101" pitchFamily="49" charset="-122"/>
-              <a:sym typeface="+mn-ea"/>
-            </a:endParaRPr>
-          </a:p>
-          <a:p>
-            <a:pPr algn="l"/>
-            <a:r>
-              <a:rPr lang="en-US" altLang="zh-CN" sz="1400" b="1" dirty="0">
-                <a:solidFill>
-                  <a:schemeClr val="hlink"/>
-                </a:solidFill>
-                <a:latin typeface="Consolas" panose="020B0609020204030204" pitchFamily="49" charset="0"/>
-                <a:ea typeface="黑体" panose="02010609060101010101" pitchFamily="49" charset="-122"/>
-                <a:sym typeface="+mn-ea"/>
-              </a:rPr>
-              <a:t>ld</a:t>
-            </a:r>
-            <a:r>
-              <a:rPr lang="en-US" altLang="zh-CN" sz="1400" b="1" dirty="0">
-                <a:latin typeface="Consolas" panose="020B0609020204030204" pitchFamily="49" charset="0"/>
-                <a:ea typeface="黑体" panose="02010609060101010101" pitchFamily="49" charset="-122"/>
-                <a:sym typeface="+mn-ea"/>
-              </a:rPr>
-              <a:t> x11, 8(x13)</a:t>
-            </a:r>
-            <a:endParaRPr lang="en-US" altLang="zh-CN" sz="1400" b="1" dirty="0">
-              <a:latin typeface="Consolas" panose="020B0609020204030204" pitchFamily="49" charset="0"/>
-              <a:ea typeface="黑体" panose="02010609060101010101" pitchFamily="49" charset="-122"/>
-            </a:endParaRPr>
-          </a:p>
-          <a:p>
-            <a:pPr algn="l"/>
-            <a:r>
-              <a:rPr lang="en-US" altLang="zh-CN" sz="1400" b="1" dirty="0">
-                <a:solidFill>
-                  <a:schemeClr val="hlink"/>
-                </a:solidFill>
-                <a:latin typeface="Consolas" panose="020B0609020204030204" pitchFamily="49" charset="0"/>
-                <a:ea typeface="黑体" panose="02010609060101010101" pitchFamily="49" charset="-122"/>
-                <a:sym typeface="+mn-ea"/>
-              </a:rPr>
-              <a:t>add</a:t>
-            </a:r>
-            <a:r>
-              <a:rPr lang="en-US" altLang="zh-CN" sz="1400" b="1" dirty="0">
-                <a:latin typeface="Consolas" panose="020B0609020204030204" pitchFamily="49" charset="0"/>
-                <a:ea typeface="黑体" panose="02010609060101010101" pitchFamily="49" charset="-122"/>
-                <a:sym typeface="+mn-ea"/>
-              </a:rPr>
-              <a:t> x12, x10, x11</a:t>
-            </a:r>
-            <a:endParaRPr lang="en-US" altLang="zh-CN" sz="1400" b="1" dirty="0">
-              <a:latin typeface="Consolas" panose="020B0609020204030204" pitchFamily="49" charset="0"/>
-              <a:ea typeface="黑体" panose="02010609060101010101" pitchFamily="49" charset="-122"/>
-            </a:endParaRPr>
-          </a:p>
-          <a:p>
-            <a:pPr algn="l"/>
-            <a:r>
-              <a:rPr lang="en-US" altLang="zh-CN" sz="1400" b="1" dirty="0">
-                <a:solidFill>
-                  <a:schemeClr val="hlink"/>
-                </a:solidFill>
-                <a:latin typeface="Consolas" panose="020B0609020204030204" pitchFamily="49" charset="0"/>
-                <a:ea typeface="黑体" panose="02010609060101010101" pitchFamily="49" charset="-122"/>
-                <a:sym typeface="+mn-ea"/>
-              </a:rPr>
-              <a:t>subi</a:t>
-            </a:r>
-            <a:r>
-              <a:rPr lang="en-US" altLang="zh-CN" sz="1400" b="1" dirty="0">
-                <a:latin typeface="Consolas" panose="020B0609020204030204" pitchFamily="49" charset="0"/>
-                <a:ea typeface="黑体" panose="02010609060101010101" pitchFamily="49" charset="-122"/>
-                <a:sym typeface="+mn-ea"/>
-              </a:rPr>
-              <a:t> x13, x13, 16</a:t>
-            </a:r>
-            <a:endParaRPr lang="en-US" altLang="zh-CN" sz="1400" b="1" dirty="0">
-              <a:latin typeface="Consolas" panose="020B0609020204030204" pitchFamily="49" charset="0"/>
-              <a:ea typeface="黑体" panose="02010609060101010101" pitchFamily="49" charset="-122"/>
-            </a:endParaRPr>
-          </a:p>
-          <a:p>
-            <a:pPr algn="l"/>
-            <a:r>
-              <a:rPr lang="en-US" altLang="zh-CN" sz="1400" b="1" u="sng" dirty="0">
-                <a:solidFill>
-                  <a:schemeClr val="hlink"/>
-                </a:solidFill>
-                <a:latin typeface="Consolas" panose="020B0609020204030204" pitchFamily="49" charset="0"/>
-                <a:ea typeface="黑体" panose="02010609060101010101" pitchFamily="49" charset="-122"/>
-                <a:sym typeface="+mn-ea"/>
-              </a:rPr>
-              <a:t>snez</a:t>
-            </a:r>
-            <a:r>
-              <a:rPr lang="en-US" altLang="zh-CN" sz="1400" b="1" u="sng" dirty="0">
-                <a:latin typeface="Consolas" panose="020B0609020204030204" pitchFamily="49" charset="0"/>
-                <a:ea typeface="黑体" panose="02010609060101010101" pitchFamily="49" charset="-122"/>
-                <a:sym typeface="+mn-ea"/>
-              </a:rPr>
-              <a:t> x28, x12</a:t>
-            </a:r>
-            <a:endParaRPr lang="en-US" altLang="zh-CN" sz="1400" b="1" u="sng" dirty="0">
-              <a:latin typeface="Consolas" panose="020B0609020204030204" pitchFamily="49" charset="0"/>
-              <a:ea typeface="黑体" panose="02010609060101010101" pitchFamily="49" charset="-122"/>
-              <a:sym typeface="+mn-ea"/>
-            </a:endParaRPr>
           </a:p>
         </p:txBody>
       </p:sp>
@@ -30951,16 +30140,6 @@
   <p:clrMapOvr>
     <a:masterClrMapping/>
   </p:clrMapOvr>
-  <p:timing>
-    <p:tnLst>
-      <p:par>
-        <p:cTn id="1" dur="indefinite" restart="never" nodeType="tmRoot"/>
-      </p:par>
-    </p:tnLst>
-    <p:bldLst>
-      <p:bldP spid="3" grpId="0" bldLvl="0" animBg="1"/>
-    </p:bldLst>
-  </p:timing>
 </p:sld>
 </file>
 
@@ -30973,7 +30152,14 @@
         <p:cNvGrpSpPr/>
         <p:nvPr/>
       </p:nvGrpSpPr>
-      <p:grpSpPr/>
+      <p:grpSpPr>
+        <a:xfrm>
+          <a:off x="0" y="0"/>
+          <a:ext cx="0" cy="0"/>
+          <a:chOff x="0" y="0"/>
+          <a:chExt cx="0" cy="0"/>
+        </a:xfrm>
+      </p:grpSpPr>
       <p:sp>
         <p:nvSpPr>
           <p:cNvPr id="7" name="文本框 6"/>
@@ -30994,6 +30180,7 @@
           <a:bodyPr wrap="square" rtlCol="0" anchor="t">
             <a:spAutoFit/>
           </a:bodyPr>
+          <a:lstStyle/>
           <a:p>
             <a:r>
               <a:rPr lang="zh-CN" altLang="en-US" b="1" dirty="0">
@@ -31013,6 +30200,8 @@
               </a:rPr>
               <a:t> </a:t>
             </a:r>
+          </a:p>
+          <a:p>
             <a:endParaRPr lang="en-US" altLang="zh-CN" b="1" dirty="0">
               <a:solidFill>
                 <a:srgbClr val="0000FF"/>
@@ -31021,14 +30210,6 @@
             </a:endParaRPr>
           </a:p>
           <a:p>
-            <a:endParaRPr lang="en-US" altLang="zh-CN" b="1" dirty="0">
-              <a:solidFill>
-                <a:srgbClr val="0000FF"/>
-              </a:solidFill>
-              <a:sym typeface="+mn-ea"/>
-            </a:endParaRPr>
-          </a:p>
-          <a:p>
             <a:pPr indent="457200"/>
             <a:r>
               <a:rPr lang="zh-CN" altLang="en-US" b="1" dirty="0">
@@ -31084,12 +30265,6 @@
               </a:rPr>
               <a:t>，指令时序不变</a:t>
             </a:r>
-            <a:endParaRPr lang="zh-CN" altLang="en-US" b="1" dirty="0">
-              <a:solidFill>
-                <a:schemeClr val="tx1"/>
-              </a:solidFill>
-              <a:sym typeface="+mn-ea"/>
-            </a:endParaRPr>
           </a:p>
         </p:txBody>
       </p:sp>
@@ -31215,12 +30390,6 @@
               </a:rPr>
               <a:t>4.25 Pipeline</a:t>
             </a:r>
-            <a:endParaRPr lang="en-US" altLang="zh-CN" sz="1800" b="1">
-              <a:solidFill>
-                <a:schemeClr val="hlink"/>
-              </a:solidFill>
-              <a:sym typeface="Webdings" panose="05030102010509060703" pitchFamily="18" charset="2"/>
-            </a:endParaRPr>
           </a:p>
         </p:txBody>
       </p:sp>
@@ -31233,7 +30402,7 @@
           <p:nvPr/>
         </p:nvPicPr>
         <p:blipFill>
-          <a:blip r:embed="rId1"/>
+          <a:blip r:embed="rId3"/>
           <a:srcRect l="11626" t="25153" r="24403" b="51181"/>
           <a:stretch>
             <a:fillRect/>
@@ -31288,6 +30457,7 @@
         </p:spPr>
         <p:txBody>
           <a:bodyPr wrap="none" anchor="ctr" anchorCtr="0"/>
+          <a:lstStyle/>
           <a:p>
             <a:pPr indent="457200" algn="l"/>
             <a:endParaRPr lang="en-US" altLang="zh-CN" sz="1800" b="1" dirty="0">
@@ -31334,10 +30504,6 @@
               </a:rPr>
               <a:t>, x10, x11</a:t>
             </a:r>
-            <a:endParaRPr lang="en-US" altLang="zh-CN" sz="2000" b="1" dirty="0">
-              <a:latin typeface="Consolas" panose="020B0609020204030204" pitchFamily="49" charset="0"/>
-              <a:ea typeface="黑体" panose="02010609060101010101" pitchFamily="49" charset="-122"/>
-            </a:endParaRPr>
           </a:p>
           <a:p>
             <a:pPr algn="l"/>
@@ -31358,10 +30524,6 @@
               </a:rPr>
               <a:t> x13, x13, 16</a:t>
             </a:r>
-            <a:endParaRPr lang="en-US" altLang="zh-CN" sz="2000" b="1" dirty="0">
-              <a:latin typeface="Consolas" panose="020B0609020204030204" pitchFamily="49" charset="0"/>
-              <a:ea typeface="黑体" panose="02010609060101010101" pitchFamily="49" charset="-122"/>
-            </a:endParaRPr>
           </a:p>
           <a:p>
             <a:pPr algn="l"/>
@@ -31547,6 +30709,7 @@
           <a:bodyPr wrap="square" rtlCol="0" anchor="t">
             <a:spAutoFit/>
           </a:bodyPr>
+          <a:lstStyle/>
           <a:p>
             <a:r>
               <a:rPr lang="en-US" altLang="zh-CN" sz="2000" b="1">
@@ -31572,9 +30735,6 @@
               </a:rPr>
               <a:t>。</a:t>
             </a:r>
-            <a:endParaRPr lang="zh-CN" altLang="en-US" sz="2000" b="1">
-              <a:sym typeface="+mn-ea"/>
-            </a:endParaRPr>
           </a:p>
         </p:txBody>
       </p:sp>
@@ -31583,16 +30743,6 @@
   <p:clrMapOvr>
     <a:masterClrMapping/>
   </p:clrMapOvr>
-  <p:timing>
-    <p:tnLst>
-      <p:par>
-        <p:cTn id="1" dur="indefinite" restart="never" nodeType="tmRoot"/>
-      </p:par>
-    </p:tnLst>
-    <p:bldLst>
-      <p:bldP spid="3" grpId="0" bldLvl="0" animBg="1"/>
-    </p:bldLst>
-  </p:timing>
 </p:sld>
 </file>
 
@@ -31605,7 +30755,14 @@
         <p:cNvGrpSpPr/>
         <p:nvPr/>
       </p:nvGrpSpPr>
-      <p:grpSpPr/>
+      <p:grpSpPr>
+        <a:xfrm>
+          <a:off x="0" y="0"/>
+          <a:ext cx="0" cy="0"/>
+          <a:chOff x="0" y="0"/>
+          <a:chExt cx="0" cy="0"/>
+        </a:xfrm>
+      </p:grpSpPr>
       <p:sp>
         <p:nvSpPr>
           <p:cNvPr id="7" name="文本框 6"/>
@@ -31626,6 +30783,7 @@
           <a:bodyPr wrap="square" rtlCol="0" anchor="t">
             <a:spAutoFit/>
           </a:bodyPr>
+          <a:lstStyle/>
           <a:p>
             <a:r>
               <a:rPr lang="zh-CN" altLang="en-US" b="1" dirty="0">
@@ -31645,6 +30803,8 @@
               </a:rPr>
               <a:t> </a:t>
             </a:r>
+          </a:p>
+          <a:p>
             <a:endParaRPr lang="en-US" altLang="zh-CN" b="1" dirty="0">
               <a:solidFill>
                 <a:srgbClr val="0000FF"/>
@@ -31653,14 +30813,6 @@
             </a:endParaRPr>
           </a:p>
           <a:p>
-            <a:endParaRPr lang="en-US" altLang="zh-CN" b="1" dirty="0">
-              <a:solidFill>
-                <a:srgbClr val="0000FF"/>
-              </a:solidFill>
-              <a:sym typeface="+mn-ea"/>
-            </a:endParaRPr>
-          </a:p>
-          <a:p>
             <a:pPr indent="457200"/>
             <a:r>
               <a:rPr lang="zh-CN" altLang="en-US" b="1" dirty="0">
@@ -31716,12 +30868,6 @@
               </a:rPr>
               <a:t>，指令时序不变</a:t>
             </a:r>
-            <a:endParaRPr lang="zh-CN" altLang="en-US" b="1" dirty="0">
-              <a:solidFill>
-                <a:schemeClr val="tx1"/>
-              </a:solidFill>
-              <a:sym typeface="+mn-ea"/>
-            </a:endParaRPr>
           </a:p>
         </p:txBody>
       </p:sp>
@@ -31847,12 +30993,6 @@
               </a:rPr>
               <a:t>4.25 Pipeline</a:t>
             </a:r>
-            <a:endParaRPr lang="en-US" altLang="zh-CN" sz="1800" b="1">
-              <a:solidFill>
-                <a:schemeClr val="hlink"/>
-              </a:solidFill>
-              <a:sym typeface="Webdings" panose="05030102010509060703" pitchFamily="18" charset="2"/>
-            </a:endParaRPr>
           </a:p>
         </p:txBody>
       </p:sp>
@@ -31865,7 +31005,7 @@
           <p:nvPr/>
         </p:nvPicPr>
         <p:blipFill>
-          <a:blip r:embed="rId1"/>
+          <a:blip r:embed="rId3"/>
           <a:srcRect l="15702" t="32108" r="20327" b="44226"/>
           <a:stretch>
             <a:fillRect/>
@@ -31920,6 +31060,7 @@
         </p:spPr>
         <p:txBody>
           <a:bodyPr wrap="none" anchor="ctr" anchorCtr="0"/>
+          <a:lstStyle/>
           <a:p>
             <a:pPr indent="457200" algn="l"/>
             <a:endParaRPr lang="en-US" altLang="zh-CN" sz="1800" b="1" dirty="0">
@@ -32041,11 +31182,6 @@
               </a:rPr>
               <a:t>)</a:t>
             </a:r>
-            <a:endParaRPr lang="en-US" altLang="zh-CN" sz="2000" b="1" dirty="0">
-              <a:latin typeface="Consolas" panose="020B0609020204030204" pitchFamily="49" charset="0"/>
-              <a:ea typeface="黑体" panose="02010609060101010101" pitchFamily="49" charset="-122"/>
-              <a:sym typeface="+mn-ea"/>
-            </a:endParaRPr>
           </a:p>
           <a:p>
             <a:pPr algn="l"/>
@@ -32197,6 +31333,7 @@
           <a:bodyPr wrap="square" rtlCol="0" anchor="t">
             <a:spAutoFit/>
           </a:bodyPr>
+          <a:lstStyle/>
           <a:p>
             <a:r>
               <a:rPr lang="en-US" altLang="zh-CN" sz="2000" b="1">
@@ -32222,9 +31359,6 @@
               </a:rPr>
               <a:t>。</a:t>
             </a:r>
-            <a:endParaRPr lang="zh-CN" altLang="en-US" sz="2000" b="1">
-              <a:sym typeface="+mn-ea"/>
-            </a:endParaRPr>
           </a:p>
         </p:txBody>
       </p:sp>
@@ -32233,16 +31367,6 @@
   <p:clrMapOvr>
     <a:masterClrMapping/>
   </p:clrMapOvr>
-  <p:timing>
-    <p:tnLst>
-      <p:par>
-        <p:cTn id="1" dur="indefinite" restart="never" nodeType="tmRoot"/>
-      </p:par>
-    </p:tnLst>
-    <p:bldLst>
-      <p:bldP spid="3" grpId="0" bldLvl="0" animBg="1"/>
-    </p:bldLst>
-  </p:timing>
 </p:sld>
 </file>
 
@@ -32255,7 +31379,14 @@
         <p:cNvGrpSpPr/>
         <p:nvPr/>
       </p:nvGrpSpPr>
-      <p:grpSpPr/>
+      <p:grpSpPr>
+        <a:xfrm>
+          <a:off x="0" y="0"/>
+          <a:ext cx="0" cy="0"/>
+          <a:chOff x="0" y="0"/>
+          <a:chExt cx="0" cy="0"/>
+        </a:xfrm>
+      </p:grpSpPr>
       <p:sp>
         <p:nvSpPr>
           <p:cNvPr id="2146" name="Text Box 98"/>
@@ -32390,7 +31521,6 @@
               <a:rPr lang="en-US" altLang="zh-CN" sz="2400" b="1"/>
               <a:t>  </a:t>
             </a:r>
-            <a:endParaRPr lang="en-US" altLang="zh-CN" sz="2400" b="1"/>
           </a:p>
           <a:p>
             <a:pPr marL="0" lvl="0" indent="0" eaLnBrk="1" hangingPunct="1">
@@ -32464,7 +31594,6 @@
               <a:rPr lang="en-US" altLang="zh-CN" sz="2400" b="1"/>
               <a:t> is in the IF stage.)</a:t>
             </a:r>
-            <a:endParaRPr lang="en-US" altLang="zh-CN" sz="2400" b="1"/>
           </a:p>
         </p:txBody>
       </p:sp>
@@ -32488,6 +31617,7 @@
           <a:bodyPr wrap="square" rtlCol="0" anchor="t">
             <a:spAutoFit/>
           </a:bodyPr>
+          <a:lstStyle/>
           <a:p>
             <a:r>
               <a:rPr lang="zh-CN" altLang="en-US" b="1" dirty="0">
@@ -32507,6 +31637,8 @@
               </a:rPr>
               <a:t> </a:t>
             </a:r>
+          </a:p>
+          <a:p>
             <a:endParaRPr lang="en-US" altLang="zh-CN" b="1" dirty="0">
               <a:solidFill>
                 <a:srgbClr val="0000FF"/>
@@ -32515,14 +31647,6 @@
             </a:endParaRPr>
           </a:p>
           <a:p>
-            <a:endParaRPr lang="en-US" altLang="zh-CN" b="1" dirty="0">
-              <a:solidFill>
-                <a:srgbClr val="0000FF"/>
-              </a:solidFill>
-              <a:sym typeface="+mn-ea"/>
-            </a:endParaRPr>
-          </a:p>
-          <a:p>
             <a:pPr indent="457200"/>
             <a:r>
               <a:rPr lang="en-US" altLang="zh-CN" b="1" dirty="0">
@@ -32560,12 +31684,6 @@
               </a:rPr>
               <a:t>处理。</a:t>
             </a:r>
-            <a:endParaRPr lang="zh-CN" altLang="en-US" b="1" dirty="0">
-              <a:solidFill>
-                <a:schemeClr val="tx1"/>
-              </a:solidFill>
-              <a:sym typeface="+mn-ea"/>
-            </a:endParaRPr>
           </a:p>
         </p:txBody>
       </p:sp>
@@ -32691,12 +31809,6 @@
               </a:rPr>
               <a:t>4.25 Pipeline</a:t>
             </a:r>
-            <a:endParaRPr lang="en-US" altLang="zh-CN" sz="1800" b="1">
-              <a:solidFill>
-                <a:schemeClr val="hlink"/>
-              </a:solidFill>
-              <a:sym typeface="Webdings" panose="05030102010509060703" pitchFamily="18" charset="2"/>
-            </a:endParaRPr>
           </a:p>
         </p:txBody>
       </p:sp>
@@ -32705,16 +31817,6 @@
   <p:clrMapOvr>
     <a:masterClrMapping/>
   </p:clrMapOvr>
-  <p:timing>
-    <p:tnLst>
-      <p:par>
-        <p:cTn id="1" dur="indefinite" restart="never" nodeType="tmRoot"/>
-      </p:par>
-    </p:tnLst>
-    <p:bldLst>
-      <p:bldP spid="2146" grpId="0"/>
-    </p:bldLst>
-  </p:timing>
 </p:sld>
 </file>
 
@@ -32727,7 +31829,14 @@
         <p:cNvGrpSpPr/>
         <p:nvPr/>
       </p:nvGrpSpPr>
-      <p:grpSpPr/>
+      <p:grpSpPr>
+        <a:xfrm>
+          <a:off x="0" y="0"/>
+          <a:ext cx="0" cy="0"/>
+          <a:chOff x="0" y="0"/>
+          <a:chExt cx="0" cy="0"/>
+        </a:xfrm>
+      </p:grpSpPr>
       <p:sp>
         <p:nvSpPr>
           <p:cNvPr id="7" name="文本框 6"/>
@@ -32748,6 +31857,7 @@
           <a:bodyPr wrap="square" rtlCol="0" anchor="t">
             <a:spAutoFit/>
           </a:bodyPr>
+          <a:lstStyle/>
           <a:p>
             <a:r>
               <a:rPr lang="zh-CN" altLang="en-US" b="1" dirty="0">
@@ -32767,12 +31877,6 @@
               </a:rPr>
               <a:t> </a:t>
             </a:r>
-            <a:endParaRPr lang="en-US" altLang="zh-CN" b="1" dirty="0">
-              <a:solidFill>
-                <a:srgbClr val="0000FF"/>
-              </a:solidFill>
-              <a:sym typeface="+mn-ea"/>
-            </a:endParaRPr>
           </a:p>
           <a:p>
             <a:endParaRPr lang="en-US" altLang="zh-CN" b="1" dirty="0">
@@ -32966,12 +32070,6 @@
               </a:rPr>
               <a:t>4.25 Pipeline</a:t>
             </a:r>
-            <a:endParaRPr lang="en-US" altLang="zh-CN" sz="1800" b="1">
-              <a:solidFill>
-                <a:schemeClr val="hlink"/>
-              </a:solidFill>
-              <a:sym typeface="Webdings" panose="05030102010509060703" pitchFamily="18" charset="2"/>
-            </a:endParaRPr>
           </a:p>
         </p:txBody>
       </p:sp>
@@ -32984,7 +32082,7 @@
           <p:nvPr/>
         </p:nvPicPr>
         <p:blipFill>
-          <a:blip r:embed="rId1"/>
+          <a:blip r:embed="rId3"/>
           <a:stretch>
             <a:fillRect/>
           </a:stretch>
@@ -33038,6 +32136,7 @@
         </p:spPr>
         <p:txBody>
           <a:bodyPr wrap="none" anchor="ctr" anchorCtr="0"/>
+          <a:lstStyle/>
           <a:p>
             <a:pPr indent="457200" algn="l"/>
             <a:endParaRPr lang="en-US" altLang="zh-CN" sz="1800" b="1" dirty="0">
@@ -33067,6 +32166,130 @@
               </a:rPr>
               <a:t> x10, 0(x13)</a:t>
             </a:r>
+          </a:p>
+          <a:p>
+            <a:pPr algn="l"/>
+            <a:r>
+              <a:rPr lang="en-US" altLang="zh-CN" sz="1400" b="1" dirty="0">
+                <a:solidFill>
+                  <a:schemeClr val="hlink"/>
+                </a:solidFill>
+                <a:latin typeface="Consolas" panose="020B0609020204030204" pitchFamily="49" charset="0"/>
+                <a:ea typeface="黑体" panose="02010609060101010101" pitchFamily="49" charset="-122"/>
+              </a:rPr>
+              <a:t>ld</a:t>
+            </a:r>
+            <a:r>
+              <a:rPr lang="en-US" altLang="zh-CN" sz="1400" b="1" dirty="0">
+                <a:latin typeface="Consolas" panose="020B0609020204030204" pitchFamily="49" charset="0"/>
+                <a:ea typeface="黑体" panose="02010609060101010101" pitchFamily="49" charset="-122"/>
+              </a:rPr>
+              <a:t> x11, 8(x13)</a:t>
+            </a:r>
+          </a:p>
+          <a:p>
+            <a:pPr algn="l"/>
+            <a:r>
+              <a:rPr lang="en-US" altLang="zh-CN" sz="1400" b="1" dirty="0">
+                <a:solidFill>
+                  <a:schemeClr val="hlink"/>
+                </a:solidFill>
+                <a:latin typeface="Consolas" panose="020B0609020204030204" pitchFamily="49" charset="0"/>
+                <a:ea typeface="黑体" panose="02010609060101010101" pitchFamily="49" charset="-122"/>
+              </a:rPr>
+              <a:t>add</a:t>
+            </a:r>
+            <a:r>
+              <a:rPr lang="en-US" altLang="zh-CN" sz="1400" b="1" dirty="0">
+                <a:latin typeface="Consolas" panose="020B0609020204030204" pitchFamily="49" charset="0"/>
+                <a:ea typeface="黑体" panose="02010609060101010101" pitchFamily="49" charset="-122"/>
+              </a:rPr>
+              <a:t> x12, x10, x11</a:t>
+            </a:r>
+          </a:p>
+          <a:p>
+            <a:pPr algn="l"/>
+            <a:r>
+              <a:rPr lang="en-US" altLang="zh-CN" sz="1400" b="1" dirty="0">
+                <a:solidFill>
+                  <a:schemeClr val="hlink"/>
+                </a:solidFill>
+                <a:latin typeface="Consolas" panose="020B0609020204030204" pitchFamily="49" charset="0"/>
+                <a:ea typeface="黑体" panose="02010609060101010101" pitchFamily="49" charset="-122"/>
+              </a:rPr>
+              <a:t>subi</a:t>
+            </a:r>
+            <a:r>
+              <a:rPr lang="en-US" altLang="zh-CN" sz="1400" b="1" dirty="0">
+                <a:latin typeface="Consolas" panose="020B0609020204030204" pitchFamily="49" charset="0"/>
+                <a:ea typeface="黑体" panose="02010609060101010101" pitchFamily="49" charset="-122"/>
+              </a:rPr>
+              <a:t> x13, x13, 16</a:t>
+            </a:r>
+          </a:p>
+          <a:p>
+            <a:pPr algn="l"/>
+            <a:r>
+              <a:rPr lang="en-US" altLang="zh-CN" sz="1400" b="1" u="sng" dirty="0">
+                <a:solidFill>
+                  <a:schemeClr val="hlink"/>
+                </a:solidFill>
+                <a:latin typeface="Consolas" panose="020B0609020204030204" pitchFamily="49" charset="0"/>
+                <a:ea typeface="黑体" panose="02010609060101010101" pitchFamily="49" charset="-122"/>
+              </a:rPr>
+              <a:t>snez</a:t>
+            </a:r>
+            <a:r>
+              <a:rPr lang="en-US" altLang="zh-CN" sz="1400" b="1" u="sng" dirty="0">
+                <a:latin typeface="Consolas" panose="020B0609020204030204" pitchFamily="49" charset="0"/>
+                <a:ea typeface="黑体" panose="02010609060101010101" pitchFamily="49" charset="-122"/>
+              </a:rPr>
+              <a:t> x28, x12</a:t>
+            </a:r>
+          </a:p>
+          <a:p>
+            <a:pPr algn="l"/>
+            <a:r>
+              <a:rPr lang="en-US" altLang="zh-CN" sz="1400" b="1" dirty="0">
+                <a:solidFill>
+                  <a:schemeClr val="hlink"/>
+                </a:solidFill>
+                <a:latin typeface="Consolas" panose="020B0609020204030204" pitchFamily="49" charset="0"/>
+                <a:ea typeface="黑体" panose="02010609060101010101" pitchFamily="49" charset="-122"/>
+                <a:sym typeface="+mn-ea"/>
+              </a:rPr>
+              <a:t>ld</a:t>
+            </a:r>
+            <a:r>
+              <a:rPr lang="en-US" altLang="zh-CN" sz="1400" b="1" dirty="0">
+                <a:latin typeface="Consolas" panose="020B0609020204030204" pitchFamily="49" charset="0"/>
+                <a:ea typeface="黑体" panose="02010609060101010101" pitchFamily="49" charset="-122"/>
+                <a:sym typeface="+mn-ea"/>
+              </a:rPr>
+              <a:t> x10, 0(x13)</a:t>
+            </a:r>
+          </a:p>
+          <a:p>
+            <a:pPr algn="l"/>
+            <a:r>
+              <a:rPr lang="en-US" altLang="zh-CN" sz="1400" b="1" dirty="0">
+                <a:solidFill>
+                  <a:schemeClr val="hlink"/>
+                </a:solidFill>
+                <a:latin typeface="Consolas" panose="020B0609020204030204" pitchFamily="49" charset="0"/>
+                <a:ea typeface="黑体" panose="02010609060101010101" pitchFamily="49" charset="-122"/>
+                <a:sym typeface="+mn-ea"/>
+              </a:rPr>
+              <a:t>ld</a:t>
+            </a:r>
+            <a:r>
+              <a:rPr lang="en-US" altLang="zh-CN" sz="1400" b="1" dirty="0">
+                <a:latin typeface="Consolas" panose="020B0609020204030204" pitchFamily="49" charset="0"/>
+                <a:ea typeface="黑体" panose="02010609060101010101" pitchFamily="49" charset="-122"/>
+                <a:sym typeface="+mn-ea"/>
+              </a:rPr>
+              <a:t> x11, 8(x13)</a:t>
+            </a:r>
             <a:endParaRPr lang="en-US" altLang="zh-CN" sz="1400" b="1" dirty="0">
               <a:latin typeface="Consolas" panose="020B0609020204030204" pitchFamily="49" charset="0"/>
               <a:ea typeface="黑体" panose="02010609060101010101" pitchFamily="49" charset="-122"/>
@@ -33081,15 +32304,17 @@
                 </a:solidFill>
                 <a:latin typeface="Consolas" panose="020B0609020204030204" pitchFamily="49" charset="0"/>
                 <a:ea typeface="黑体" panose="02010609060101010101" pitchFamily="49" charset="-122"/>
-              </a:rPr>
-              <a:t>ld</a:t>
+                <a:sym typeface="+mn-ea"/>
+              </a:rPr>
+              <a:t>add</a:t>
             </a:r>
             <a:r>
               <a:rPr lang="en-US" altLang="zh-CN" sz="1400" b="1" dirty="0">
                 <a:latin typeface="Consolas" panose="020B0609020204030204" pitchFamily="49" charset="0"/>
                 <a:ea typeface="黑体" panose="02010609060101010101" pitchFamily="49" charset="-122"/>
-              </a:rPr>
-              <a:t> x11, 8(x13)</a:t>
+                <a:sym typeface="+mn-ea"/>
+              </a:rPr>
+              <a:t> x12, x10, x11</a:t>
             </a:r>
             <a:endParaRPr lang="en-US" altLang="zh-CN" sz="1400" b="1" dirty="0">
               <a:latin typeface="Consolas" panose="020B0609020204030204" pitchFamily="49" charset="0"/>
@@ -33105,15 +32330,17 @@
                 </a:solidFill>
                 <a:latin typeface="Consolas" panose="020B0609020204030204" pitchFamily="49" charset="0"/>
                 <a:ea typeface="黑体" panose="02010609060101010101" pitchFamily="49" charset="-122"/>
-              </a:rPr>
-              <a:t>add</a:t>
+                <a:sym typeface="+mn-ea"/>
+              </a:rPr>
+              <a:t>subi</a:t>
             </a:r>
             <a:r>
               <a:rPr lang="en-US" altLang="zh-CN" sz="1400" b="1" dirty="0">
                 <a:latin typeface="Consolas" panose="020B0609020204030204" pitchFamily="49" charset="0"/>
                 <a:ea typeface="黑体" panose="02010609060101010101" pitchFamily="49" charset="-122"/>
-              </a:rPr>
-              <a:t> x12, x10, x11</a:t>
+                <a:sym typeface="+mn-ea"/>
+              </a:rPr>
+              <a:t> x13, x13, 16</a:t>
             </a:r>
             <a:endParaRPr lang="en-US" altLang="zh-CN" sz="1400" b="1" dirty="0">
               <a:latin typeface="Consolas" panose="020B0609020204030204" pitchFamily="49" charset="0"/>
@@ -33123,36 +32350,13 @@
           <a:p>
             <a:pPr algn="l"/>
             <a:r>
-              <a:rPr lang="en-US" altLang="zh-CN" sz="1400" b="1" dirty="0">
+              <a:rPr lang="en-US" altLang="zh-CN" sz="1400" b="1" u="sng" dirty="0">
                 <a:solidFill>
                   <a:schemeClr val="hlink"/>
                 </a:solidFill>
                 <a:latin typeface="Consolas" panose="020B0609020204030204" pitchFamily="49" charset="0"/>
                 <a:ea typeface="黑体" panose="02010609060101010101" pitchFamily="49" charset="-122"/>
-              </a:rPr>
-              <a:t>subi</a:t>
-            </a:r>
-            <a:r>
-              <a:rPr lang="en-US" altLang="zh-CN" sz="1400" b="1" dirty="0">
-                <a:latin typeface="Consolas" panose="020B0609020204030204" pitchFamily="49" charset="0"/>
-                <a:ea typeface="黑体" panose="02010609060101010101" pitchFamily="49" charset="-122"/>
-              </a:rPr>
-              <a:t> x13, x13, 16</a:t>
-            </a:r>
-            <a:endParaRPr lang="en-US" altLang="zh-CN" sz="1400" b="1" dirty="0">
-              <a:latin typeface="Consolas" panose="020B0609020204030204" pitchFamily="49" charset="0"/>
-              <a:ea typeface="黑体" panose="02010609060101010101" pitchFamily="49" charset="-122"/>
-            </a:endParaRPr>
-          </a:p>
-          <a:p>
-            <a:pPr algn="l"/>
-            <a:r>
-              <a:rPr lang="en-US" altLang="zh-CN" sz="1400" b="1" u="sng" dirty="0">
-                <a:solidFill>
-                  <a:schemeClr val="hlink"/>
-                </a:solidFill>
-                <a:latin typeface="Consolas" panose="020B0609020204030204" pitchFamily="49" charset="0"/>
-                <a:ea typeface="黑体" panose="02010609060101010101" pitchFamily="49" charset="-122"/>
+                <a:sym typeface="+mn-ea"/>
               </a:rPr>
               <a:t>snez</a:t>
             </a:r>
@@ -33160,145 +32364,10 @@
               <a:rPr lang="en-US" altLang="zh-CN" sz="1400" b="1" u="sng" dirty="0">
                 <a:latin typeface="Consolas" panose="020B0609020204030204" pitchFamily="49" charset="0"/>
                 <a:ea typeface="黑体" panose="02010609060101010101" pitchFamily="49" charset="-122"/>
+                <a:sym typeface="+mn-ea"/>
               </a:rPr>
               <a:t> x28, x12</a:t>
             </a:r>
-            <a:endParaRPr lang="en-US" altLang="zh-CN" sz="1400" b="1" u="sng" dirty="0">
-              <a:latin typeface="Consolas" panose="020B0609020204030204" pitchFamily="49" charset="0"/>
-              <a:ea typeface="黑体" panose="02010609060101010101" pitchFamily="49" charset="-122"/>
-            </a:endParaRPr>
-          </a:p>
-          <a:p>
-            <a:pPr algn="l"/>
-            <a:r>
-              <a:rPr lang="en-US" altLang="zh-CN" sz="1400" b="1" dirty="0">
-                <a:solidFill>
-                  <a:schemeClr val="hlink"/>
-                </a:solidFill>
-                <a:latin typeface="Consolas" panose="020B0609020204030204" pitchFamily="49" charset="0"/>
-                <a:ea typeface="黑体" panose="02010609060101010101" pitchFamily="49" charset="-122"/>
-                <a:sym typeface="+mn-ea"/>
-              </a:rPr>
-              <a:t>ld</a:t>
-            </a:r>
-            <a:r>
-              <a:rPr lang="en-US" altLang="zh-CN" sz="1400" b="1" dirty="0">
-                <a:latin typeface="Consolas" panose="020B0609020204030204" pitchFamily="49" charset="0"/>
-                <a:ea typeface="黑体" panose="02010609060101010101" pitchFamily="49" charset="-122"/>
-                <a:sym typeface="+mn-ea"/>
-              </a:rPr>
-              <a:t> x10, 0(x13)</a:t>
-            </a:r>
-            <a:endParaRPr lang="en-US" altLang="zh-CN" sz="1400" b="1" dirty="0">
-              <a:latin typeface="Consolas" panose="020B0609020204030204" pitchFamily="49" charset="0"/>
-              <a:ea typeface="黑体" panose="02010609060101010101" pitchFamily="49" charset="-122"/>
-              <a:sym typeface="+mn-ea"/>
-            </a:endParaRPr>
-          </a:p>
-          <a:p>
-            <a:pPr algn="l"/>
-            <a:r>
-              <a:rPr lang="en-US" altLang="zh-CN" sz="1400" b="1" dirty="0">
-                <a:solidFill>
-                  <a:schemeClr val="hlink"/>
-                </a:solidFill>
-                <a:latin typeface="Consolas" panose="020B0609020204030204" pitchFamily="49" charset="0"/>
-                <a:ea typeface="黑体" panose="02010609060101010101" pitchFamily="49" charset="-122"/>
-                <a:sym typeface="+mn-ea"/>
-              </a:rPr>
-              <a:t>ld</a:t>
-            </a:r>
-            <a:r>
-              <a:rPr lang="en-US" altLang="zh-CN" sz="1400" b="1" dirty="0">
-                <a:latin typeface="Consolas" panose="020B0609020204030204" pitchFamily="49" charset="0"/>
-                <a:ea typeface="黑体" panose="02010609060101010101" pitchFamily="49" charset="-122"/>
-                <a:sym typeface="+mn-ea"/>
-              </a:rPr>
-              <a:t> x11, 8(x13)</a:t>
-            </a:r>
-            <a:endParaRPr lang="en-US" altLang="zh-CN" sz="1400" b="1" dirty="0">
-              <a:latin typeface="Consolas" panose="020B0609020204030204" pitchFamily="49" charset="0"/>
-              <a:ea typeface="黑体" panose="02010609060101010101" pitchFamily="49" charset="-122"/>
-            </a:endParaRPr>
-          </a:p>
-          <a:p>
-            <a:pPr algn="l"/>
-            <a:r>
-              <a:rPr lang="en-US" altLang="zh-CN" sz="1400" b="1" dirty="0">
-                <a:solidFill>
-                  <a:schemeClr val="hlink"/>
-                </a:solidFill>
-                <a:latin typeface="Consolas" panose="020B0609020204030204" pitchFamily="49" charset="0"/>
-                <a:ea typeface="黑体" panose="02010609060101010101" pitchFamily="49" charset="-122"/>
-                <a:sym typeface="+mn-ea"/>
-              </a:rPr>
-              <a:t>add</a:t>
-            </a:r>
-            <a:r>
-              <a:rPr lang="en-US" altLang="zh-CN" sz="1400" b="1" dirty="0">
-                <a:latin typeface="Consolas" panose="020B0609020204030204" pitchFamily="49" charset="0"/>
-                <a:ea typeface="黑体" panose="02010609060101010101" pitchFamily="49" charset="-122"/>
-                <a:sym typeface="+mn-ea"/>
-              </a:rPr>
-              <a:t> x12, x10, x11</a:t>
-            </a:r>
-            <a:endParaRPr lang="en-US" altLang="zh-CN" sz="1400" b="1" dirty="0">
-              <a:latin typeface="Consolas" panose="020B0609020204030204" pitchFamily="49" charset="0"/>
-              <a:ea typeface="黑体" panose="02010609060101010101" pitchFamily="49" charset="-122"/>
-            </a:endParaRPr>
-          </a:p>
-          <a:p>
-            <a:pPr algn="l"/>
-            <a:r>
-              <a:rPr lang="en-US" altLang="zh-CN" sz="1400" b="1" dirty="0">
-                <a:solidFill>
-                  <a:schemeClr val="hlink"/>
-                </a:solidFill>
-                <a:latin typeface="Consolas" panose="020B0609020204030204" pitchFamily="49" charset="0"/>
-                <a:ea typeface="黑体" panose="02010609060101010101" pitchFamily="49" charset="-122"/>
-                <a:sym typeface="+mn-ea"/>
-              </a:rPr>
-              <a:t>subi</a:t>
-            </a:r>
-            <a:r>
-              <a:rPr lang="en-US" altLang="zh-CN" sz="1400" b="1" dirty="0">
-                <a:latin typeface="Consolas" panose="020B0609020204030204" pitchFamily="49" charset="0"/>
-                <a:ea typeface="黑体" panose="02010609060101010101" pitchFamily="49" charset="-122"/>
-                <a:sym typeface="+mn-ea"/>
-              </a:rPr>
-              <a:t> x13, x13, 16</a:t>
-            </a:r>
-            <a:endParaRPr lang="en-US" altLang="zh-CN" sz="1400" b="1" dirty="0">
-              <a:latin typeface="Consolas" panose="020B0609020204030204" pitchFamily="49" charset="0"/>
-              <a:ea typeface="黑体" panose="02010609060101010101" pitchFamily="49" charset="-122"/>
-            </a:endParaRPr>
-          </a:p>
-          <a:p>
-            <a:pPr algn="l"/>
-            <a:r>
-              <a:rPr lang="en-US" altLang="zh-CN" sz="1400" b="1" u="sng" dirty="0">
-                <a:solidFill>
-                  <a:schemeClr val="hlink"/>
-                </a:solidFill>
-                <a:latin typeface="Consolas" panose="020B0609020204030204" pitchFamily="49" charset="0"/>
-                <a:ea typeface="黑体" panose="02010609060101010101" pitchFamily="49" charset="-122"/>
-                <a:sym typeface="+mn-ea"/>
-              </a:rPr>
-              <a:t>snez</a:t>
-            </a:r>
-            <a:r>
-              <a:rPr lang="en-US" altLang="zh-CN" sz="1400" b="1" u="sng" dirty="0">
-                <a:latin typeface="Consolas" panose="020B0609020204030204" pitchFamily="49" charset="0"/>
-                <a:ea typeface="黑体" panose="02010609060101010101" pitchFamily="49" charset="-122"/>
-                <a:sym typeface="+mn-ea"/>
-              </a:rPr>
-              <a:t> x28, x12</a:t>
-            </a:r>
-            <a:endParaRPr lang="en-US" altLang="zh-CN" sz="1400" b="1" u="sng" dirty="0">
-              <a:latin typeface="Consolas" panose="020B0609020204030204" pitchFamily="49" charset="0"/>
-              <a:ea typeface="黑体" panose="02010609060101010101" pitchFamily="49" charset="-122"/>
-              <a:sym typeface="+mn-ea"/>
-            </a:endParaRPr>
           </a:p>
         </p:txBody>
       </p:sp>
@@ -33427,22 +32496,12 @@
   <p:clrMapOvr>
     <a:masterClrMapping/>
   </p:clrMapOvr>
-  <p:timing>
-    <p:tnLst>
-      <p:par>
-        <p:cTn id="1" dur="indefinite" restart="never" nodeType="tmRoot"/>
-      </p:par>
-    </p:tnLst>
-    <p:bldLst>
-      <p:bldP spid="3" grpId="0" bldLvl="0" animBg="1"/>
-    </p:bldLst>
-  </p:timing>
 </p:sld>
 </file>
 
 <file path=ppt/tags/tag1.xml><?xml version="1.0" encoding="utf-8"?>
-<p:tagLst xmlns:p="http://schemas.openxmlformats.org/presentationml/2006/main">
-  <p:tag name="commondata" val="eyJoZGlkIjoiMGQyYzJiNTMzZDIxZDgwZDQwYjg3YjRmZTEzNzQ4ZjgifQ=="/>
+<p:tagLst xmlns:a="http://schemas.openxmlformats.org/drawingml/2006/main" xmlns:r="http://schemas.openxmlformats.org/officeDocument/2006/relationships" xmlns:p="http://schemas.openxmlformats.org/presentationml/2006/main">
+  <p:tag name="COMMONDATA" val="eyJoZGlkIjoiMGQyYzJiNTMzZDIxZDgwZDQwYjg3YjRmZTEzNzQ4ZjgifQ=="/>
 </p:tagLst>
 </file>
 
@@ -34357,6 +33416,8 @@
       </a:bgFillStyleLst>
     </a:fmtScheme>
   </a:themeElements>
+  <a:objectDefaults/>
+  <a:extraClrSchemeLst/>
   <a:extLst>
     <a:ext uri="{05A4C25C-085E-4340-85A3-A5531E510DB2}">
       <thm15:themeFamily xmlns:thm15="http://schemas.microsoft.com/office/thememl/2012/main" name="Office Theme" id="{62F939B6-93AF-4DB8-9C6B-D6C7DFDC589F}" vid="{4A3C46E8-61CC-4603-A589-7422A47A8E4A}"/>
@@ -34643,6 +33704,8 @@
       </a:bgFillStyleLst>
     </a:fmtScheme>
   </a:themeElements>
+  <a:objectDefaults/>
+  <a:extraClrSchemeLst/>
   <a:extLst>
     <a:ext uri="{05A4C25C-085E-4340-85A3-A5531E510DB2}">
       <thm15:themeFamily xmlns:thm15="http://schemas.microsoft.com/office/thememl/2012/main" name="Office Theme" id="{62F939B6-93AF-4DB8-9C6B-D6C7DFDC589F}" vid="{4A3C46E8-61CC-4603-A589-7422A47A8E4A}"/>
